--- a/Teste de Software.pptx
+++ b/Teste de Software.pptx
@@ -6,9 +6,53 @@
   </p:sldMasterIdLst>
   <p:sldIdLst>
     <p:sldId id="256" r:id="rId2"/>
-    <p:sldId id="259" r:id="rId3"/>
-    <p:sldId id="257" r:id="rId4"/>
-    <p:sldId id="258" r:id="rId5"/>
+    <p:sldId id="272" r:id="rId3"/>
+    <p:sldId id="260" r:id="rId4"/>
+    <p:sldId id="261" r:id="rId5"/>
+    <p:sldId id="262" r:id="rId6"/>
+    <p:sldId id="263" r:id="rId7"/>
+    <p:sldId id="264" r:id="rId8"/>
+    <p:sldId id="265" r:id="rId9"/>
+    <p:sldId id="266" r:id="rId10"/>
+    <p:sldId id="267" r:id="rId11"/>
+    <p:sldId id="268" r:id="rId12"/>
+    <p:sldId id="269" r:id="rId13"/>
+    <p:sldId id="270" r:id="rId14"/>
+    <p:sldId id="273" r:id="rId15"/>
+    <p:sldId id="271" r:id="rId16"/>
+    <p:sldId id="274" r:id="rId17"/>
+    <p:sldId id="275" r:id="rId18"/>
+    <p:sldId id="276" r:id="rId19"/>
+    <p:sldId id="277" r:id="rId20"/>
+    <p:sldId id="278" r:id="rId21"/>
+    <p:sldId id="279" r:id="rId22"/>
+    <p:sldId id="281" r:id="rId23"/>
+    <p:sldId id="280" r:id="rId24"/>
+    <p:sldId id="282" r:id="rId25"/>
+    <p:sldId id="283" r:id="rId26"/>
+    <p:sldId id="284" r:id="rId27"/>
+    <p:sldId id="285" r:id="rId28"/>
+    <p:sldId id="286" r:id="rId29"/>
+    <p:sldId id="287" r:id="rId30"/>
+    <p:sldId id="288" r:id="rId31"/>
+    <p:sldId id="289" r:id="rId32"/>
+    <p:sldId id="291" r:id="rId33"/>
+    <p:sldId id="290" r:id="rId34"/>
+    <p:sldId id="293" r:id="rId35"/>
+    <p:sldId id="292" r:id="rId36"/>
+    <p:sldId id="294" r:id="rId37"/>
+    <p:sldId id="295" r:id="rId38"/>
+    <p:sldId id="296" r:id="rId39"/>
+    <p:sldId id="297" r:id="rId40"/>
+    <p:sldId id="298" r:id="rId41"/>
+    <p:sldId id="303" r:id="rId42"/>
+    <p:sldId id="302" r:id="rId43"/>
+    <p:sldId id="301" r:id="rId44"/>
+    <p:sldId id="300" r:id="rId45"/>
+    <p:sldId id="299" r:id="rId46"/>
+    <p:sldId id="259" r:id="rId47"/>
+    <p:sldId id="257" r:id="rId48"/>
+    <p:sldId id="258" r:id="rId49"/>
   </p:sldIdLst>
   <p:sldSz cx="12192000" cy="6858000"/>
   <p:notesSz cx="6858000" cy="9144000"/>
@@ -107,6 +151,11 @@
       </a:defRPr>
     </a:lvl9pPr>
   </p:defaultTextStyle>
+  <p:extLst>
+    <p:ext uri="{EFAFB233-063F-42B5-8137-9DF3F51BA10A}">
+      <p15:sldGuideLst xmlns:p15="http://schemas.microsoft.com/office/powerpoint/2012/main"/>
+    </p:ext>
+  </p:extLst>
 </p:presentation>
 </file>
 
@@ -3026,6 +3075,1541 @@
 </p:sld>
 </file>
 
+<file path=ppt/slides/slide10.xml><?xml version="1.0" encoding="utf-8"?>
+<p:sld xmlns:a="http://schemas.openxmlformats.org/drawingml/2006/main" xmlns:r="http://schemas.openxmlformats.org/officeDocument/2006/relationships" xmlns:p="http://schemas.openxmlformats.org/presentationml/2006/main">
+  <p:cSld>
+    <p:spTree>
+      <p:nvGrpSpPr>
+        <p:cNvPr id="1" name=""/>
+        <p:cNvGrpSpPr/>
+        <p:nvPr/>
+      </p:nvGrpSpPr>
+      <p:grpSpPr>
+        <a:xfrm>
+          <a:off x="0" y="0"/>
+          <a:ext cx="0" cy="0"/>
+          <a:chOff x="0" y="0"/>
+          <a:chExt cx="0" cy="0"/>
+        </a:xfrm>
+      </p:grpSpPr>
+      <p:sp>
+        <p:nvSpPr>
+          <p:cNvPr id="2" name="Title 1"/>
+          <p:cNvSpPr>
+            <a:spLocks noGrp="1"/>
+          </p:cNvSpPr>
+          <p:nvPr>
+            <p:ph type="title"/>
+          </p:nvPr>
+        </p:nvSpPr>
+        <p:spPr/>
+        <p:txBody>
+          <a:bodyPr/>
+          <a:lstStyle/>
+          <a:p>
+            <a:r>
+              <a:rPr lang="pt-BR" dirty="0" smtClean="0"/>
+              <a:t>Interfaces</a:t>
+            </a:r>
+            <a:endParaRPr lang="en-US" dirty="0"/>
+          </a:p>
+        </p:txBody>
+      </p:sp>
+      <p:sp>
+        <p:nvSpPr>
+          <p:cNvPr id="3" name="Content Placeholder 2"/>
+          <p:cNvSpPr>
+            <a:spLocks noGrp="1"/>
+          </p:cNvSpPr>
+          <p:nvPr>
+            <p:ph idx="1"/>
+          </p:nvPr>
+        </p:nvSpPr>
+        <p:spPr/>
+        <p:txBody>
+          <a:bodyPr/>
+          <a:lstStyle/>
+          <a:p>
+            <a:r>
+              <a:rPr lang="en-US" dirty="0"/>
+              <a:t>Testes </a:t>
+            </a:r>
+            <a:r>
+              <a:rPr lang="en-US" dirty="0" err="1"/>
+              <a:t>unitários</a:t>
+            </a:r>
+            <a:endParaRPr lang="en-US" dirty="0"/>
+          </a:p>
+          <a:p>
+            <a:pPr marL="0" indent="0">
+              <a:buNone/>
+            </a:pPr>
+            <a:r>
+              <a:rPr lang="en-US" dirty="0"/>
+              <a:t> </a:t>
+            </a:r>
+            <a:r>
+              <a:rPr lang="en-US" dirty="0" smtClean="0"/>
+              <a:t>	</a:t>
+            </a:r>
+            <a:r>
+              <a:rPr lang="en-US" dirty="0" err="1" smtClean="0"/>
+              <a:t>Não</a:t>
+            </a:r>
+            <a:r>
+              <a:rPr lang="en-US" dirty="0" smtClean="0"/>
+              <a:t> </a:t>
+            </a:r>
+            <a:r>
+              <a:rPr lang="en-US" dirty="0" err="1"/>
+              <a:t>existem</a:t>
+            </a:r>
+            <a:endParaRPr lang="en-US" dirty="0"/>
+          </a:p>
+          <a:p>
+            <a:r>
+              <a:rPr lang="en-US" dirty="0"/>
+              <a:t> Testes de </a:t>
+            </a:r>
+            <a:r>
+              <a:rPr lang="en-US" dirty="0" err="1"/>
+              <a:t>integração</a:t>
+            </a:r>
+            <a:endParaRPr lang="en-US" dirty="0"/>
+          </a:p>
+          <a:p>
+            <a:pPr marL="0" indent="0">
+              <a:buNone/>
+            </a:pPr>
+            <a:r>
+              <a:rPr lang="en-US" dirty="0"/>
+              <a:t> </a:t>
+            </a:r>
+            <a:r>
+              <a:rPr lang="en-US" dirty="0" smtClean="0"/>
+              <a:t>	</a:t>
+            </a:r>
+            <a:r>
+              <a:rPr lang="en-US" dirty="0" err="1" smtClean="0"/>
+              <a:t>Não</a:t>
+            </a:r>
+            <a:r>
+              <a:rPr lang="en-US" dirty="0" smtClean="0"/>
+              <a:t> </a:t>
+            </a:r>
+            <a:r>
+              <a:rPr lang="en-US" dirty="0" err="1"/>
+              <a:t>existem</a:t>
+            </a:r>
+            <a:endParaRPr lang="en-US" dirty="0"/>
+          </a:p>
+          <a:p>
+            <a:r>
+              <a:rPr lang="en-US" dirty="0"/>
+              <a:t> Testes de </a:t>
+            </a:r>
+            <a:r>
+              <a:rPr lang="en-US" dirty="0" err="1"/>
+              <a:t>sistema</a:t>
+            </a:r>
+            <a:endParaRPr lang="en-US" dirty="0"/>
+          </a:p>
+          <a:p>
+            <a:pPr marL="0" indent="0">
+              <a:buNone/>
+            </a:pPr>
+            <a:r>
+              <a:rPr lang="en-US" dirty="0"/>
+              <a:t> </a:t>
+            </a:r>
+            <a:r>
+              <a:rPr lang="en-US" dirty="0" smtClean="0"/>
+              <a:t>	</a:t>
+            </a:r>
+            <a:r>
+              <a:rPr lang="en-US" dirty="0" err="1" smtClean="0"/>
+              <a:t>Simuladas</a:t>
+            </a:r>
+            <a:r>
+              <a:rPr lang="en-US" dirty="0" smtClean="0"/>
+              <a:t> </a:t>
+            </a:r>
+            <a:r>
+              <a:rPr lang="en-US" dirty="0"/>
+              <a:t>/ </a:t>
+            </a:r>
+            <a:r>
+              <a:rPr lang="en-US" dirty="0" err="1"/>
+              <a:t>Reais</a:t>
+            </a:r>
+            <a:endParaRPr lang="en-US" dirty="0"/>
+          </a:p>
+          <a:p>
+            <a:r>
+              <a:rPr lang="en-US" dirty="0"/>
+              <a:t> </a:t>
+            </a:r>
+            <a:r>
+              <a:rPr lang="en-US" dirty="0" err="1"/>
+              <a:t>Aceitação</a:t>
+            </a:r>
+            <a:endParaRPr lang="en-US" dirty="0"/>
+          </a:p>
+          <a:p>
+            <a:pPr marL="0" indent="0">
+              <a:buNone/>
+            </a:pPr>
+            <a:r>
+              <a:rPr lang="en-US" dirty="0" smtClean="0"/>
+              <a:t>	 </a:t>
+            </a:r>
+            <a:r>
+              <a:rPr lang="en-US" dirty="0" err="1"/>
+              <a:t>Reais</a:t>
+            </a:r>
+            <a:endParaRPr lang="en-US" dirty="0"/>
+          </a:p>
+        </p:txBody>
+      </p:sp>
+    </p:spTree>
+    <p:extLst>
+      <p:ext uri="{BB962C8B-B14F-4D97-AF65-F5344CB8AC3E}">
+        <p14:creationId xmlns:p14="http://schemas.microsoft.com/office/powerpoint/2010/main" val="161950512"/>
+      </p:ext>
+    </p:extLst>
+  </p:cSld>
+  <p:clrMapOvr>
+    <a:masterClrMapping/>
+  </p:clrMapOvr>
+  <p:timing>
+    <p:tnLst>
+      <p:par>
+        <p:cTn id="1" dur="indefinite" restart="never" nodeType="tmRoot"/>
+      </p:par>
+    </p:tnLst>
+  </p:timing>
+</p:sld>
+</file>
+
+<file path=ppt/slides/slide11.xml><?xml version="1.0" encoding="utf-8"?>
+<p:sld xmlns:a="http://schemas.openxmlformats.org/drawingml/2006/main" xmlns:r="http://schemas.openxmlformats.org/officeDocument/2006/relationships" xmlns:p="http://schemas.openxmlformats.org/presentationml/2006/main">
+  <p:cSld>
+    <p:spTree>
+      <p:nvGrpSpPr>
+        <p:cNvPr id="1" name=""/>
+        <p:cNvGrpSpPr/>
+        <p:nvPr/>
+      </p:nvGrpSpPr>
+      <p:grpSpPr>
+        <a:xfrm>
+          <a:off x="0" y="0"/>
+          <a:ext cx="0" cy="0"/>
+          <a:chOff x="0" y="0"/>
+          <a:chExt cx="0" cy="0"/>
+        </a:xfrm>
+      </p:grpSpPr>
+      <p:sp>
+        <p:nvSpPr>
+          <p:cNvPr id="2" name="Title 1"/>
+          <p:cNvSpPr>
+            <a:spLocks noGrp="1"/>
+          </p:cNvSpPr>
+          <p:nvPr>
+            <p:ph type="title"/>
+          </p:nvPr>
+        </p:nvSpPr>
+        <p:spPr/>
+        <p:txBody>
+          <a:bodyPr/>
+          <a:lstStyle/>
+          <a:p>
+            <a:r>
+              <a:rPr lang="pt-BR" dirty="0"/>
+              <a:t>Ambiente de teste</a:t>
+            </a:r>
+            <a:endParaRPr lang="en-US" dirty="0"/>
+          </a:p>
+        </p:txBody>
+      </p:sp>
+      <p:sp>
+        <p:nvSpPr>
+          <p:cNvPr id="3" name="Content Placeholder 2"/>
+          <p:cNvSpPr>
+            <a:spLocks noGrp="1"/>
+          </p:cNvSpPr>
+          <p:nvPr>
+            <p:ph idx="1"/>
+          </p:nvPr>
+        </p:nvSpPr>
+        <p:spPr/>
+        <p:txBody>
+          <a:bodyPr/>
+          <a:lstStyle/>
+          <a:p>
+            <a:r>
+              <a:rPr lang="pt-BR" dirty="0"/>
+              <a:t>Basicamente, no processo de teste de software definimos três tipos de </a:t>
+            </a:r>
+            <a:r>
+              <a:rPr lang="pt-BR" dirty="0" smtClean="0"/>
+              <a:t>ambiente </a:t>
+            </a:r>
+            <a:r>
+              <a:rPr lang="en-US" dirty="0" smtClean="0"/>
+              <a:t>de </a:t>
+            </a:r>
+            <a:r>
+              <a:rPr lang="en-US" dirty="0"/>
+              <a:t>teste:</a:t>
+            </a:r>
+            <a:endParaRPr lang="en-US" dirty="0"/>
+          </a:p>
+        </p:txBody>
+      </p:sp>
+      <p:pic>
+        <p:nvPicPr>
+          <p:cNvPr id="4" name="Picture 3"/>
+          <p:cNvPicPr>
+            <a:picLocks noChangeAspect="1"/>
+          </p:cNvPicPr>
+          <p:nvPr/>
+        </p:nvPicPr>
+        <p:blipFill>
+          <a:blip r:embed="rId2">
+            <a:extLst>
+              <a:ext uri="{28A0092B-C50C-407E-A947-70E740481C1C}">
+                <a14:useLocalDpi xmlns:a14="http://schemas.microsoft.com/office/drawing/2010/main" val="0"/>
+              </a:ext>
+            </a:extLst>
+          </a:blip>
+          <a:stretch>
+            <a:fillRect/>
+          </a:stretch>
+        </p:blipFill>
+        <p:spPr>
+          <a:xfrm>
+            <a:off x="2851727" y="2767964"/>
+            <a:ext cx="6488545" cy="3154980"/>
+          </a:xfrm>
+          <a:prstGeom prst="rect">
+            <a:avLst/>
+          </a:prstGeom>
+        </p:spPr>
+      </p:pic>
+    </p:spTree>
+    <p:extLst>
+      <p:ext uri="{BB962C8B-B14F-4D97-AF65-F5344CB8AC3E}">
+        <p14:creationId xmlns:p14="http://schemas.microsoft.com/office/powerpoint/2010/main" val="1404812287"/>
+      </p:ext>
+    </p:extLst>
+  </p:cSld>
+  <p:clrMapOvr>
+    <a:masterClrMapping/>
+  </p:clrMapOvr>
+  <p:timing>
+    <p:tnLst>
+      <p:par>
+        <p:cTn id="1" dur="indefinite" restart="never" nodeType="tmRoot"/>
+      </p:par>
+    </p:tnLst>
+  </p:timing>
+</p:sld>
+</file>
+
+<file path=ppt/slides/slide12.xml><?xml version="1.0" encoding="utf-8"?>
+<p:sld xmlns:a="http://schemas.openxmlformats.org/drawingml/2006/main" xmlns:r="http://schemas.openxmlformats.org/officeDocument/2006/relationships" xmlns:p="http://schemas.openxmlformats.org/presentationml/2006/main">
+  <p:cSld>
+    <p:spTree>
+      <p:nvGrpSpPr>
+        <p:cNvPr id="1" name=""/>
+        <p:cNvGrpSpPr/>
+        <p:nvPr/>
+      </p:nvGrpSpPr>
+      <p:grpSpPr>
+        <a:xfrm>
+          <a:off x="0" y="0"/>
+          <a:ext cx="0" cy="0"/>
+          <a:chOff x="0" y="0"/>
+          <a:chExt cx="0" cy="0"/>
+        </a:xfrm>
+      </p:grpSpPr>
+      <p:sp>
+        <p:nvSpPr>
+          <p:cNvPr id="2" name="Title 1"/>
+          <p:cNvSpPr>
+            <a:spLocks noGrp="1"/>
+          </p:cNvSpPr>
+          <p:nvPr>
+            <p:ph type="title"/>
+          </p:nvPr>
+        </p:nvSpPr>
+        <p:spPr/>
+        <p:txBody>
+          <a:bodyPr/>
+          <a:lstStyle/>
+          <a:p>
+            <a:r>
+              <a:rPr lang="pt-BR" dirty="0" smtClean="0"/>
+              <a:t>Ambientes virtuais</a:t>
+            </a:r>
+            <a:endParaRPr lang="en-US" dirty="0"/>
+          </a:p>
+        </p:txBody>
+      </p:sp>
+      <p:sp>
+        <p:nvSpPr>
+          <p:cNvPr id="3" name="Content Placeholder 2"/>
+          <p:cNvSpPr>
+            <a:spLocks noGrp="1"/>
+          </p:cNvSpPr>
+          <p:nvPr>
+            <p:ph idx="1"/>
+          </p:nvPr>
+        </p:nvSpPr>
+        <p:spPr/>
+        <p:txBody>
+          <a:bodyPr>
+            <a:normAutofit/>
+          </a:bodyPr>
+          <a:lstStyle/>
+          <a:p>
+            <a:r>
+              <a:rPr lang="pt-BR" dirty="0"/>
+              <a:t>Infelizmente, na realidade atual, a maioria das empresas não prevê </a:t>
+            </a:r>
+            <a:r>
+              <a:rPr lang="pt-BR" dirty="0" smtClean="0"/>
+              <a:t>orçamento para </a:t>
+            </a:r>
+            <a:r>
+              <a:rPr lang="pt-BR" dirty="0"/>
+              <a:t>preparação dos ambientes de testes na contratação de novos projetos </a:t>
+            </a:r>
+            <a:r>
+              <a:rPr lang="pt-BR" dirty="0" smtClean="0"/>
+              <a:t>de </a:t>
+            </a:r>
+            <a:r>
+              <a:rPr lang="en-US" dirty="0" smtClean="0"/>
+              <a:t>software</a:t>
+            </a:r>
+            <a:r>
+              <a:rPr lang="en-US" dirty="0"/>
+              <a:t>.</a:t>
+            </a:r>
+          </a:p>
+          <a:p>
+            <a:r>
+              <a:rPr lang="pt-BR" dirty="0"/>
+              <a:t>Uma solução que vem ganhando espaço, por ser mais econômica, é a criação </a:t>
+            </a:r>
+            <a:r>
+              <a:rPr lang="pt-BR" dirty="0" smtClean="0"/>
+              <a:t>de ambientes </a:t>
+            </a:r>
+            <a:r>
+              <a:rPr lang="pt-BR" dirty="0"/>
+              <a:t>virtuais - também são conhecidos como ‘máquinas virtuais’.</a:t>
+            </a:r>
+          </a:p>
+          <a:p>
+            <a:r>
+              <a:rPr lang="pt-BR" dirty="0"/>
+              <a:t>Máquina virtual é um software que permite ao arquiteto de testes criar vários ambientes </a:t>
+            </a:r>
+            <a:r>
+              <a:rPr lang="pt-BR" dirty="0" smtClean="0"/>
+              <a:t>de testes</a:t>
+            </a:r>
+            <a:r>
+              <a:rPr lang="pt-BR" dirty="0"/>
+              <a:t>, com diferentes configurações de software, hardware, sistemas operacionais, </a:t>
+            </a:r>
+            <a:r>
+              <a:rPr lang="pt-BR" dirty="0" err="1" smtClean="0"/>
+              <a:t>etc</a:t>
+            </a:r>
+            <a:r>
+              <a:rPr lang="pt-BR" dirty="0" smtClean="0"/>
+              <a:t>, utilizando </a:t>
+            </a:r>
+            <a:r>
+              <a:rPr lang="pt-BR" dirty="0"/>
+              <a:t>na realidade a mesma máquina física.</a:t>
+            </a:r>
+            <a:endParaRPr lang="en-US" dirty="0"/>
+          </a:p>
+        </p:txBody>
+      </p:sp>
+    </p:spTree>
+    <p:extLst>
+      <p:ext uri="{BB962C8B-B14F-4D97-AF65-F5344CB8AC3E}">
+        <p14:creationId xmlns:p14="http://schemas.microsoft.com/office/powerpoint/2010/main" val="2069762131"/>
+      </p:ext>
+    </p:extLst>
+  </p:cSld>
+  <p:clrMapOvr>
+    <a:masterClrMapping/>
+  </p:clrMapOvr>
+</p:sld>
+</file>
+
+<file path=ppt/slides/slide13.xml><?xml version="1.0" encoding="utf-8"?>
+<p:sld xmlns:a="http://schemas.openxmlformats.org/drawingml/2006/main" xmlns:r="http://schemas.openxmlformats.org/officeDocument/2006/relationships" xmlns:p="http://schemas.openxmlformats.org/presentationml/2006/main">
+  <p:cSld>
+    <p:spTree>
+      <p:nvGrpSpPr>
+        <p:cNvPr id="1" name=""/>
+        <p:cNvGrpSpPr/>
+        <p:nvPr/>
+      </p:nvGrpSpPr>
+      <p:grpSpPr>
+        <a:xfrm>
+          <a:off x="0" y="0"/>
+          <a:ext cx="0" cy="0"/>
+          <a:chOff x="0" y="0"/>
+          <a:chExt cx="0" cy="0"/>
+        </a:xfrm>
+      </p:grpSpPr>
+      <p:sp>
+        <p:nvSpPr>
+          <p:cNvPr id="2" name="Title 1"/>
+          <p:cNvSpPr>
+            <a:spLocks noGrp="1"/>
+          </p:cNvSpPr>
+          <p:nvPr>
+            <p:ph type="title"/>
+          </p:nvPr>
+        </p:nvSpPr>
+        <p:spPr/>
+        <p:txBody>
+          <a:bodyPr/>
+          <a:lstStyle/>
+          <a:p>
+            <a:r>
+              <a:rPr lang="en-US" dirty="0" err="1"/>
+              <a:t>Preparação</a:t>
+            </a:r>
+            <a:r>
+              <a:rPr lang="en-US" dirty="0"/>
+              <a:t> do </a:t>
+            </a:r>
+            <a:r>
+              <a:rPr lang="en-US" dirty="0" err="1"/>
+              <a:t>Ambiente</a:t>
+            </a:r>
+            <a:endParaRPr lang="en-US" dirty="0"/>
+          </a:p>
+        </p:txBody>
+      </p:sp>
+      <p:pic>
+        <p:nvPicPr>
+          <p:cNvPr id="6" name="Content Placeholder 5"/>
+          <p:cNvPicPr>
+            <a:picLocks noGrp="1" noChangeAspect="1"/>
+          </p:cNvPicPr>
+          <p:nvPr>
+            <p:ph idx="1"/>
+          </p:nvPr>
+        </p:nvPicPr>
+        <p:blipFill>
+          <a:blip r:embed="rId2">
+            <a:extLst>
+              <a:ext uri="{28A0092B-C50C-407E-A947-70E740481C1C}">
+                <a14:useLocalDpi xmlns:a14="http://schemas.microsoft.com/office/drawing/2010/main" val="0"/>
+              </a:ext>
+            </a:extLst>
+          </a:blip>
+          <a:stretch>
+            <a:fillRect/>
+          </a:stretch>
+        </p:blipFill>
+        <p:spPr>
+          <a:xfrm>
+            <a:off x="2288579" y="1825625"/>
+            <a:ext cx="7614841" cy="4351338"/>
+          </a:xfrm>
+        </p:spPr>
+      </p:pic>
+    </p:spTree>
+    <p:extLst>
+      <p:ext uri="{BB962C8B-B14F-4D97-AF65-F5344CB8AC3E}">
+        <p14:creationId xmlns:p14="http://schemas.microsoft.com/office/powerpoint/2010/main" val="2051745093"/>
+      </p:ext>
+    </p:extLst>
+  </p:cSld>
+  <p:clrMapOvr>
+    <a:masterClrMapping/>
+  </p:clrMapOvr>
+</p:sld>
+</file>
+
+<file path=ppt/slides/slide14.xml><?xml version="1.0" encoding="utf-8"?>
+<p:sld xmlns:a="http://schemas.openxmlformats.org/drawingml/2006/main" xmlns:r="http://schemas.openxmlformats.org/officeDocument/2006/relationships" xmlns:p="http://schemas.openxmlformats.org/presentationml/2006/main">
+  <p:cSld>
+    <p:spTree>
+      <p:nvGrpSpPr>
+        <p:cNvPr id="1" name=""/>
+        <p:cNvGrpSpPr/>
+        <p:nvPr/>
+      </p:nvGrpSpPr>
+      <p:grpSpPr>
+        <a:xfrm>
+          <a:off x="0" y="0"/>
+          <a:ext cx="0" cy="0"/>
+          <a:chOff x="0" y="0"/>
+          <a:chExt cx="0" cy="0"/>
+        </a:xfrm>
+      </p:grpSpPr>
+      <p:sp>
+        <p:nvSpPr>
+          <p:cNvPr id="5" name="Title 4"/>
+          <p:cNvSpPr>
+            <a:spLocks noGrp="1"/>
+          </p:cNvSpPr>
+          <p:nvPr>
+            <p:ph type="ctrTitle"/>
+          </p:nvPr>
+        </p:nvSpPr>
+        <p:spPr/>
+        <p:txBody>
+          <a:bodyPr/>
+          <a:lstStyle/>
+          <a:p>
+            <a:r>
+              <a:rPr lang="pt-BR" dirty="0" smtClean="0"/>
+              <a:t>3.1 Automação de Testes</a:t>
+            </a:r>
+            <a:endParaRPr lang="en-US" dirty="0"/>
+          </a:p>
+        </p:txBody>
+      </p:sp>
+      <p:sp>
+        <p:nvSpPr>
+          <p:cNvPr id="6" name="Subtitle 5"/>
+          <p:cNvSpPr>
+            <a:spLocks noGrp="1"/>
+          </p:cNvSpPr>
+          <p:nvPr>
+            <p:ph type="subTitle" idx="1"/>
+          </p:nvPr>
+        </p:nvSpPr>
+        <p:spPr/>
+        <p:txBody>
+          <a:bodyPr/>
+          <a:lstStyle/>
+          <a:p>
+            <a:endParaRPr lang="en-US"/>
+          </a:p>
+        </p:txBody>
+      </p:sp>
+    </p:spTree>
+    <p:extLst>
+      <p:ext uri="{BB962C8B-B14F-4D97-AF65-F5344CB8AC3E}">
+        <p14:creationId xmlns:p14="http://schemas.microsoft.com/office/powerpoint/2010/main" val="625616409"/>
+      </p:ext>
+    </p:extLst>
+  </p:cSld>
+  <p:clrMapOvr>
+    <a:masterClrMapping/>
+  </p:clrMapOvr>
+</p:sld>
+</file>
+
+<file path=ppt/slides/slide15.xml><?xml version="1.0" encoding="utf-8"?>
+<p:sld xmlns:a="http://schemas.openxmlformats.org/drawingml/2006/main" xmlns:r="http://schemas.openxmlformats.org/officeDocument/2006/relationships" xmlns:p="http://schemas.openxmlformats.org/presentationml/2006/main">
+  <p:cSld>
+    <p:spTree>
+      <p:nvGrpSpPr>
+        <p:cNvPr id="1" name=""/>
+        <p:cNvGrpSpPr/>
+        <p:nvPr/>
+      </p:nvGrpSpPr>
+      <p:grpSpPr>
+        <a:xfrm>
+          <a:off x="0" y="0"/>
+          <a:ext cx="0" cy="0"/>
+          <a:chOff x="0" y="0"/>
+          <a:chExt cx="0" cy="0"/>
+        </a:xfrm>
+      </p:grpSpPr>
+      <p:sp>
+        <p:nvSpPr>
+          <p:cNvPr id="2" name="Title 1"/>
+          <p:cNvSpPr>
+            <a:spLocks noGrp="1"/>
+          </p:cNvSpPr>
+          <p:nvPr>
+            <p:ph type="title"/>
+          </p:nvPr>
+        </p:nvSpPr>
+        <p:spPr/>
+        <p:txBody>
+          <a:bodyPr/>
+          <a:lstStyle/>
+          <a:p>
+            <a:r>
+              <a:rPr lang="en-US" dirty="0" err="1"/>
+              <a:t>Técnica</a:t>
+            </a:r>
+            <a:r>
+              <a:rPr lang="en-US" dirty="0"/>
+              <a:t> x </a:t>
+            </a:r>
+            <a:r>
+              <a:rPr lang="en-US" dirty="0" err="1"/>
+              <a:t>Ferramenta</a:t>
+            </a:r>
+            <a:endParaRPr lang="en-US" dirty="0"/>
+          </a:p>
+        </p:txBody>
+      </p:sp>
+      <p:sp>
+        <p:nvSpPr>
+          <p:cNvPr id="3" name="Content Placeholder 2"/>
+          <p:cNvSpPr>
+            <a:spLocks noGrp="1"/>
+          </p:cNvSpPr>
+          <p:nvPr>
+            <p:ph idx="1"/>
+          </p:nvPr>
+        </p:nvSpPr>
+        <p:spPr/>
+        <p:txBody>
+          <a:bodyPr/>
+          <a:lstStyle/>
+          <a:p>
+            <a:endParaRPr lang="en-US" dirty="0"/>
+          </a:p>
+        </p:txBody>
+      </p:sp>
+      <p:pic>
+        <p:nvPicPr>
+          <p:cNvPr id="4" name="Picture 3"/>
+          <p:cNvPicPr>
+            <a:picLocks noChangeAspect="1"/>
+          </p:cNvPicPr>
+          <p:nvPr/>
+        </p:nvPicPr>
+        <p:blipFill>
+          <a:blip r:embed="rId2">
+            <a:extLst>
+              <a:ext uri="{28A0092B-C50C-407E-A947-70E740481C1C}">
+                <a14:useLocalDpi xmlns:a14="http://schemas.microsoft.com/office/drawing/2010/main" val="0"/>
+              </a:ext>
+            </a:extLst>
+          </a:blip>
+          <a:stretch>
+            <a:fillRect/>
+          </a:stretch>
+        </p:blipFill>
+        <p:spPr>
+          <a:xfrm>
+            <a:off x="1366982" y="2207491"/>
+            <a:ext cx="9587345" cy="4104409"/>
+          </a:xfrm>
+          <a:prstGeom prst="rect">
+            <a:avLst/>
+          </a:prstGeom>
+        </p:spPr>
+      </p:pic>
+    </p:spTree>
+    <p:extLst>
+      <p:ext uri="{BB962C8B-B14F-4D97-AF65-F5344CB8AC3E}">
+        <p14:creationId xmlns:p14="http://schemas.microsoft.com/office/powerpoint/2010/main" val="2148782659"/>
+      </p:ext>
+    </p:extLst>
+  </p:cSld>
+  <p:clrMapOvr>
+    <a:masterClrMapping/>
+  </p:clrMapOvr>
+</p:sld>
+</file>
+
+<file path=ppt/slides/slide16.xml><?xml version="1.0" encoding="utf-8"?>
+<p:sld xmlns:a="http://schemas.openxmlformats.org/drawingml/2006/main" xmlns:r="http://schemas.openxmlformats.org/officeDocument/2006/relationships" xmlns:p="http://schemas.openxmlformats.org/presentationml/2006/main">
+  <p:cSld>
+    <p:spTree>
+      <p:nvGrpSpPr>
+        <p:cNvPr id="1" name=""/>
+        <p:cNvGrpSpPr/>
+        <p:nvPr/>
+      </p:nvGrpSpPr>
+      <p:grpSpPr>
+        <a:xfrm>
+          <a:off x="0" y="0"/>
+          <a:ext cx="0" cy="0"/>
+          <a:chOff x="0" y="0"/>
+          <a:chExt cx="0" cy="0"/>
+        </a:xfrm>
+      </p:grpSpPr>
+      <p:sp>
+        <p:nvSpPr>
+          <p:cNvPr id="2" name="Title 1"/>
+          <p:cNvSpPr>
+            <a:spLocks noGrp="1"/>
+          </p:cNvSpPr>
+          <p:nvPr>
+            <p:ph type="title"/>
+          </p:nvPr>
+        </p:nvSpPr>
+        <p:spPr/>
+        <p:txBody>
+          <a:bodyPr/>
+          <a:lstStyle/>
+          <a:p>
+            <a:r>
+              <a:rPr lang="pt-BR" dirty="0" smtClean="0"/>
+              <a:t>Automação dos testes</a:t>
+            </a:r>
+            <a:endParaRPr lang="en-US" dirty="0"/>
+          </a:p>
+        </p:txBody>
+      </p:sp>
+      <p:sp>
+        <p:nvSpPr>
+          <p:cNvPr id="3" name="Content Placeholder 2"/>
+          <p:cNvSpPr>
+            <a:spLocks noGrp="1"/>
+          </p:cNvSpPr>
+          <p:nvPr>
+            <p:ph idx="1"/>
+          </p:nvPr>
+        </p:nvSpPr>
+        <p:spPr/>
+        <p:txBody>
+          <a:bodyPr>
+            <a:normAutofit lnSpcReduction="10000"/>
+          </a:bodyPr>
+          <a:lstStyle/>
+          <a:p>
+            <a:r>
+              <a:rPr lang="pt-BR" dirty="0"/>
+              <a:t>Cada vez mais, ferramentas de automação de teste estão sendo lançadas no mercado </a:t>
+            </a:r>
+            <a:r>
+              <a:rPr lang="pt-BR" dirty="0" smtClean="0"/>
+              <a:t>para automatizar </a:t>
+            </a:r>
+            <a:r>
+              <a:rPr lang="pt-BR" dirty="0"/>
+              <a:t>as atividades de teste</a:t>
+            </a:r>
+            <a:r>
+              <a:rPr lang="pt-BR" dirty="0" smtClean="0"/>
+              <a:t>.</a:t>
+            </a:r>
+          </a:p>
+          <a:p>
+            <a:endParaRPr lang="pt-BR" dirty="0"/>
+          </a:p>
+          <a:p>
+            <a:r>
+              <a:rPr lang="pt-BR" dirty="0"/>
+              <a:t>Várias ferramentas de automação existentes</a:t>
+            </a:r>
+          </a:p>
+          <a:p>
+            <a:r>
+              <a:rPr lang="pt-BR" dirty="0"/>
+              <a:t> Várias ferramentas para várias atividades</a:t>
+            </a:r>
+          </a:p>
+          <a:p>
+            <a:r>
+              <a:rPr lang="pt-BR" dirty="0"/>
+              <a:t> </a:t>
+            </a:r>
+            <a:r>
+              <a:rPr lang="pt-BR" dirty="0" smtClean="0"/>
+              <a:t>Apoiam </a:t>
+            </a:r>
+            <a:r>
+              <a:rPr lang="pt-BR" dirty="0"/>
+              <a:t>o processo de testes</a:t>
+            </a:r>
+          </a:p>
+          <a:p>
+            <a:r>
+              <a:rPr lang="pt-BR" dirty="0"/>
+              <a:t> Reduzem falhas introduzidas pela intervenção humana</a:t>
+            </a:r>
+          </a:p>
+          <a:p>
+            <a:r>
+              <a:rPr lang="pt-BR" dirty="0"/>
+              <a:t> Aumenta a produtividade (a médio/longo prazo)</a:t>
+            </a:r>
+          </a:p>
+          <a:p>
+            <a:r>
+              <a:rPr lang="pt-BR" dirty="0"/>
+              <a:t> Tratar a automação dos testes como um projeto</a:t>
+            </a:r>
+            <a:endParaRPr lang="en-US" dirty="0"/>
+          </a:p>
+        </p:txBody>
+      </p:sp>
+      <p:pic>
+        <p:nvPicPr>
+          <p:cNvPr id="4" name="Picture 3"/>
+          <p:cNvPicPr>
+            <a:picLocks noChangeAspect="1"/>
+          </p:cNvPicPr>
+          <p:nvPr/>
+        </p:nvPicPr>
+        <p:blipFill>
+          <a:blip r:embed="rId2">
+            <a:extLst>
+              <a:ext uri="{28A0092B-C50C-407E-A947-70E740481C1C}">
+                <a14:useLocalDpi xmlns:a14="http://schemas.microsoft.com/office/drawing/2010/main" val="0"/>
+              </a:ext>
+            </a:extLst>
+          </a:blip>
+          <a:stretch>
+            <a:fillRect/>
+          </a:stretch>
+        </p:blipFill>
+        <p:spPr>
+          <a:xfrm>
+            <a:off x="9261364" y="4331422"/>
+            <a:ext cx="2092436" cy="1845541"/>
+          </a:xfrm>
+          <a:prstGeom prst="rect">
+            <a:avLst/>
+          </a:prstGeom>
+        </p:spPr>
+      </p:pic>
+    </p:spTree>
+    <p:extLst>
+      <p:ext uri="{BB962C8B-B14F-4D97-AF65-F5344CB8AC3E}">
+        <p14:creationId xmlns:p14="http://schemas.microsoft.com/office/powerpoint/2010/main" val="1178883640"/>
+      </p:ext>
+    </p:extLst>
+  </p:cSld>
+  <p:clrMapOvr>
+    <a:masterClrMapping/>
+  </p:clrMapOvr>
+</p:sld>
+</file>
+
+<file path=ppt/slides/slide17.xml><?xml version="1.0" encoding="utf-8"?>
+<p:sld xmlns:a="http://schemas.openxmlformats.org/drawingml/2006/main" xmlns:r="http://schemas.openxmlformats.org/officeDocument/2006/relationships" xmlns:p="http://schemas.openxmlformats.org/presentationml/2006/main">
+  <p:cSld>
+    <p:spTree>
+      <p:nvGrpSpPr>
+        <p:cNvPr id="1" name=""/>
+        <p:cNvGrpSpPr/>
+        <p:nvPr/>
+      </p:nvGrpSpPr>
+      <p:grpSpPr>
+        <a:xfrm>
+          <a:off x="0" y="0"/>
+          <a:ext cx="0" cy="0"/>
+          <a:chOff x="0" y="0"/>
+          <a:chExt cx="0" cy="0"/>
+        </a:xfrm>
+      </p:grpSpPr>
+      <p:sp>
+        <p:nvSpPr>
+          <p:cNvPr id="2" name="Title 1"/>
+          <p:cNvSpPr>
+            <a:spLocks noGrp="1"/>
+          </p:cNvSpPr>
+          <p:nvPr>
+            <p:ph type="title"/>
+          </p:nvPr>
+        </p:nvSpPr>
+        <p:spPr/>
+        <p:txBody>
+          <a:bodyPr/>
+          <a:lstStyle/>
+          <a:p>
+            <a:r>
+              <a:rPr lang="en-US" dirty="0" err="1"/>
+              <a:t>Quando</a:t>
+            </a:r>
+            <a:r>
+              <a:rPr lang="en-US" dirty="0"/>
+              <a:t> </a:t>
+            </a:r>
+            <a:r>
+              <a:rPr lang="en-US" dirty="0" err="1"/>
+              <a:t>automatizar</a:t>
+            </a:r>
+            <a:r>
+              <a:rPr lang="en-US" dirty="0"/>
+              <a:t> </a:t>
+            </a:r>
+            <a:r>
+              <a:rPr lang="en-US" dirty="0" err="1"/>
+              <a:t>os</a:t>
+            </a:r>
+            <a:r>
+              <a:rPr lang="en-US" dirty="0"/>
+              <a:t> testes?</a:t>
+            </a:r>
+            <a:endParaRPr lang="en-US" dirty="0"/>
+          </a:p>
+        </p:txBody>
+      </p:sp>
+      <p:sp>
+        <p:nvSpPr>
+          <p:cNvPr id="3" name="Content Placeholder 2"/>
+          <p:cNvSpPr>
+            <a:spLocks noGrp="1"/>
+          </p:cNvSpPr>
+          <p:nvPr>
+            <p:ph idx="1"/>
+          </p:nvPr>
+        </p:nvSpPr>
+        <p:spPr/>
+        <p:txBody>
+          <a:bodyPr>
+            <a:normAutofit fontScale="85000" lnSpcReduction="20000"/>
+          </a:bodyPr>
+          <a:lstStyle/>
+          <a:p>
+            <a:r>
+              <a:rPr lang="pt-BR" dirty="0" smtClean="0"/>
+              <a:t>Quando:</a:t>
+            </a:r>
+          </a:p>
+          <a:p>
+            <a:endParaRPr lang="pt-BR" dirty="0"/>
+          </a:p>
+          <a:p>
+            <a:r>
+              <a:rPr lang="pt-BR" dirty="0"/>
+              <a:t>Existirem fortes pressões para melhorar a qualidade</a:t>
+            </a:r>
+          </a:p>
+          <a:p>
+            <a:r>
+              <a:rPr lang="pt-BR" dirty="0"/>
+              <a:t> O projeto tiver situações que não possam ser testadas adequadamente</a:t>
+            </a:r>
+          </a:p>
+          <a:p>
+            <a:r>
+              <a:rPr lang="en-US" dirty="0" err="1"/>
+              <a:t>pelos</a:t>
+            </a:r>
+            <a:r>
+              <a:rPr lang="en-US" dirty="0"/>
+              <a:t> </a:t>
+            </a:r>
+            <a:r>
+              <a:rPr lang="en-US" dirty="0" err="1"/>
+              <a:t>métodos</a:t>
+            </a:r>
+            <a:r>
+              <a:rPr lang="en-US" dirty="0"/>
+              <a:t> </a:t>
+            </a:r>
+            <a:r>
+              <a:rPr lang="en-US" dirty="0" err="1"/>
+              <a:t>tradicionais</a:t>
+            </a:r>
+            <a:endParaRPr lang="en-US" dirty="0"/>
+          </a:p>
+          <a:p>
+            <a:r>
+              <a:rPr lang="pt-BR" dirty="0"/>
+              <a:t> O perfil dos softwares desenvolvidos forem complexos e com impacto no</a:t>
+            </a:r>
+          </a:p>
+          <a:p>
+            <a:r>
+              <a:rPr lang="en-US" dirty="0" err="1"/>
+              <a:t>negócio</a:t>
+            </a:r>
+            <a:endParaRPr lang="en-US" dirty="0"/>
+          </a:p>
+          <a:p>
+            <a:r>
+              <a:rPr lang="pt-BR" dirty="0"/>
+              <a:t> Estudos de custo X benefício justificarem o investimento</a:t>
+            </a:r>
+          </a:p>
+          <a:p>
+            <a:r>
+              <a:rPr lang="pt-BR" dirty="0"/>
+              <a:t> O tamanho do projeto ou do ambiente de teste </a:t>
+            </a:r>
+            <a:r>
+              <a:rPr lang="pt-BR" dirty="0" smtClean="0"/>
+              <a:t>justificarem</a:t>
+            </a:r>
+          </a:p>
+          <a:p>
+            <a:endParaRPr lang="pt-BR" dirty="0"/>
+          </a:p>
+          <a:p>
+            <a:r>
+              <a:rPr lang="pt-BR" b="1" dirty="0"/>
+              <a:t>Dica</a:t>
+            </a:r>
+            <a:r>
+              <a:rPr lang="pt-BR" dirty="0"/>
+              <a:t>: Sempre avaliar a possibilidade do uso de ferramentas abertas e livres.</a:t>
+            </a:r>
+            <a:endParaRPr lang="en-US" dirty="0"/>
+          </a:p>
+        </p:txBody>
+      </p:sp>
+    </p:spTree>
+    <p:extLst>
+      <p:ext uri="{BB962C8B-B14F-4D97-AF65-F5344CB8AC3E}">
+        <p14:creationId xmlns:p14="http://schemas.microsoft.com/office/powerpoint/2010/main" val="357694831"/>
+      </p:ext>
+    </p:extLst>
+  </p:cSld>
+  <p:clrMapOvr>
+    <a:masterClrMapping/>
+  </p:clrMapOvr>
+</p:sld>
+</file>
+
+<file path=ppt/slides/slide18.xml><?xml version="1.0" encoding="utf-8"?>
+<p:sld xmlns:a="http://schemas.openxmlformats.org/drawingml/2006/main" xmlns:r="http://schemas.openxmlformats.org/officeDocument/2006/relationships" xmlns:p="http://schemas.openxmlformats.org/presentationml/2006/main">
+  <p:cSld>
+    <p:spTree>
+      <p:nvGrpSpPr>
+        <p:cNvPr id="1" name=""/>
+        <p:cNvGrpSpPr/>
+        <p:nvPr/>
+      </p:nvGrpSpPr>
+      <p:grpSpPr>
+        <a:xfrm>
+          <a:off x="0" y="0"/>
+          <a:ext cx="0" cy="0"/>
+          <a:chOff x="0" y="0"/>
+          <a:chExt cx="0" cy="0"/>
+        </a:xfrm>
+      </p:grpSpPr>
+      <p:sp>
+        <p:nvSpPr>
+          <p:cNvPr id="2" name="Title 1"/>
+          <p:cNvSpPr>
+            <a:spLocks noGrp="1"/>
+          </p:cNvSpPr>
+          <p:nvPr>
+            <p:ph type="title"/>
+          </p:nvPr>
+        </p:nvSpPr>
+        <p:spPr/>
+        <p:txBody>
+          <a:bodyPr/>
+          <a:lstStyle/>
+          <a:p>
+            <a:r>
+              <a:rPr lang="pt-BR" dirty="0" smtClean="0"/>
+              <a:t>Ferramentas</a:t>
+            </a:r>
+            <a:r>
+              <a:rPr lang="en-US" dirty="0" smtClean="0"/>
+              <a:t> </a:t>
+            </a:r>
+            <a:r>
+              <a:rPr lang="en-US" dirty="0"/>
+              <a:t>de teste</a:t>
+            </a:r>
+            <a:endParaRPr lang="en-US" dirty="0"/>
+          </a:p>
+        </p:txBody>
+      </p:sp>
+      <p:sp>
+        <p:nvSpPr>
+          <p:cNvPr id="3" name="Content Placeholder 2"/>
+          <p:cNvSpPr>
+            <a:spLocks noGrp="1"/>
+          </p:cNvSpPr>
+          <p:nvPr>
+            <p:ph idx="1"/>
+          </p:nvPr>
+        </p:nvSpPr>
+        <p:spPr/>
+        <p:txBody>
+          <a:bodyPr/>
+          <a:lstStyle/>
+          <a:p>
+            <a:r>
+              <a:rPr lang="pt-BR" dirty="0"/>
+              <a:t>Existem basicamente três categorias de ferramentas de automação de testes, a </a:t>
+            </a:r>
+            <a:r>
+              <a:rPr lang="en-US" dirty="0"/>
+              <a:t>saber:</a:t>
+            </a:r>
+          </a:p>
+          <a:p>
+            <a:endParaRPr lang="en-US" dirty="0"/>
+          </a:p>
+          <a:p>
+            <a:r>
+              <a:rPr lang="pt-BR" dirty="0" smtClean="0"/>
+              <a:t>Ferramentas</a:t>
+            </a:r>
+            <a:r>
+              <a:rPr lang="en-US" dirty="0" smtClean="0"/>
+              <a:t> </a:t>
+            </a:r>
+            <a:r>
+              <a:rPr lang="en-US" dirty="0"/>
+              <a:t>de </a:t>
+            </a:r>
+            <a:r>
+              <a:rPr lang="pt-BR" dirty="0" smtClean="0"/>
+              <a:t>gerenciamento</a:t>
+            </a:r>
+          </a:p>
+          <a:p>
+            <a:r>
+              <a:rPr lang="pt-BR" dirty="0" smtClean="0"/>
+              <a:t> </a:t>
+            </a:r>
+            <a:r>
+              <a:rPr lang="pt-BR" dirty="0"/>
+              <a:t>Ferramentas de verificação de código-fonte</a:t>
+            </a:r>
+          </a:p>
+          <a:p>
+            <a:r>
+              <a:rPr lang="pt-BR" dirty="0"/>
+              <a:t> Ferramentas de </a:t>
+            </a:r>
+            <a:r>
+              <a:rPr lang="pt-BR" dirty="0" smtClean="0"/>
+              <a:t>automatização </a:t>
+            </a:r>
+            <a:r>
+              <a:rPr lang="pt-BR" dirty="0"/>
+              <a:t>na execução dos </a:t>
+            </a:r>
+            <a:r>
+              <a:rPr lang="pt-BR" dirty="0" smtClean="0"/>
+              <a:t>testes</a:t>
+            </a:r>
+            <a:endParaRPr lang="pt-BR" dirty="0"/>
+          </a:p>
+        </p:txBody>
+      </p:sp>
+      <p:pic>
+        <p:nvPicPr>
+          <p:cNvPr id="4" name="Picture 3"/>
+          <p:cNvPicPr>
+            <a:picLocks noChangeAspect="1"/>
+          </p:cNvPicPr>
+          <p:nvPr/>
+        </p:nvPicPr>
+        <p:blipFill>
+          <a:blip r:embed="rId2">
+            <a:extLst>
+              <a:ext uri="{28A0092B-C50C-407E-A947-70E740481C1C}">
+                <a14:useLocalDpi xmlns:a14="http://schemas.microsoft.com/office/drawing/2010/main" val="0"/>
+              </a:ext>
+            </a:extLst>
+          </a:blip>
+          <a:stretch>
+            <a:fillRect/>
+          </a:stretch>
+        </p:blipFill>
+        <p:spPr>
+          <a:xfrm>
+            <a:off x="9782367" y="4636222"/>
+            <a:ext cx="1571433" cy="1540741"/>
+          </a:xfrm>
+          <a:prstGeom prst="rect">
+            <a:avLst/>
+          </a:prstGeom>
+        </p:spPr>
+      </p:pic>
+    </p:spTree>
+    <p:extLst>
+      <p:ext uri="{BB962C8B-B14F-4D97-AF65-F5344CB8AC3E}">
+        <p14:creationId xmlns:p14="http://schemas.microsoft.com/office/powerpoint/2010/main" val="2876042480"/>
+      </p:ext>
+    </p:extLst>
+  </p:cSld>
+  <p:clrMapOvr>
+    <a:masterClrMapping/>
+  </p:clrMapOvr>
+</p:sld>
+</file>
+
+<file path=ppt/slides/slide19.xml><?xml version="1.0" encoding="utf-8"?>
+<p:sld xmlns:a="http://schemas.openxmlformats.org/drawingml/2006/main" xmlns:r="http://schemas.openxmlformats.org/officeDocument/2006/relationships" xmlns:p="http://schemas.openxmlformats.org/presentationml/2006/main">
+  <p:cSld>
+    <p:spTree>
+      <p:nvGrpSpPr>
+        <p:cNvPr id="1" name=""/>
+        <p:cNvGrpSpPr/>
+        <p:nvPr/>
+      </p:nvGrpSpPr>
+      <p:grpSpPr>
+        <a:xfrm>
+          <a:off x="0" y="0"/>
+          <a:ext cx="0" cy="0"/>
+          <a:chOff x="0" y="0"/>
+          <a:chExt cx="0" cy="0"/>
+        </a:xfrm>
+      </p:grpSpPr>
+      <p:sp>
+        <p:nvSpPr>
+          <p:cNvPr id="2" name="Title 1"/>
+          <p:cNvSpPr>
+            <a:spLocks noGrp="1"/>
+          </p:cNvSpPr>
+          <p:nvPr>
+            <p:ph type="title"/>
+          </p:nvPr>
+        </p:nvSpPr>
+        <p:spPr/>
+        <p:txBody>
+          <a:bodyPr/>
+          <a:lstStyle/>
+          <a:p>
+            <a:r>
+              <a:rPr lang="en-US" dirty="0" err="1"/>
+              <a:t>Ferramentas</a:t>
+            </a:r>
+            <a:r>
+              <a:rPr lang="en-US" dirty="0"/>
+              <a:t> de </a:t>
+            </a:r>
+            <a:r>
+              <a:rPr lang="en-US" dirty="0" err="1"/>
+              <a:t>gerenciamento</a:t>
+            </a:r>
+            <a:endParaRPr lang="en-US" dirty="0"/>
+          </a:p>
+        </p:txBody>
+      </p:sp>
+      <p:sp>
+        <p:nvSpPr>
+          <p:cNvPr id="3" name="Content Placeholder 2"/>
+          <p:cNvSpPr>
+            <a:spLocks noGrp="1"/>
+          </p:cNvSpPr>
+          <p:nvPr>
+            <p:ph idx="1"/>
+          </p:nvPr>
+        </p:nvSpPr>
+        <p:spPr/>
+        <p:txBody>
+          <a:bodyPr>
+            <a:normAutofit fontScale="77500" lnSpcReduction="20000"/>
+          </a:bodyPr>
+          <a:lstStyle/>
+          <a:p>
+            <a:r>
+              <a:rPr lang="pt-BR" dirty="0"/>
+              <a:t>Ferramentas de gerenciamento são as ferramentas gerenciais, normalmente utilizadas para fazer a gestão de testes e defeitos. Por exemplo, uma ferramenta que permite que sejam cadastrados os defeitos encontrados no software durantes os testes.</a:t>
+            </a:r>
+          </a:p>
+          <a:p>
+            <a:r>
+              <a:rPr lang="pt-BR" dirty="0"/>
+              <a:t>São ferramentas muito importantes, pois auxiliam o processo de teste como um todo.</a:t>
+            </a:r>
+          </a:p>
+          <a:p>
+            <a:r>
+              <a:rPr lang="en-US" dirty="0" err="1"/>
+              <a:t>Estão</a:t>
+            </a:r>
+            <a:r>
+              <a:rPr lang="en-US" dirty="0"/>
+              <a:t> </a:t>
+            </a:r>
+            <a:r>
+              <a:rPr lang="en-US" dirty="0" err="1"/>
+              <a:t>divididas</a:t>
+            </a:r>
+            <a:r>
+              <a:rPr lang="en-US" dirty="0"/>
+              <a:t> </a:t>
+            </a:r>
+            <a:r>
+              <a:rPr lang="en-US" dirty="0" err="1"/>
+              <a:t>em</a:t>
+            </a:r>
+            <a:r>
+              <a:rPr lang="en-US" dirty="0"/>
+              <a:t>:</a:t>
+            </a:r>
+          </a:p>
+          <a:p>
+            <a:endParaRPr lang="pt-BR" dirty="0" smtClean="0"/>
+          </a:p>
+          <a:p>
+            <a:r>
+              <a:rPr lang="pt-BR" dirty="0" smtClean="0"/>
+              <a:t>Ferramentas </a:t>
+            </a:r>
+            <a:r>
+              <a:rPr lang="pt-BR" dirty="0"/>
+              <a:t>de gerenciamento de defeitos</a:t>
+            </a:r>
+          </a:p>
+          <a:p>
+            <a:pPr marL="0" indent="0">
+              <a:buNone/>
+            </a:pPr>
+            <a:r>
+              <a:rPr lang="pt-BR" dirty="0"/>
+              <a:t> </a:t>
+            </a:r>
+            <a:r>
+              <a:rPr lang="pt-BR" dirty="0" smtClean="0"/>
+              <a:t>	Exemplos </a:t>
+            </a:r>
+            <a:r>
+              <a:rPr lang="pt-BR" dirty="0"/>
+              <a:t>de ferramentas: </a:t>
+            </a:r>
+            <a:r>
+              <a:rPr lang="pt-BR" dirty="0" err="1"/>
+              <a:t>Jira</a:t>
+            </a:r>
+            <a:r>
+              <a:rPr lang="pt-BR" dirty="0"/>
+              <a:t>, Mantis, </a:t>
+            </a:r>
+            <a:r>
+              <a:rPr lang="pt-BR" dirty="0" err="1"/>
+              <a:t>BugZilla</a:t>
+            </a:r>
+            <a:endParaRPr lang="pt-BR" dirty="0"/>
+          </a:p>
+          <a:p>
+            <a:r>
+              <a:rPr lang="en-US" dirty="0"/>
+              <a:t> </a:t>
+            </a:r>
+            <a:r>
+              <a:rPr lang="pt-BR" dirty="0" smtClean="0"/>
+              <a:t>Ferramentas</a:t>
+            </a:r>
+            <a:r>
+              <a:rPr lang="en-US" dirty="0" smtClean="0"/>
+              <a:t> </a:t>
+            </a:r>
+            <a:r>
+              <a:rPr lang="en-US" dirty="0"/>
+              <a:t>de </a:t>
+            </a:r>
+            <a:r>
+              <a:rPr lang="pt-BR" dirty="0" smtClean="0"/>
+              <a:t>controle</a:t>
+            </a:r>
+            <a:r>
+              <a:rPr lang="en-US" dirty="0" smtClean="0"/>
+              <a:t> </a:t>
+            </a:r>
+            <a:r>
+              <a:rPr lang="en-US" dirty="0"/>
+              <a:t>de </a:t>
+            </a:r>
+            <a:r>
+              <a:rPr lang="en-US" dirty="0" err="1"/>
+              <a:t>versionamento</a:t>
+            </a:r>
+            <a:endParaRPr lang="en-US" dirty="0"/>
+          </a:p>
+          <a:p>
+            <a:pPr marL="0" indent="0">
+              <a:buNone/>
+            </a:pPr>
+            <a:r>
+              <a:rPr lang="en-US" dirty="0"/>
+              <a:t> </a:t>
+            </a:r>
+            <a:r>
+              <a:rPr lang="en-US" dirty="0" smtClean="0"/>
+              <a:t>	</a:t>
+            </a:r>
+            <a:r>
+              <a:rPr lang="en-US" dirty="0" err="1" smtClean="0"/>
+              <a:t>Exemplos</a:t>
+            </a:r>
+            <a:r>
+              <a:rPr lang="en-US" dirty="0" smtClean="0"/>
+              <a:t> </a:t>
+            </a:r>
+            <a:r>
+              <a:rPr lang="en-US" dirty="0"/>
+              <a:t>de </a:t>
+            </a:r>
+            <a:r>
+              <a:rPr lang="en-US" dirty="0" err="1"/>
+              <a:t>ferramentas</a:t>
+            </a:r>
+            <a:r>
+              <a:rPr lang="en-US" dirty="0"/>
+              <a:t>: </a:t>
+            </a:r>
+            <a:r>
+              <a:rPr lang="en-US" dirty="0" err="1"/>
+              <a:t>SubVersion</a:t>
+            </a:r>
+            <a:r>
+              <a:rPr lang="en-US" dirty="0"/>
+              <a:t>, SourceSafe</a:t>
+            </a:r>
+          </a:p>
+          <a:p>
+            <a:r>
+              <a:rPr lang="pt-BR" dirty="0"/>
+              <a:t> Ferramenta de gerenciamento dos testes</a:t>
+            </a:r>
+          </a:p>
+          <a:p>
+            <a:pPr marL="0" indent="0">
+              <a:buNone/>
+            </a:pPr>
+            <a:r>
+              <a:rPr lang="pt-BR" dirty="0"/>
+              <a:t> </a:t>
+            </a:r>
+            <a:r>
+              <a:rPr lang="pt-BR" dirty="0" smtClean="0"/>
+              <a:t>	Exemplos </a:t>
+            </a:r>
+            <a:r>
+              <a:rPr lang="pt-BR" dirty="0"/>
+              <a:t>de ferramentas: RTH, </a:t>
+            </a:r>
+            <a:r>
+              <a:rPr lang="pt-BR" dirty="0" err="1"/>
+              <a:t>TestLink</a:t>
+            </a:r>
+            <a:r>
+              <a:rPr lang="pt-BR" dirty="0"/>
+              <a:t>, </a:t>
+            </a:r>
+            <a:r>
+              <a:rPr lang="pt-BR" dirty="0" smtClean="0"/>
+              <a:t>Mantis</a:t>
+            </a:r>
+            <a:endParaRPr lang="pt-BR" dirty="0"/>
+          </a:p>
+        </p:txBody>
+      </p:sp>
+    </p:spTree>
+    <p:extLst>
+      <p:ext uri="{BB962C8B-B14F-4D97-AF65-F5344CB8AC3E}">
+        <p14:creationId xmlns:p14="http://schemas.microsoft.com/office/powerpoint/2010/main" val="3901028695"/>
+      </p:ext>
+    </p:extLst>
+  </p:cSld>
+  <p:clrMapOvr>
+    <a:masterClrMapping/>
+  </p:clrMapOvr>
+</p:sld>
+</file>
+
 <file path=ppt/slides/slide2.xml><?xml version="1.0" encoding="utf-8"?>
 <p:sld xmlns:a="http://schemas.openxmlformats.org/drawingml/2006/main" xmlns:r="http://schemas.openxmlformats.org/officeDocument/2006/relationships" xmlns:p="http://schemas.openxmlformats.org/presentationml/2006/main">
   <p:cSld>
@@ -3045,6 +4629,3462 @@
       </p:grpSpPr>
       <p:sp>
         <p:nvSpPr>
+          <p:cNvPr id="4" name="Title 3"/>
+          <p:cNvSpPr>
+            <a:spLocks noGrp="1"/>
+          </p:cNvSpPr>
+          <p:nvPr>
+            <p:ph type="title"/>
+          </p:nvPr>
+        </p:nvSpPr>
+        <p:spPr/>
+        <p:txBody>
+          <a:bodyPr/>
+          <a:lstStyle/>
+          <a:p>
+            <a:pPr algn="ctr"/>
+            <a:r>
+              <a:rPr lang="pt-BR" dirty="0" smtClean="0"/>
+              <a:t>3. Ambiente de Teste</a:t>
+            </a:r>
+            <a:endParaRPr lang="en-US" dirty="0"/>
+          </a:p>
+        </p:txBody>
+      </p:sp>
+      <p:sp>
+        <p:nvSpPr>
+          <p:cNvPr id="5" name="Text Placeholder 4"/>
+          <p:cNvSpPr>
+            <a:spLocks noGrp="1"/>
+          </p:cNvSpPr>
+          <p:nvPr>
+            <p:ph type="body" idx="1"/>
+          </p:nvPr>
+        </p:nvSpPr>
+        <p:spPr/>
+        <p:txBody>
+          <a:bodyPr/>
+          <a:lstStyle/>
+          <a:p>
+            <a:endParaRPr lang="en-US"/>
+          </a:p>
+        </p:txBody>
+      </p:sp>
+    </p:spTree>
+    <p:extLst>
+      <p:ext uri="{BB962C8B-B14F-4D97-AF65-F5344CB8AC3E}">
+        <p14:creationId xmlns:p14="http://schemas.microsoft.com/office/powerpoint/2010/main" val="3049767328"/>
+      </p:ext>
+    </p:extLst>
+  </p:cSld>
+  <p:clrMapOvr>
+    <a:masterClrMapping/>
+  </p:clrMapOvr>
+</p:sld>
+</file>
+
+<file path=ppt/slides/slide20.xml><?xml version="1.0" encoding="utf-8"?>
+<p:sld xmlns:a="http://schemas.openxmlformats.org/drawingml/2006/main" xmlns:r="http://schemas.openxmlformats.org/officeDocument/2006/relationships" xmlns:p="http://schemas.openxmlformats.org/presentationml/2006/main">
+  <p:cSld>
+    <p:spTree>
+      <p:nvGrpSpPr>
+        <p:cNvPr id="1" name=""/>
+        <p:cNvGrpSpPr/>
+        <p:nvPr/>
+      </p:nvGrpSpPr>
+      <p:grpSpPr>
+        <a:xfrm>
+          <a:off x="0" y="0"/>
+          <a:ext cx="0" cy="0"/>
+          <a:chOff x="0" y="0"/>
+          <a:chExt cx="0" cy="0"/>
+        </a:xfrm>
+      </p:grpSpPr>
+      <p:sp>
+        <p:nvSpPr>
+          <p:cNvPr id="2" name="Title 1"/>
+          <p:cNvSpPr>
+            <a:spLocks noGrp="1"/>
+          </p:cNvSpPr>
+          <p:nvPr>
+            <p:ph type="title"/>
+          </p:nvPr>
+        </p:nvSpPr>
+        <p:spPr/>
+        <p:txBody>
+          <a:bodyPr/>
+          <a:lstStyle/>
+          <a:p>
+            <a:r>
+              <a:rPr lang="pt-BR" dirty="0"/>
+              <a:t>Ferramentas de verificação de </a:t>
+            </a:r>
+            <a:r>
+              <a:rPr lang="pt-BR" dirty="0" smtClean="0"/>
+              <a:t>código</a:t>
+            </a:r>
+            <a:endParaRPr lang="pt-BR" dirty="0"/>
+          </a:p>
+        </p:txBody>
+      </p:sp>
+      <p:sp>
+        <p:nvSpPr>
+          <p:cNvPr id="3" name="Content Placeholder 2"/>
+          <p:cNvSpPr>
+            <a:spLocks noGrp="1"/>
+          </p:cNvSpPr>
+          <p:nvPr>
+            <p:ph idx="1"/>
+          </p:nvPr>
+        </p:nvSpPr>
+        <p:spPr/>
+        <p:txBody>
+          <a:bodyPr>
+            <a:normAutofit fontScale="92500" lnSpcReduction="20000"/>
+          </a:bodyPr>
+          <a:lstStyle/>
+          <a:p>
+            <a:r>
+              <a:rPr lang="pt-BR" dirty="0"/>
+              <a:t>São ferramentas utilizadas para:</a:t>
+            </a:r>
+          </a:p>
+          <a:p>
+            <a:endParaRPr lang="pt-BR" dirty="0" smtClean="0"/>
+          </a:p>
+          <a:p>
+            <a:r>
+              <a:rPr lang="pt-BR" dirty="0" smtClean="0"/>
+              <a:t>Verificar </a:t>
+            </a:r>
+            <a:r>
+              <a:rPr lang="pt-BR" dirty="0"/>
+              <a:t>se o trabalho foi produzido dentro dos padrões de codificação</a:t>
+            </a:r>
+          </a:p>
+          <a:p>
+            <a:r>
+              <a:rPr lang="pt-BR" dirty="0"/>
+              <a:t> Identificar pedaços de códigos não executados</a:t>
+            </a:r>
+          </a:p>
+          <a:p>
+            <a:r>
+              <a:rPr lang="pt-BR" dirty="0"/>
+              <a:t> Identificar erros mais comuns, como problemas com inicialização e</a:t>
+            </a:r>
+          </a:p>
+          <a:p>
+            <a:r>
+              <a:rPr lang="pt-BR" dirty="0"/>
+              <a:t>variáveis, estouro de memória, etc</a:t>
+            </a:r>
+            <a:r>
+              <a:rPr lang="pt-BR" dirty="0" smtClean="0"/>
+              <a:t>.</a:t>
+            </a:r>
+          </a:p>
+          <a:p>
+            <a:endParaRPr lang="pt-BR" dirty="0" smtClean="0"/>
+          </a:p>
+          <a:p>
+            <a:pPr marL="0" indent="0">
+              <a:buNone/>
+            </a:pPr>
+            <a:r>
+              <a:rPr lang="pt-BR" dirty="0" smtClean="0"/>
+              <a:t>As ferramentas de verificação de código não têm a obrigação de verificar se o código realiza o que deveria realizar, ou seja, não têm a responsabilidade de testar as funcionalidades. Seu objetivo não é este.</a:t>
+            </a:r>
+          </a:p>
+          <a:p>
+            <a:pPr marL="0" indent="0">
+              <a:buNone/>
+            </a:pPr>
+            <a:r>
+              <a:rPr lang="pt-BR" dirty="0" smtClean="0"/>
+              <a:t>Esse tipo de ferramenta é muito utilizada nos testes unitários.</a:t>
+            </a:r>
+            <a:endParaRPr lang="pt-BR" dirty="0"/>
+          </a:p>
+        </p:txBody>
+      </p:sp>
+    </p:spTree>
+    <p:extLst>
+      <p:ext uri="{BB962C8B-B14F-4D97-AF65-F5344CB8AC3E}">
+        <p14:creationId xmlns:p14="http://schemas.microsoft.com/office/powerpoint/2010/main" val="3639780061"/>
+      </p:ext>
+    </p:extLst>
+  </p:cSld>
+  <p:clrMapOvr>
+    <a:masterClrMapping/>
+  </p:clrMapOvr>
+</p:sld>
+</file>
+
+<file path=ppt/slides/slide21.xml><?xml version="1.0" encoding="utf-8"?>
+<p:sld xmlns:a="http://schemas.openxmlformats.org/drawingml/2006/main" xmlns:r="http://schemas.openxmlformats.org/officeDocument/2006/relationships" xmlns:p="http://schemas.openxmlformats.org/presentationml/2006/main">
+  <p:cSld>
+    <p:spTree>
+      <p:nvGrpSpPr>
+        <p:cNvPr id="1" name=""/>
+        <p:cNvGrpSpPr/>
+        <p:nvPr/>
+      </p:nvGrpSpPr>
+      <p:grpSpPr>
+        <a:xfrm>
+          <a:off x="0" y="0"/>
+          <a:ext cx="0" cy="0"/>
+          <a:chOff x="0" y="0"/>
+          <a:chExt cx="0" cy="0"/>
+        </a:xfrm>
+      </p:grpSpPr>
+      <p:sp>
+        <p:nvSpPr>
+          <p:cNvPr id="2" name="Title 1"/>
+          <p:cNvSpPr>
+            <a:spLocks noGrp="1"/>
+          </p:cNvSpPr>
+          <p:nvPr>
+            <p:ph type="title"/>
+          </p:nvPr>
+        </p:nvSpPr>
+        <p:spPr/>
+        <p:txBody>
+          <a:bodyPr/>
+          <a:lstStyle/>
+          <a:p>
+            <a:r>
+              <a:rPr lang="pt-BR" dirty="0"/>
+              <a:t>Ferramentas de execução de testes</a:t>
+            </a:r>
+            <a:endParaRPr lang="pt-BR" dirty="0"/>
+          </a:p>
+        </p:txBody>
+      </p:sp>
+      <p:sp>
+        <p:nvSpPr>
+          <p:cNvPr id="3" name="Content Placeholder 2"/>
+          <p:cNvSpPr>
+            <a:spLocks noGrp="1"/>
+          </p:cNvSpPr>
+          <p:nvPr>
+            <p:ph idx="1"/>
+          </p:nvPr>
+        </p:nvSpPr>
+        <p:spPr/>
+        <p:txBody>
+          <a:bodyPr>
+            <a:normAutofit fontScale="77500" lnSpcReduction="20000"/>
+          </a:bodyPr>
+          <a:lstStyle/>
+          <a:p>
+            <a:pPr marL="0" indent="0">
+              <a:buNone/>
+            </a:pPr>
+            <a:r>
+              <a:rPr lang="pt-BR" dirty="0"/>
+              <a:t>São ferramentas que auxiliam diretamente na execução dos testes. </a:t>
+            </a:r>
+            <a:r>
+              <a:rPr lang="pt-BR" dirty="0" smtClean="0"/>
+              <a:t>Existem muitas </a:t>
+            </a:r>
+            <a:r>
+              <a:rPr lang="pt-BR" dirty="0"/>
+              <a:t>ferramentas nesta categoria, que podem ser utilizadas nos testes:</a:t>
+            </a:r>
+          </a:p>
+          <a:p>
+            <a:endParaRPr lang="pt-BR" dirty="0" smtClean="0"/>
+          </a:p>
+          <a:p>
+            <a:r>
+              <a:rPr lang="pt-BR" dirty="0" smtClean="0"/>
+              <a:t>Unitários</a:t>
+            </a:r>
+            <a:endParaRPr lang="pt-BR" dirty="0"/>
+          </a:p>
+          <a:p>
+            <a:pPr marL="0" indent="0">
+              <a:buNone/>
+            </a:pPr>
+            <a:r>
+              <a:rPr lang="pt-BR" dirty="0"/>
+              <a:t> </a:t>
+            </a:r>
+            <a:r>
+              <a:rPr lang="pt-BR" dirty="0" smtClean="0"/>
+              <a:t>	</a:t>
+            </a:r>
+            <a:r>
+              <a:rPr lang="pt-BR" dirty="0" err="1" smtClean="0"/>
+              <a:t>JUnit</a:t>
+            </a:r>
+            <a:endParaRPr lang="pt-BR" dirty="0"/>
+          </a:p>
+          <a:p>
+            <a:r>
+              <a:rPr lang="pt-BR" dirty="0"/>
+              <a:t> Integração</a:t>
+            </a:r>
+          </a:p>
+          <a:p>
+            <a:r>
+              <a:rPr lang="pt-BR" dirty="0"/>
+              <a:t> Sistema</a:t>
+            </a:r>
+          </a:p>
+          <a:p>
+            <a:pPr marL="0" indent="0">
+              <a:buNone/>
+            </a:pPr>
+            <a:r>
+              <a:rPr lang="pt-BR" dirty="0"/>
+              <a:t> </a:t>
+            </a:r>
+            <a:r>
+              <a:rPr lang="pt-BR" dirty="0" smtClean="0"/>
+              <a:t>	</a:t>
+            </a:r>
+            <a:r>
+              <a:rPr lang="pt-BR" dirty="0" err="1" smtClean="0"/>
+              <a:t>TestComplet</a:t>
+            </a:r>
+            <a:endParaRPr lang="pt-BR" dirty="0"/>
+          </a:p>
+          <a:p>
+            <a:pPr marL="0" indent="0">
+              <a:buNone/>
+            </a:pPr>
+            <a:r>
+              <a:rPr lang="pt-BR" dirty="0"/>
+              <a:t> </a:t>
+            </a:r>
+            <a:r>
+              <a:rPr lang="pt-BR" dirty="0" smtClean="0"/>
+              <a:t>	</a:t>
+            </a:r>
+            <a:r>
+              <a:rPr lang="pt-BR" dirty="0" err="1" smtClean="0"/>
+              <a:t>JUnitPerf</a:t>
+            </a:r>
+            <a:endParaRPr lang="pt-BR" dirty="0"/>
+          </a:p>
+          <a:p>
+            <a:r>
+              <a:rPr lang="pt-BR" dirty="0"/>
+              <a:t> Aceitação</a:t>
+            </a:r>
+          </a:p>
+          <a:p>
+            <a:pPr marL="0" indent="0">
+              <a:buNone/>
+            </a:pPr>
+            <a:r>
+              <a:rPr lang="pt-BR" dirty="0"/>
+              <a:t> </a:t>
+            </a:r>
+            <a:r>
+              <a:rPr lang="pt-BR" dirty="0" smtClean="0"/>
+              <a:t>	</a:t>
+            </a:r>
+            <a:r>
+              <a:rPr lang="pt-BR" dirty="0" err="1" smtClean="0"/>
+              <a:t>JMeter</a:t>
+            </a:r>
+            <a:endParaRPr lang="pt-BR" dirty="0"/>
+          </a:p>
+          <a:p>
+            <a:pPr marL="0" indent="0">
+              <a:buNone/>
+            </a:pPr>
+            <a:r>
+              <a:rPr lang="pt-BR" dirty="0"/>
+              <a:t> </a:t>
+            </a:r>
+            <a:r>
+              <a:rPr lang="pt-BR" dirty="0" smtClean="0"/>
+              <a:t>	</a:t>
+            </a:r>
+            <a:r>
+              <a:rPr lang="pt-BR" dirty="0" err="1" smtClean="0"/>
+              <a:t>JUnitPerf</a:t>
+            </a:r>
+            <a:endParaRPr lang="pt-BR" dirty="0"/>
+          </a:p>
+        </p:txBody>
+      </p:sp>
+    </p:spTree>
+    <p:extLst>
+      <p:ext uri="{BB962C8B-B14F-4D97-AF65-F5344CB8AC3E}">
+        <p14:creationId xmlns:p14="http://schemas.microsoft.com/office/powerpoint/2010/main" val="1836514427"/>
+      </p:ext>
+    </p:extLst>
+  </p:cSld>
+  <p:clrMapOvr>
+    <a:masterClrMapping/>
+  </p:clrMapOvr>
+</p:sld>
+</file>
+
+<file path=ppt/slides/slide22.xml><?xml version="1.0" encoding="utf-8"?>
+<p:sld xmlns:a="http://schemas.openxmlformats.org/drawingml/2006/main" xmlns:r="http://schemas.openxmlformats.org/officeDocument/2006/relationships" xmlns:p="http://schemas.openxmlformats.org/presentationml/2006/main">
+  <p:cSld>
+    <p:spTree>
+      <p:nvGrpSpPr>
+        <p:cNvPr id="1" name=""/>
+        <p:cNvGrpSpPr/>
+        <p:nvPr/>
+      </p:nvGrpSpPr>
+      <p:grpSpPr>
+        <a:xfrm>
+          <a:off x="0" y="0"/>
+          <a:ext cx="0" cy="0"/>
+          <a:chOff x="0" y="0"/>
+          <a:chExt cx="0" cy="0"/>
+        </a:xfrm>
+      </p:grpSpPr>
+      <p:sp>
+        <p:nvSpPr>
+          <p:cNvPr id="4" name="Title 3"/>
+          <p:cNvSpPr>
+            <a:spLocks noGrp="1"/>
+          </p:cNvSpPr>
+          <p:nvPr>
+            <p:ph type="ctrTitle"/>
+          </p:nvPr>
+        </p:nvSpPr>
+        <p:spPr/>
+        <p:txBody>
+          <a:bodyPr/>
+          <a:lstStyle/>
+          <a:p>
+            <a:r>
+              <a:rPr lang="pt-BR" dirty="0" smtClean="0"/>
+              <a:t>4. Análise de Riscos</a:t>
+            </a:r>
+            <a:endParaRPr lang="pt-BR" dirty="0"/>
+          </a:p>
+        </p:txBody>
+      </p:sp>
+      <p:sp>
+        <p:nvSpPr>
+          <p:cNvPr id="5" name="Subtitle 4"/>
+          <p:cNvSpPr>
+            <a:spLocks noGrp="1"/>
+          </p:cNvSpPr>
+          <p:nvPr>
+            <p:ph type="subTitle" idx="1"/>
+          </p:nvPr>
+        </p:nvSpPr>
+        <p:spPr/>
+        <p:txBody>
+          <a:bodyPr/>
+          <a:lstStyle/>
+          <a:p>
+            <a:endParaRPr lang="pt-BR" dirty="0"/>
+          </a:p>
+        </p:txBody>
+      </p:sp>
+    </p:spTree>
+    <p:extLst>
+      <p:ext uri="{BB962C8B-B14F-4D97-AF65-F5344CB8AC3E}">
+        <p14:creationId xmlns:p14="http://schemas.microsoft.com/office/powerpoint/2010/main" val="2831708250"/>
+      </p:ext>
+    </p:extLst>
+  </p:cSld>
+  <p:clrMapOvr>
+    <a:masterClrMapping/>
+  </p:clrMapOvr>
+</p:sld>
+</file>
+
+<file path=ppt/slides/slide23.xml><?xml version="1.0" encoding="utf-8"?>
+<p:sld xmlns:a="http://schemas.openxmlformats.org/drawingml/2006/main" xmlns:r="http://schemas.openxmlformats.org/officeDocument/2006/relationships" xmlns:p="http://schemas.openxmlformats.org/presentationml/2006/main">
+  <p:cSld>
+    <p:spTree>
+      <p:nvGrpSpPr>
+        <p:cNvPr id="1" name=""/>
+        <p:cNvGrpSpPr/>
+        <p:nvPr/>
+      </p:nvGrpSpPr>
+      <p:grpSpPr>
+        <a:xfrm>
+          <a:off x="0" y="0"/>
+          <a:ext cx="0" cy="0"/>
+          <a:chOff x="0" y="0"/>
+          <a:chExt cx="0" cy="0"/>
+        </a:xfrm>
+      </p:grpSpPr>
+      <p:sp>
+        <p:nvSpPr>
+          <p:cNvPr id="2" name="Title 1"/>
+          <p:cNvSpPr>
+            <a:spLocks noGrp="1"/>
+          </p:cNvSpPr>
+          <p:nvPr>
+            <p:ph type="title"/>
+          </p:nvPr>
+        </p:nvSpPr>
+        <p:spPr/>
+        <p:txBody>
+          <a:bodyPr/>
+          <a:lstStyle/>
+          <a:p>
+            <a:r>
+              <a:rPr lang="pt-BR" dirty="0"/>
+              <a:t>O que é risco?</a:t>
+            </a:r>
+            <a:endParaRPr lang="pt-BR" dirty="0"/>
+          </a:p>
+        </p:txBody>
+      </p:sp>
+      <p:pic>
+        <p:nvPicPr>
+          <p:cNvPr id="4" name="Content Placeholder 3"/>
+          <p:cNvPicPr>
+            <a:picLocks noGrp="1" noChangeAspect="1"/>
+          </p:cNvPicPr>
+          <p:nvPr>
+            <p:ph idx="1"/>
+          </p:nvPr>
+        </p:nvPicPr>
+        <p:blipFill>
+          <a:blip r:embed="rId2">
+            <a:extLst>
+              <a:ext uri="{28A0092B-C50C-407E-A947-70E740481C1C}">
+                <a14:useLocalDpi xmlns:a14="http://schemas.microsoft.com/office/drawing/2010/main" val="0"/>
+              </a:ext>
+            </a:extLst>
+          </a:blip>
+          <a:stretch>
+            <a:fillRect/>
+          </a:stretch>
+        </p:blipFill>
+        <p:spPr>
+          <a:xfrm>
+            <a:off x="838200" y="1690688"/>
+            <a:ext cx="10515600" cy="4747057"/>
+          </a:xfrm>
+        </p:spPr>
+      </p:pic>
+    </p:spTree>
+    <p:extLst>
+      <p:ext uri="{BB962C8B-B14F-4D97-AF65-F5344CB8AC3E}">
+        <p14:creationId xmlns:p14="http://schemas.microsoft.com/office/powerpoint/2010/main" val="1794756343"/>
+      </p:ext>
+    </p:extLst>
+  </p:cSld>
+  <p:clrMapOvr>
+    <a:masterClrMapping/>
+  </p:clrMapOvr>
+</p:sld>
+</file>
+
+<file path=ppt/slides/slide24.xml><?xml version="1.0" encoding="utf-8"?>
+<p:sld xmlns:a="http://schemas.openxmlformats.org/drawingml/2006/main" xmlns:r="http://schemas.openxmlformats.org/officeDocument/2006/relationships" xmlns:p="http://schemas.openxmlformats.org/presentationml/2006/main">
+  <p:cSld>
+    <p:spTree>
+      <p:nvGrpSpPr>
+        <p:cNvPr id="1" name=""/>
+        <p:cNvGrpSpPr/>
+        <p:nvPr/>
+      </p:nvGrpSpPr>
+      <p:grpSpPr>
+        <a:xfrm>
+          <a:off x="0" y="0"/>
+          <a:ext cx="0" cy="0"/>
+          <a:chOff x="0" y="0"/>
+          <a:chExt cx="0" cy="0"/>
+        </a:xfrm>
+      </p:grpSpPr>
+      <p:sp>
+        <p:nvSpPr>
+          <p:cNvPr id="2" name="Title 1"/>
+          <p:cNvSpPr>
+            <a:spLocks noGrp="1"/>
+          </p:cNvSpPr>
+          <p:nvPr>
+            <p:ph type="title"/>
+          </p:nvPr>
+        </p:nvSpPr>
+        <p:spPr/>
+        <p:txBody>
+          <a:bodyPr/>
+          <a:lstStyle/>
+          <a:p>
+            <a:r>
+              <a:rPr lang="pt-BR" dirty="0"/>
+              <a:t>Risco x Problema - Exemplo</a:t>
+            </a:r>
+            <a:endParaRPr lang="pt-BR" dirty="0"/>
+          </a:p>
+        </p:txBody>
+      </p:sp>
+      <p:pic>
+        <p:nvPicPr>
+          <p:cNvPr id="4" name="Content Placeholder 3"/>
+          <p:cNvPicPr>
+            <a:picLocks noGrp="1" noChangeAspect="1"/>
+          </p:cNvPicPr>
+          <p:nvPr>
+            <p:ph idx="1"/>
+          </p:nvPr>
+        </p:nvPicPr>
+        <p:blipFill>
+          <a:blip r:embed="rId2">
+            <a:extLst>
+              <a:ext uri="{28A0092B-C50C-407E-A947-70E740481C1C}">
+                <a14:useLocalDpi xmlns:a14="http://schemas.microsoft.com/office/drawing/2010/main" val="0"/>
+              </a:ext>
+            </a:extLst>
+          </a:blip>
+          <a:stretch>
+            <a:fillRect/>
+          </a:stretch>
+        </p:blipFill>
+        <p:spPr>
+          <a:xfrm>
+            <a:off x="1031731" y="1825625"/>
+            <a:ext cx="10128538" cy="4351338"/>
+          </a:xfrm>
+        </p:spPr>
+      </p:pic>
+    </p:spTree>
+    <p:extLst>
+      <p:ext uri="{BB962C8B-B14F-4D97-AF65-F5344CB8AC3E}">
+        <p14:creationId xmlns:p14="http://schemas.microsoft.com/office/powerpoint/2010/main" val="2476466296"/>
+      </p:ext>
+    </p:extLst>
+  </p:cSld>
+  <p:clrMapOvr>
+    <a:masterClrMapping/>
+  </p:clrMapOvr>
+</p:sld>
+</file>
+
+<file path=ppt/slides/slide25.xml><?xml version="1.0" encoding="utf-8"?>
+<p:sld xmlns:a="http://schemas.openxmlformats.org/drawingml/2006/main" xmlns:r="http://schemas.openxmlformats.org/officeDocument/2006/relationships" xmlns:p="http://schemas.openxmlformats.org/presentationml/2006/main">
+  <p:cSld>
+    <p:spTree>
+      <p:nvGrpSpPr>
+        <p:cNvPr id="1" name=""/>
+        <p:cNvGrpSpPr/>
+        <p:nvPr/>
+      </p:nvGrpSpPr>
+      <p:grpSpPr>
+        <a:xfrm>
+          <a:off x="0" y="0"/>
+          <a:ext cx="0" cy="0"/>
+          <a:chOff x="0" y="0"/>
+          <a:chExt cx="0" cy="0"/>
+        </a:xfrm>
+      </p:grpSpPr>
+      <p:sp>
+        <p:nvSpPr>
+          <p:cNvPr id="2" name="Title 1"/>
+          <p:cNvSpPr>
+            <a:spLocks noGrp="1"/>
+          </p:cNvSpPr>
+          <p:nvPr>
+            <p:ph type="title"/>
+          </p:nvPr>
+        </p:nvSpPr>
+        <p:spPr/>
+        <p:txBody>
+          <a:bodyPr/>
+          <a:lstStyle/>
+          <a:p>
+            <a:r>
+              <a:rPr lang="pt-BR" dirty="0"/>
+              <a:t>Conceituando riscos - </a:t>
+            </a:r>
+            <a:r>
+              <a:rPr lang="pt-BR" dirty="0" smtClean="0"/>
+              <a:t>Exemplos</a:t>
+            </a:r>
+            <a:endParaRPr lang="pt-BR" dirty="0"/>
+          </a:p>
+        </p:txBody>
+      </p:sp>
+      <p:sp>
+        <p:nvSpPr>
+          <p:cNvPr id="3" name="Content Placeholder 2"/>
+          <p:cNvSpPr>
+            <a:spLocks noGrp="1"/>
+          </p:cNvSpPr>
+          <p:nvPr>
+            <p:ph idx="1"/>
+          </p:nvPr>
+        </p:nvSpPr>
+        <p:spPr/>
+        <p:txBody>
+          <a:bodyPr>
+            <a:normAutofit/>
+          </a:bodyPr>
+          <a:lstStyle/>
+          <a:p>
+            <a:pPr marL="0" indent="0">
+              <a:buNone/>
+            </a:pPr>
+            <a:r>
+              <a:rPr lang="pt-BR" dirty="0" smtClean="0"/>
+              <a:t>Exemplo </a:t>
+            </a:r>
+            <a:r>
+              <a:rPr lang="pt-BR" dirty="0"/>
+              <a:t>de Risco:</a:t>
+            </a:r>
+          </a:p>
+          <a:p>
+            <a:r>
+              <a:rPr lang="pt-BR" dirty="0" smtClean="0"/>
+              <a:t>Devido </a:t>
+            </a:r>
+            <a:r>
+              <a:rPr lang="pt-BR" dirty="0"/>
+              <a:t>ao uso de uma nova tecnologia para a qual </a:t>
+            </a:r>
+            <a:r>
+              <a:rPr lang="pt-BR" dirty="0" smtClean="0"/>
+              <a:t>os programadores foram </a:t>
+            </a:r>
+            <a:r>
+              <a:rPr lang="pt-BR" dirty="0"/>
+              <a:t>recém treinados, os mesmos poderão precisar de mais </a:t>
+            </a:r>
+            <a:r>
+              <a:rPr lang="pt-BR" dirty="0" smtClean="0"/>
+              <a:t>tempo para </a:t>
+            </a:r>
+            <a:r>
+              <a:rPr lang="pt-BR" dirty="0"/>
+              <a:t>desenvolvimento dos programas, ocasionando um atraso </a:t>
+            </a:r>
+            <a:r>
+              <a:rPr lang="pt-BR" dirty="0" smtClean="0"/>
+              <a:t>nas atividades </a:t>
+            </a:r>
+            <a:r>
+              <a:rPr lang="pt-BR" dirty="0"/>
+              <a:t>do cronograma</a:t>
+            </a:r>
+            <a:r>
+              <a:rPr lang="pt-BR" dirty="0" smtClean="0"/>
+              <a:t>.</a:t>
+            </a:r>
+          </a:p>
+          <a:p>
+            <a:endParaRPr lang="pt-BR" dirty="0"/>
+          </a:p>
+          <a:p>
+            <a:pPr marL="0" indent="0">
+              <a:buNone/>
+            </a:pPr>
+            <a:r>
+              <a:rPr lang="pt-BR" dirty="0"/>
+              <a:t>Exemplo de Não-Risco:</a:t>
+            </a:r>
+          </a:p>
+          <a:p>
+            <a:r>
+              <a:rPr lang="pt-BR" dirty="0"/>
+              <a:t>Desconhecimento dos programadores quanto à tecnologia utilizada</a:t>
+            </a:r>
+          </a:p>
+          <a:p>
+            <a:pPr marL="0" indent="0">
+              <a:buNone/>
+            </a:pPr>
+            <a:r>
+              <a:rPr lang="pt-BR" dirty="0"/>
+              <a:t>para a programação deste projeto.</a:t>
+            </a:r>
+            <a:endParaRPr lang="pt-BR" dirty="0"/>
+          </a:p>
+        </p:txBody>
+      </p:sp>
+    </p:spTree>
+    <p:extLst>
+      <p:ext uri="{BB962C8B-B14F-4D97-AF65-F5344CB8AC3E}">
+        <p14:creationId xmlns:p14="http://schemas.microsoft.com/office/powerpoint/2010/main" val="3162206577"/>
+      </p:ext>
+    </p:extLst>
+  </p:cSld>
+  <p:clrMapOvr>
+    <a:masterClrMapping/>
+  </p:clrMapOvr>
+</p:sld>
+</file>
+
+<file path=ppt/slides/slide26.xml><?xml version="1.0" encoding="utf-8"?>
+<p:sld xmlns:a="http://schemas.openxmlformats.org/drawingml/2006/main" xmlns:r="http://schemas.openxmlformats.org/officeDocument/2006/relationships" xmlns:p="http://schemas.openxmlformats.org/presentationml/2006/main">
+  <p:cSld>
+    <p:spTree>
+      <p:nvGrpSpPr>
+        <p:cNvPr id="1" name=""/>
+        <p:cNvGrpSpPr/>
+        <p:nvPr/>
+      </p:nvGrpSpPr>
+      <p:grpSpPr>
+        <a:xfrm>
+          <a:off x="0" y="0"/>
+          <a:ext cx="0" cy="0"/>
+          <a:chOff x="0" y="0"/>
+          <a:chExt cx="0" cy="0"/>
+        </a:xfrm>
+      </p:grpSpPr>
+      <p:sp>
+        <p:nvSpPr>
+          <p:cNvPr id="2" name="Title 1"/>
+          <p:cNvSpPr>
+            <a:spLocks noGrp="1"/>
+          </p:cNvSpPr>
+          <p:nvPr>
+            <p:ph type="title"/>
+          </p:nvPr>
+        </p:nvSpPr>
+        <p:spPr/>
+        <p:txBody>
+          <a:bodyPr/>
+          <a:lstStyle/>
+          <a:p>
+            <a:r>
+              <a:rPr lang="pt-BR" dirty="0"/>
+              <a:t>Categoria de riscos</a:t>
+            </a:r>
+          </a:p>
+        </p:txBody>
+      </p:sp>
+      <p:sp>
+        <p:nvSpPr>
+          <p:cNvPr id="3" name="Content Placeholder 2"/>
+          <p:cNvSpPr>
+            <a:spLocks noGrp="1"/>
+          </p:cNvSpPr>
+          <p:nvPr>
+            <p:ph idx="1"/>
+          </p:nvPr>
+        </p:nvSpPr>
+        <p:spPr/>
+        <p:txBody>
+          <a:bodyPr/>
+          <a:lstStyle/>
+          <a:p>
+            <a:r>
+              <a:rPr lang="pt-BR" b="1" dirty="0" smtClean="0"/>
+              <a:t>Riscos </a:t>
+            </a:r>
+            <a:r>
+              <a:rPr lang="pt-BR" b="1" dirty="0"/>
+              <a:t>de projeto</a:t>
+            </a:r>
+            <a:r>
+              <a:rPr lang="pt-BR" dirty="0"/>
+              <a:t>: são riscos ligados diretamente ao projeto.</a:t>
+            </a:r>
+          </a:p>
+          <a:p>
+            <a:r>
+              <a:rPr lang="pt-BR" dirty="0"/>
+              <a:t> </a:t>
+            </a:r>
+            <a:r>
+              <a:rPr lang="pt-BR" b="1" dirty="0"/>
+              <a:t>Riscos técnicos</a:t>
+            </a:r>
+            <a:r>
+              <a:rPr lang="pt-BR" dirty="0"/>
+              <a:t>: são riscos relacionados à qualidade do software a </a:t>
+            </a:r>
+            <a:r>
+              <a:rPr lang="pt-BR" dirty="0" smtClean="0"/>
+              <a:t>ser desenvolvido</a:t>
+            </a:r>
+            <a:r>
+              <a:rPr lang="pt-BR" dirty="0"/>
+              <a:t>.</a:t>
+            </a:r>
+          </a:p>
+          <a:p>
+            <a:r>
+              <a:rPr lang="pt-BR" dirty="0"/>
+              <a:t> </a:t>
+            </a:r>
+            <a:r>
+              <a:rPr lang="pt-BR" b="1" dirty="0"/>
+              <a:t>Riscos para o negócio do cliente</a:t>
+            </a:r>
+            <a:r>
+              <a:rPr lang="pt-BR" dirty="0"/>
+              <a:t>: são riscos relacionados a </a:t>
+            </a:r>
+            <a:r>
+              <a:rPr lang="pt-BR" dirty="0" smtClean="0"/>
+              <a:t>defeitos no software</a:t>
+            </a:r>
+            <a:r>
+              <a:rPr lang="pt-BR" dirty="0"/>
+              <a:t>, que podem causar prejuízos ao negócio do cliente.</a:t>
+            </a:r>
+            <a:endParaRPr lang="pt-BR" dirty="0"/>
+          </a:p>
+        </p:txBody>
+      </p:sp>
+    </p:spTree>
+    <p:extLst>
+      <p:ext uri="{BB962C8B-B14F-4D97-AF65-F5344CB8AC3E}">
+        <p14:creationId xmlns:p14="http://schemas.microsoft.com/office/powerpoint/2010/main" val="4094993180"/>
+      </p:ext>
+    </p:extLst>
+  </p:cSld>
+  <p:clrMapOvr>
+    <a:masterClrMapping/>
+  </p:clrMapOvr>
+</p:sld>
+</file>
+
+<file path=ppt/slides/slide27.xml><?xml version="1.0" encoding="utf-8"?>
+<p:sld xmlns:a="http://schemas.openxmlformats.org/drawingml/2006/main" xmlns:r="http://schemas.openxmlformats.org/officeDocument/2006/relationships" xmlns:p="http://schemas.openxmlformats.org/presentationml/2006/main">
+  <p:cSld>
+    <p:spTree>
+      <p:nvGrpSpPr>
+        <p:cNvPr id="1" name=""/>
+        <p:cNvGrpSpPr/>
+        <p:nvPr/>
+      </p:nvGrpSpPr>
+      <p:grpSpPr>
+        <a:xfrm>
+          <a:off x="0" y="0"/>
+          <a:ext cx="0" cy="0"/>
+          <a:chOff x="0" y="0"/>
+          <a:chExt cx="0" cy="0"/>
+        </a:xfrm>
+      </p:grpSpPr>
+      <p:sp>
+        <p:nvSpPr>
+          <p:cNvPr id="2" name="Title 1"/>
+          <p:cNvSpPr>
+            <a:spLocks noGrp="1"/>
+          </p:cNvSpPr>
+          <p:nvPr>
+            <p:ph type="title"/>
+          </p:nvPr>
+        </p:nvSpPr>
+        <p:spPr/>
+        <p:txBody>
+          <a:bodyPr/>
+          <a:lstStyle/>
+          <a:p>
+            <a:r>
+              <a:rPr lang="pt-BR" dirty="0"/>
+              <a:t>Riscos de defeitos x esforço de </a:t>
+            </a:r>
+            <a:r>
+              <a:rPr lang="pt-BR" dirty="0" smtClean="0"/>
+              <a:t>teste</a:t>
+            </a:r>
+            <a:endParaRPr lang="pt-BR" dirty="0"/>
+          </a:p>
+        </p:txBody>
+      </p:sp>
+      <p:sp>
+        <p:nvSpPr>
+          <p:cNvPr id="3" name="Content Placeholder 2"/>
+          <p:cNvSpPr>
+            <a:spLocks noGrp="1"/>
+          </p:cNvSpPr>
+          <p:nvPr>
+            <p:ph idx="1"/>
+          </p:nvPr>
+        </p:nvSpPr>
+        <p:spPr/>
+        <p:txBody>
+          <a:bodyPr/>
+          <a:lstStyle/>
+          <a:p>
+            <a:r>
+              <a:rPr lang="pt-BR" dirty="0" smtClean="0"/>
+              <a:t>Sempre </a:t>
+            </a:r>
+            <a:r>
+              <a:rPr lang="pt-BR" dirty="0"/>
+              <a:t>que aumentarmos o esforço dos testes, o risco de defeitos cairá. </a:t>
+            </a:r>
+            <a:r>
+              <a:rPr lang="pt-BR" dirty="0" smtClean="0"/>
+              <a:t>Porém, já </a:t>
+            </a:r>
+            <a:r>
+              <a:rPr lang="pt-BR" dirty="0"/>
+              <a:t>vimos também que dificilmente podemos testar todas as funcionalidades </a:t>
+            </a:r>
+            <a:r>
+              <a:rPr lang="pt-BR" dirty="0" smtClean="0"/>
+              <a:t>que precisam </a:t>
+            </a:r>
+            <a:r>
+              <a:rPr lang="pt-BR" dirty="0"/>
+              <a:t>ser testadas no prazo e no orçamento que dispomos.</a:t>
+            </a:r>
+            <a:endParaRPr lang="pt-BR" dirty="0"/>
+          </a:p>
+        </p:txBody>
+      </p:sp>
+      <p:pic>
+        <p:nvPicPr>
+          <p:cNvPr id="4" name="Picture 3"/>
+          <p:cNvPicPr>
+            <a:picLocks noChangeAspect="1"/>
+          </p:cNvPicPr>
+          <p:nvPr/>
+        </p:nvPicPr>
+        <p:blipFill>
+          <a:blip r:embed="rId2">
+            <a:extLst>
+              <a:ext uri="{28A0092B-C50C-407E-A947-70E740481C1C}">
+                <a14:useLocalDpi xmlns:a14="http://schemas.microsoft.com/office/drawing/2010/main" val="0"/>
+              </a:ext>
+            </a:extLst>
+          </a:blip>
+          <a:stretch>
+            <a:fillRect/>
+          </a:stretch>
+        </p:blipFill>
+        <p:spPr>
+          <a:xfrm>
+            <a:off x="2854036" y="3463636"/>
+            <a:ext cx="6539346" cy="2983345"/>
+          </a:xfrm>
+          <a:prstGeom prst="rect">
+            <a:avLst/>
+          </a:prstGeom>
+        </p:spPr>
+      </p:pic>
+    </p:spTree>
+    <p:extLst>
+      <p:ext uri="{BB962C8B-B14F-4D97-AF65-F5344CB8AC3E}">
+        <p14:creationId xmlns:p14="http://schemas.microsoft.com/office/powerpoint/2010/main" val="1929505921"/>
+      </p:ext>
+    </p:extLst>
+  </p:cSld>
+  <p:clrMapOvr>
+    <a:masterClrMapping/>
+  </p:clrMapOvr>
+</p:sld>
+</file>
+
+<file path=ppt/slides/slide28.xml><?xml version="1.0" encoding="utf-8"?>
+<p:sld xmlns:a="http://schemas.openxmlformats.org/drawingml/2006/main" xmlns:r="http://schemas.openxmlformats.org/officeDocument/2006/relationships" xmlns:p="http://schemas.openxmlformats.org/presentationml/2006/main">
+  <p:cSld>
+    <p:spTree>
+      <p:nvGrpSpPr>
+        <p:cNvPr id="1" name=""/>
+        <p:cNvGrpSpPr/>
+        <p:nvPr/>
+      </p:nvGrpSpPr>
+      <p:grpSpPr>
+        <a:xfrm>
+          <a:off x="0" y="0"/>
+          <a:ext cx="0" cy="0"/>
+          <a:chOff x="0" y="0"/>
+          <a:chExt cx="0" cy="0"/>
+        </a:xfrm>
+      </p:grpSpPr>
+      <p:sp>
+        <p:nvSpPr>
+          <p:cNvPr id="2" name="Title 1"/>
+          <p:cNvSpPr>
+            <a:spLocks noGrp="1"/>
+          </p:cNvSpPr>
+          <p:nvPr>
+            <p:ph type="title"/>
+          </p:nvPr>
+        </p:nvSpPr>
+        <p:spPr/>
+        <p:txBody>
+          <a:bodyPr/>
+          <a:lstStyle/>
+          <a:p>
+            <a:r>
+              <a:rPr lang="pt-BR" dirty="0"/>
+              <a:t>Maiores riscos de defeitos</a:t>
+            </a:r>
+          </a:p>
+        </p:txBody>
+      </p:sp>
+      <p:sp>
+        <p:nvSpPr>
+          <p:cNvPr id="3" name="Content Placeholder 2"/>
+          <p:cNvSpPr>
+            <a:spLocks noGrp="1"/>
+          </p:cNvSpPr>
+          <p:nvPr>
+            <p:ph idx="1"/>
+          </p:nvPr>
+        </p:nvSpPr>
+        <p:spPr/>
+        <p:txBody>
+          <a:bodyPr>
+            <a:normAutofit lnSpcReduction="10000"/>
+          </a:bodyPr>
+          <a:lstStyle/>
+          <a:p>
+            <a:pPr marL="0" indent="0">
+              <a:buNone/>
+            </a:pPr>
+            <a:r>
+              <a:rPr lang="pt-BR" dirty="0" smtClean="0"/>
+              <a:t>Os </a:t>
+            </a:r>
+            <a:r>
+              <a:rPr lang="pt-BR" dirty="0"/>
+              <a:t>maiores riscos de defeitos de um software estão em</a:t>
+            </a:r>
+            <a:r>
+              <a:rPr lang="pt-BR" dirty="0" smtClean="0"/>
+              <a:t>:</a:t>
+            </a:r>
+          </a:p>
+          <a:p>
+            <a:pPr marL="0" indent="0">
+              <a:buNone/>
+            </a:pPr>
+            <a:endParaRPr lang="pt-BR" dirty="0"/>
+          </a:p>
+          <a:p>
+            <a:r>
+              <a:rPr lang="pt-BR" dirty="0"/>
+              <a:t> Funções muito complexas</a:t>
+            </a:r>
+          </a:p>
+          <a:p>
+            <a:r>
+              <a:rPr lang="pt-BR" dirty="0"/>
+              <a:t> Funções </a:t>
+            </a:r>
+            <a:r>
+              <a:rPr lang="pt-BR" dirty="0" smtClean="0"/>
+              <a:t>frequentemente </a:t>
+            </a:r>
+            <a:r>
+              <a:rPr lang="pt-BR" dirty="0"/>
+              <a:t>alteradas</a:t>
+            </a:r>
+          </a:p>
+          <a:p>
+            <a:r>
+              <a:rPr lang="pt-BR" dirty="0"/>
+              <a:t> Funções onde uma determinada ferramenta foi utilizada pela primeira </a:t>
+            </a:r>
+            <a:r>
+              <a:rPr lang="pt-BR" dirty="0" smtClean="0"/>
+              <a:t>vez no </a:t>
+            </a:r>
+            <a:r>
+              <a:rPr lang="pt-BR" dirty="0"/>
+              <a:t>desenvolvimento</a:t>
+            </a:r>
+          </a:p>
+          <a:p>
+            <a:r>
+              <a:rPr lang="pt-BR" dirty="0"/>
+              <a:t> Funções que foram construídas sob pressão</a:t>
+            </a:r>
+          </a:p>
+          <a:p>
+            <a:r>
+              <a:rPr lang="pt-BR" dirty="0"/>
+              <a:t> Funções onde muitos defeitos já foram encontrados</a:t>
+            </a:r>
+          </a:p>
+          <a:p>
+            <a:r>
+              <a:rPr lang="pt-BR" dirty="0"/>
+              <a:t> Funções com muitas interfaces</a:t>
+            </a:r>
+            <a:endParaRPr lang="pt-BR" dirty="0"/>
+          </a:p>
+        </p:txBody>
+      </p:sp>
+    </p:spTree>
+    <p:extLst>
+      <p:ext uri="{BB962C8B-B14F-4D97-AF65-F5344CB8AC3E}">
+        <p14:creationId xmlns:p14="http://schemas.microsoft.com/office/powerpoint/2010/main" val="3741505755"/>
+      </p:ext>
+    </p:extLst>
+  </p:cSld>
+  <p:clrMapOvr>
+    <a:masterClrMapping/>
+  </p:clrMapOvr>
+</p:sld>
+</file>
+
+<file path=ppt/slides/slide29.xml><?xml version="1.0" encoding="utf-8"?>
+<p:sld xmlns:a="http://schemas.openxmlformats.org/drawingml/2006/main" xmlns:r="http://schemas.openxmlformats.org/officeDocument/2006/relationships" xmlns:p="http://schemas.openxmlformats.org/presentationml/2006/main">
+  <p:cSld>
+    <p:spTree>
+      <p:nvGrpSpPr>
+        <p:cNvPr id="1" name=""/>
+        <p:cNvGrpSpPr/>
+        <p:nvPr/>
+      </p:nvGrpSpPr>
+      <p:grpSpPr>
+        <a:xfrm>
+          <a:off x="0" y="0"/>
+          <a:ext cx="0" cy="0"/>
+          <a:chOff x="0" y="0"/>
+          <a:chExt cx="0" cy="0"/>
+        </a:xfrm>
+      </p:grpSpPr>
+      <p:sp>
+        <p:nvSpPr>
+          <p:cNvPr id="2" name="Title 1"/>
+          <p:cNvSpPr>
+            <a:spLocks noGrp="1"/>
+          </p:cNvSpPr>
+          <p:nvPr>
+            <p:ph type="title"/>
+          </p:nvPr>
+        </p:nvSpPr>
+        <p:spPr/>
+        <p:txBody>
+          <a:bodyPr/>
+          <a:lstStyle/>
+          <a:p>
+            <a:r>
+              <a:rPr lang="pt-BR" dirty="0"/>
+              <a:t>Riscos do projeto - Exemplos</a:t>
+            </a:r>
+          </a:p>
+        </p:txBody>
+      </p:sp>
+      <p:sp>
+        <p:nvSpPr>
+          <p:cNvPr id="3" name="Content Placeholder 2"/>
+          <p:cNvSpPr>
+            <a:spLocks noGrp="1"/>
+          </p:cNvSpPr>
+          <p:nvPr>
+            <p:ph idx="1"/>
+          </p:nvPr>
+        </p:nvSpPr>
+        <p:spPr/>
+        <p:txBody>
+          <a:bodyPr/>
+          <a:lstStyle/>
+          <a:p>
+            <a:r>
+              <a:rPr lang="pt-BR" dirty="0" smtClean="0"/>
+              <a:t>Ausência </a:t>
+            </a:r>
+            <a:r>
+              <a:rPr lang="pt-BR" dirty="0"/>
+              <a:t>de um cronograma detalhado</a:t>
+            </a:r>
+          </a:p>
+          <a:p>
+            <a:r>
+              <a:rPr lang="pt-BR" dirty="0"/>
+              <a:t> Dados dos testes não disponíveis na data programada</a:t>
+            </a:r>
+          </a:p>
+          <a:p>
+            <a:r>
+              <a:rPr lang="pt-BR" dirty="0"/>
+              <a:t> Dados de testes ruins</a:t>
+            </a:r>
+          </a:p>
+          <a:p>
+            <a:r>
+              <a:rPr lang="pt-BR" dirty="0"/>
+              <a:t> Disponibilidade da equipe de testes</a:t>
+            </a:r>
+          </a:p>
+          <a:p>
+            <a:r>
+              <a:rPr lang="pt-BR" dirty="0"/>
+              <a:t> Disponibilidade de um ambiente de testes</a:t>
+            </a:r>
+          </a:p>
+          <a:p>
+            <a:r>
+              <a:rPr lang="pt-BR" dirty="0"/>
+              <a:t> Falta de gerência de configuração</a:t>
+            </a:r>
+            <a:endParaRPr lang="pt-BR" dirty="0"/>
+          </a:p>
+        </p:txBody>
+      </p:sp>
+    </p:spTree>
+    <p:extLst>
+      <p:ext uri="{BB962C8B-B14F-4D97-AF65-F5344CB8AC3E}">
+        <p14:creationId xmlns:p14="http://schemas.microsoft.com/office/powerpoint/2010/main" val="2981342766"/>
+      </p:ext>
+    </p:extLst>
+  </p:cSld>
+  <p:clrMapOvr>
+    <a:masterClrMapping/>
+  </p:clrMapOvr>
+</p:sld>
+</file>
+
+<file path=ppt/slides/slide3.xml><?xml version="1.0" encoding="utf-8"?>
+<p:sld xmlns:a="http://schemas.openxmlformats.org/drawingml/2006/main" xmlns:r="http://schemas.openxmlformats.org/officeDocument/2006/relationships" xmlns:p="http://schemas.openxmlformats.org/presentationml/2006/main">
+  <p:cSld>
+    <p:spTree>
+      <p:nvGrpSpPr>
+        <p:cNvPr id="1" name=""/>
+        <p:cNvGrpSpPr/>
+        <p:nvPr/>
+      </p:nvGrpSpPr>
+      <p:grpSpPr>
+        <a:xfrm>
+          <a:off x="0" y="0"/>
+          <a:ext cx="0" cy="0"/>
+          <a:chOff x="0" y="0"/>
+          <a:chExt cx="0" cy="0"/>
+        </a:xfrm>
+      </p:grpSpPr>
+      <p:sp>
+        <p:nvSpPr>
+          <p:cNvPr id="2" name="Title 1"/>
+          <p:cNvSpPr>
+            <a:spLocks noGrp="1"/>
+          </p:cNvSpPr>
+          <p:nvPr>
+            <p:ph type="title"/>
+          </p:nvPr>
+        </p:nvSpPr>
+        <p:spPr/>
+        <p:txBody>
+          <a:bodyPr/>
+          <a:lstStyle/>
+          <a:p>
+            <a:r>
+              <a:rPr lang="pt-BR" dirty="0"/>
+              <a:t>Ambiente</a:t>
+            </a:r>
+            <a:r>
+              <a:rPr lang="en-US" dirty="0"/>
+              <a:t> </a:t>
+            </a:r>
+            <a:r>
+              <a:rPr lang="en-US" dirty="0"/>
+              <a:t>de teste</a:t>
+            </a:r>
+            <a:endParaRPr lang="en-US" dirty="0"/>
+          </a:p>
+        </p:txBody>
+      </p:sp>
+      <p:sp>
+        <p:nvSpPr>
+          <p:cNvPr id="3" name="Content Placeholder 2"/>
+          <p:cNvSpPr>
+            <a:spLocks noGrp="1"/>
+          </p:cNvSpPr>
+          <p:nvPr>
+            <p:ph idx="1"/>
+          </p:nvPr>
+        </p:nvSpPr>
+        <p:spPr/>
+        <p:txBody>
+          <a:bodyPr/>
+          <a:lstStyle/>
+          <a:p>
+            <a:pPr marL="0" indent="0">
+              <a:buNone/>
+            </a:pPr>
+            <a:r>
+              <a:rPr lang="pt-BR" dirty="0"/>
+              <a:t>É toda a </a:t>
+            </a:r>
+            <a:r>
+              <a:rPr lang="pt-BR" dirty="0" smtClean="0"/>
+              <a:t>infraestrutura </a:t>
+            </a:r>
+            <a:r>
+              <a:rPr lang="pt-BR" dirty="0"/>
+              <a:t>onde o teste será executado, compreendendo</a:t>
+            </a:r>
+          </a:p>
+          <a:p>
+            <a:pPr marL="0" indent="0">
+              <a:buNone/>
+            </a:pPr>
+            <a:r>
+              <a:rPr lang="pt-BR" dirty="0"/>
+              <a:t>configurações de hardware, software, ferramentas de automação,</a:t>
+            </a:r>
+          </a:p>
+          <a:p>
+            <a:pPr marL="0" indent="0">
+              <a:buNone/>
+            </a:pPr>
+            <a:r>
+              <a:rPr lang="pt-BR" dirty="0"/>
+              <a:t>equipe envolvida, aspectos organizacionais, suprimentos, rede e</a:t>
+            </a:r>
+          </a:p>
+          <a:p>
+            <a:pPr marL="0" indent="0">
+              <a:buNone/>
+            </a:pPr>
+            <a:r>
+              <a:rPr lang="pt-BR" dirty="0"/>
+              <a:t>documentação, e tem como finalidade propiciar a realização de testes</a:t>
+            </a:r>
+          </a:p>
+          <a:p>
+            <a:pPr marL="0" indent="0">
+              <a:buNone/>
+            </a:pPr>
+            <a:r>
+              <a:rPr lang="pt-BR" dirty="0"/>
+              <a:t>em condições conhecidas e controladas.</a:t>
+            </a:r>
+            <a:endParaRPr lang="en-US" dirty="0"/>
+          </a:p>
+        </p:txBody>
+      </p:sp>
+    </p:spTree>
+    <p:extLst>
+      <p:ext uri="{BB962C8B-B14F-4D97-AF65-F5344CB8AC3E}">
+        <p14:creationId xmlns:p14="http://schemas.microsoft.com/office/powerpoint/2010/main" val="3491400036"/>
+      </p:ext>
+    </p:extLst>
+  </p:cSld>
+  <p:clrMapOvr>
+    <a:masterClrMapping/>
+  </p:clrMapOvr>
+</p:sld>
+</file>
+
+<file path=ppt/slides/slide30.xml><?xml version="1.0" encoding="utf-8"?>
+<p:sld xmlns:a="http://schemas.openxmlformats.org/drawingml/2006/main" xmlns:r="http://schemas.openxmlformats.org/officeDocument/2006/relationships" xmlns:p="http://schemas.openxmlformats.org/presentationml/2006/main">
+  <p:cSld>
+    <p:spTree>
+      <p:nvGrpSpPr>
+        <p:cNvPr id="1" name=""/>
+        <p:cNvGrpSpPr/>
+        <p:nvPr/>
+      </p:nvGrpSpPr>
+      <p:grpSpPr>
+        <a:xfrm>
+          <a:off x="0" y="0"/>
+          <a:ext cx="0" cy="0"/>
+          <a:chOff x="0" y="0"/>
+          <a:chExt cx="0" cy="0"/>
+        </a:xfrm>
+      </p:grpSpPr>
+      <p:sp>
+        <p:nvSpPr>
+          <p:cNvPr id="2" name="Title 1"/>
+          <p:cNvSpPr>
+            <a:spLocks noGrp="1"/>
+          </p:cNvSpPr>
+          <p:nvPr>
+            <p:ph type="title"/>
+          </p:nvPr>
+        </p:nvSpPr>
+        <p:spPr/>
+        <p:txBody>
+          <a:bodyPr/>
+          <a:lstStyle/>
+          <a:p>
+            <a:r>
+              <a:rPr lang="pt-BR" dirty="0"/>
+              <a:t>Riscos do processo - Exemplos</a:t>
+            </a:r>
+          </a:p>
+        </p:txBody>
+      </p:sp>
+      <p:sp>
+        <p:nvSpPr>
+          <p:cNvPr id="3" name="Content Placeholder 2"/>
+          <p:cNvSpPr>
+            <a:spLocks noGrp="1"/>
+          </p:cNvSpPr>
+          <p:nvPr>
+            <p:ph idx="1"/>
+          </p:nvPr>
+        </p:nvSpPr>
+        <p:spPr/>
+        <p:txBody>
+          <a:bodyPr/>
+          <a:lstStyle/>
+          <a:p>
+            <a:r>
+              <a:rPr lang="pt-BR" dirty="0" smtClean="0"/>
+              <a:t>Falta </a:t>
+            </a:r>
+            <a:r>
+              <a:rPr lang="pt-BR" dirty="0"/>
+              <a:t>de gerência dos testes</a:t>
+            </a:r>
+          </a:p>
+          <a:p>
+            <a:r>
+              <a:rPr lang="pt-BR" dirty="0"/>
+              <a:t> Falta de um processo de testes definido</a:t>
+            </a:r>
+          </a:p>
+          <a:p>
+            <a:r>
+              <a:rPr lang="pt-BR" dirty="0"/>
+              <a:t> Falta de apoio da gerência para com a atividade de testes</a:t>
+            </a:r>
+          </a:p>
+          <a:p>
+            <a:r>
+              <a:rPr lang="pt-BR" dirty="0"/>
+              <a:t> Falta de treinamento da equipe de testes</a:t>
+            </a:r>
+          </a:p>
+          <a:p>
+            <a:r>
+              <a:rPr lang="pt-BR" dirty="0"/>
+              <a:t> Ambiente de testes inadequado</a:t>
+            </a:r>
+            <a:endParaRPr lang="pt-BR" dirty="0"/>
+          </a:p>
+        </p:txBody>
+      </p:sp>
+    </p:spTree>
+    <p:extLst>
+      <p:ext uri="{BB962C8B-B14F-4D97-AF65-F5344CB8AC3E}">
+        <p14:creationId xmlns:p14="http://schemas.microsoft.com/office/powerpoint/2010/main" val="3057003441"/>
+      </p:ext>
+    </p:extLst>
+  </p:cSld>
+  <p:clrMapOvr>
+    <a:masterClrMapping/>
+  </p:clrMapOvr>
+</p:sld>
+</file>
+
+<file path=ppt/slides/slide31.xml><?xml version="1.0" encoding="utf-8"?>
+<p:sld xmlns:a="http://schemas.openxmlformats.org/drawingml/2006/main" xmlns:r="http://schemas.openxmlformats.org/officeDocument/2006/relationships" xmlns:p="http://schemas.openxmlformats.org/presentationml/2006/main">
+  <p:cSld>
+    <p:spTree>
+      <p:nvGrpSpPr>
+        <p:cNvPr id="1" name=""/>
+        <p:cNvGrpSpPr/>
+        <p:nvPr/>
+      </p:nvGrpSpPr>
+      <p:grpSpPr>
+        <a:xfrm>
+          <a:off x="0" y="0"/>
+          <a:ext cx="0" cy="0"/>
+          <a:chOff x="0" y="0"/>
+          <a:chExt cx="0" cy="0"/>
+        </a:xfrm>
+      </p:grpSpPr>
+      <p:sp>
+        <p:nvSpPr>
+          <p:cNvPr id="2" name="Title 1"/>
+          <p:cNvSpPr>
+            <a:spLocks noGrp="1"/>
+          </p:cNvSpPr>
+          <p:nvPr>
+            <p:ph type="title"/>
+          </p:nvPr>
+        </p:nvSpPr>
+        <p:spPr/>
+        <p:txBody>
+          <a:bodyPr/>
+          <a:lstStyle/>
+          <a:p>
+            <a:r>
+              <a:rPr lang="pt-BR" dirty="0"/>
+              <a:t>Gerenciamento de riscos</a:t>
+            </a:r>
+          </a:p>
+        </p:txBody>
+      </p:sp>
+      <p:sp>
+        <p:nvSpPr>
+          <p:cNvPr id="3" name="Content Placeholder 2"/>
+          <p:cNvSpPr>
+            <a:spLocks noGrp="1"/>
+          </p:cNvSpPr>
+          <p:nvPr>
+            <p:ph idx="1"/>
+          </p:nvPr>
+        </p:nvSpPr>
+        <p:spPr/>
+        <p:txBody>
+          <a:bodyPr>
+            <a:normAutofit/>
+          </a:bodyPr>
+          <a:lstStyle/>
+          <a:p>
+            <a:pPr marL="0" indent="0">
+              <a:buNone/>
+            </a:pPr>
+            <a:r>
+              <a:rPr lang="pt-BR" dirty="0" smtClean="0"/>
+              <a:t>Para </a:t>
+            </a:r>
+            <a:r>
+              <a:rPr lang="pt-BR" dirty="0"/>
+              <a:t>Gerentes de Projeto, o Gerenciamento de Riscos é uma disciplina </a:t>
+            </a:r>
+            <a:r>
+              <a:rPr lang="pt-BR" dirty="0" smtClean="0"/>
+              <a:t>que busca</a:t>
+            </a:r>
+            <a:r>
+              <a:rPr lang="pt-BR" dirty="0"/>
+              <a:t>, pró-ativamente, minimizar os efeitos de eventos futuros que </a:t>
+            </a:r>
+            <a:r>
+              <a:rPr lang="pt-BR" dirty="0" smtClean="0"/>
+              <a:t>possam causar </a:t>
+            </a:r>
+            <a:r>
+              <a:rPr lang="pt-BR" dirty="0"/>
+              <a:t>perdas para o projeto, ou maximizar os efeitos de eventos futuros </a:t>
+            </a:r>
+            <a:r>
+              <a:rPr lang="pt-BR" dirty="0" smtClean="0"/>
+              <a:t>que possam </a:t>
+            </a:r>
+            <a:r>
+              <a:rPr lang="pt-BR" dirty="0"/>
+              <a:t>gerar ganhos para o projeto.</a:t>
+            </a:r>
+          </a:p>
+          <a:p>
+            <a:pPr marL="0" indent="0">
+              <a:buNone/>
+            </a:pPr>
+            <a:r>
+              <a:rPr lang="pt-BR" dirty="0"/>
+              <a:t>É o processo de identificação, avaliação, priorização, desenvolvimento </a:t>
+            </a:r>
+            <a:r>
+              <a:rPr lang="pt-BR" dirty="0" smtClean="0"/>
+              <a:t>de estratégias </a:t>
+            </a:r>
+            <a:r>
+              <a:rPr lang="pt-BR" dirty="0"/>
+              <a:t>de tratamento e acompanhamento dos riscos.</a:t>
+            </a:r>
+            <a:endParaRPr lang="pt-BR" dirty="0"/>
+          </a:p>
+        </p:txBody>
+      </p:sp>
+    </p:spTree>
+    <p:extLst>
+      <p:ext uri="{BB962C8B-B14F-4D97-AF65-F5344CB8AC3E}">
+        <p14:creationId xmlns:p14="http://schemas.microsoft.com/office/powerpoint/2010/main" val="1343474052"/>
+      </p:ext>
+    </p:extLst>
+  </p:cSld>
+  <p:clrMapOvr>
+    <a:masterClrMapping/>
+  </p:clrMapOvr>
+</p:sld>
+</file>
+
+<file path=ppt/slides/slide32.xml><?xml version="1.0" encoding="utf-8"?>
+<p:sld xmlns:a="http://schemas.openxmlformats.org/drawingml/2006/main" xmlns:r="http://schemas.openxmlformats.org/officeDocument/2006/relationships" xmlns:p="http://schemas.openxmlformats.org/presentationml/2006/main">
+  <p:cSld>
+    <p:spTree>
+      <p:nvGrpSpPr>
+        <p:cNvPr id="1" name=""/>
+        <p:cNvGrpSpPr/>
+        <p:nvPr/>
+      </p:nvGrpSpPr>
+      <p:grpSpPr>
+        <a:xfrm>
+          <a:off x="0" y="0"/>
+          <a:ext cx="0" cy="0"/>
+          <a:chOff x="0" y="0"/>
+          <a:chExt cx="0" cy="0"/>
+        </a:xfrm>
+      </p:grpSpPr>
+      <p:sp>
+        <p:nvSpPr>
+          <p:cNvPr id="4" name="Title 3"/>
+          <p:cNvSpPr>
+            <a:spLocks noGrp="1"/>
+          </p:cNvSpPr>
+          <p:nvPr>
+            <p:ph type="ctrTitle"/>
+          </p:nvPr>
+        </p:nvSpPr>
+        <p:spPr/>
+        <p:txBody>
+          <a:bodyPr/>
+          <a:lstStyle/>
+          <a:p>
+            <a:r>
+              <a:rPr lang="pt-BR" dirty="0"/>
+              <a:t>4</a:t>
+            </a:r>
+            <a:r>
+              <a:rPr lang="pt-BR" dirty="0"/>
+              <a:t>.1 </a:t>
+            </a:r>
+            <a:r>
+              <a:rPr lang="pt-BR" dirty="0"/>
+              <a:t>Gerenciando riscos</a:t>
+            </a:r>
+            <a:endParaRPr lang="pt-BR" dirty="0"/>
+          </a:p>
+        </p:txBody>
+      </p:sp>
+      <p:sp>
+        <p:nvSpPr>
+          <p:cNvPr id="5" name="Subtitle 4"/>
+          <p:cNvSpPr>
+            <a:spLocks noGrp="1"/>
+          </p:cNvSpPr>
+          <p:nvPr>
+            <p:ph type="subTitle" idx="1"/>
+          </p:nvPr>
+        </p:nvSpPr>
+        <p:spPr/>
+        <p:txBody>
+          <a:bodyPr/>
+          <a:lstStyle/>
+          <a:p>
+            <a:endParaRPr lang="pt-BR" dirty="0"/>
+          </a:p>
+        </p:txBody>
+      </p:sp>
+    </p:spTree>
+    <p:extLst>
+      <p:ext uri="{BB962C8B-B14F-4D97-AF65-F5344CB8AC3E}">
+        <p14:creationId xmlns:p14="http://schemas.microsoft.com/office/powerpoint/2010/main" val="841714788"/>
+      </p:ext>
+    </p:extLst>
+  </p:cSld>
+  <p:clrMapOvr>
+    <a:masterClrMapping/>
+  </p:clrMapOvr>
+</p:sld>
+</file>
+
+<file path=ppt/slides/slide33.xml><?xml version="1.0" encoding="utf-8"?>
+<p:sld xmlns:a="http://schemas.openxmlformats.org/drawingml/2006/main" xmlns:r="http://schemas.openxmlformats.org/officeDocument/2006/relationships" xmlns:p="http://schemas.openxmlformats.org/presentationml/2006/main">
+  <p:cSld>
+    <p:spTree>
+      <p:nvGrpSpPr>
+        <p:cNvPr id="1" name=""/>
+        <p:cNvGrpSpPr/>
+        <p:nvPr/>
+      </p:nvGrpSpPr>
+      <p:grpSpPr>
+        <a:xfrm>
+          <a:off x="0" y="0"/>
+          <a:ext cx="0" cy="0"/>
+          <a:chOff x="0" y="0"/>
+          <a:chExt cx="0" cy="0"/>
+        </a:xfrm>
+      </p:grpSpPr>
+      <p:sp>
+        <p:nvSpPr>
+          <p:cNvPr id="2" name="Title 1"/>
+          <p:cNvSpPr>
+            <a:spLocks noGrp="1"/>
+          </p:cNvSpPr>
+          <p:nvPr>
+            <p:ph type="title"/>
+          </p:nvPr>
+        </p:nvSpPr>
+        <p:spPr/>
+        <p:txBody>
+          <a:bodyPr/>
+          <a:lstStyle/>
+          <a:p>
+            <a:r>
+              <a:rPr lang="pt-BR" dirty="0"/>
+              <a:t>Gerência de riscos</a:t>
+            </a:r>
+            <a:endParaRPr lang="pt-BR" dirty="0"/>
+          </a:p>
+        </p:txBody>
+      </p:sp>
+      <p:pic>
+        <p:nvPicPr>
+          <p:cNvPr id="5" name="Content Placeholder 4"/>
+          <p:cNvPicPr>
+            <a:picLocks noGrp="1" noChangeAspect="1"/>
+          </p:cNvPicPr>
+          <p:nvPr>
+            <p:ph idx="1"/>
+          </p:nvPr>
+        </p:nvPicPr>
+        <p:blipFill>
+          <a:blip r:embed="rId2">
+            <a:extLst>
+              <a:ext uri="{28A0092B-C50C-407E-A947-70E740481C1C}">
+                <a14:useLocalDpi xmlns:a14="http://schemas.microsoft.com/office/drawing/2010/main" val="0"/>
+              </a:ext>
+            </a:extLst>
+          </a:blip>
+          <a:stretch>
+            <a:fillRect/>
+          </a:stretch>
+        </p:blipFill>
+        <p:spPr>
+          <a:xfrm>
+            <a:off x="838200" y="1690688"/>
+            <a:ext cx="10515600" cy="4885603"/>
+          </a:xfrm>
+        </p:spPr>
+      </p:pic>
+    </p:spTree>
+    <p:extLst>
+      <p:ext uri="{BB962C8B-B14F-4D97-AF65-F5344CB8AC3E}">
+        <p14:creationId xmlns:p14="http://schemas.microsoft.com/office/powerpoint/2010/main" val="861640252"/>
+      </p:ext>
+    </p:extLst>
+  </p:cSld>
+  <p:clrMapOvr>
+    <a:masterClrMapping/>
+  </p:clrMapOvr>
+</p:sld>
+</file>
+
+<file path=ppt/slides/slide34.xml><?xml version="1.0" encoding="utf-8"?>
+<p:sld xmlns:a="http://schemas.openxmlformats.org/drawingml/2006/main" xmlns:r="http://schemas.openxmlformats.org/officeDocument/2006/relationships" xmlns:p="http://schemas.openxmlformats.org/presentationml/2006/main">
+  <p:cSld>
+    <p:spTree>
+      <p:nvGrpSpPr>
+        <p:cNvPr id="1" name=""/>
+        <p:cNvGrpSpPr/>
+        <p:nvPr/>
+      </p:nvGrpSpPr>
+      <p:grpSpPr>
+        <a:xfrm>
+          <a:off x="0" y="0"/>
+          <a:ext cx="0" cy="0"/>
+          <a:chOff x="0" y="0"/>
+          <a:chExt cx="0" cy="0"/>
+        </a:xfrm>
+      </p:grpSpPr>
+      <p:sp>
+        <p:nvSpPr>
+          <p:cNvPr id="2" name="Title 1"/>
+          <p:cNvSpPr>
+            <a:spLocks noGrp="1"/>
+          </p:cNvSpPr>
+          <p:nvPr>
+            <p:ph type="title"/>
+          </p:nvPr>
+        </p:nvSpPr>
+        <p:spPr/>
+        <p:txBody>
+          <a:bodyPr/>
+          <a:lstStyle/>
+          <a:p>
+            <a:r>
+              <a:rPr lang="pt-BR" dirty="0"/>
+              <a:t>Gerência de riscos</a:t>
+            </a:r>
+          </a:p>
+        </p:txBody>
+      </p:sp>
+      <p:sp>
+        <p:nvSpPr>
+          <p:cNvPr id="3" name="Content Placeholder 2"/>
+          <p:cNvSpPr>
+            <a:spLocks noGrp="1"/>
+          </p:cNvSpPr>
+          <p:nvPr>
+            <p:ph idx="1"/>
+          </p:nvPr>
+        </p:nvSpPr>
+        <p:spPr/>
+        <p:txBody>
+          <a:bodyPr>
+            <a:normAutofit/>
+          </a:bodyPr>
+          <a:lstStyle/>
+          <a:p>
+            <a:pPr marL="0" indent="0">
+              <a:buNone/>
+            </a:pPr>
+            <a:r>
+              <a:rPr lang="pt-BR" dirty="0"/>
+              <a:t>Pontos importantes sobre a gerência de riscos:</a:t>
+            </a:r>
+          </a:p>
+          <a:p>
+            <a:endParaRPr lang="pt-BR" dirty="0" smtClean="0"/>
+          </a:p>
+          <a:p>
+            <a:r>
+              <a:rPr lang="pt-BR" dirty="0" smtClean="0"/>
+              <a:t>Fornece </a:t>
+            </a:r>
+            <a:r>
+              <a:rPr lang="pt-BR" dirty="0"/>
+              <a:t>visibilidade acerca das incertezas inerentes a um projeto de teste </a:t>
+            </a:r>
+            <a:r>
+              <a:rPr lang="pt-BR" dirty="0" smtClean="0"/>
+              <a:t>de software</a:t>
+            </a:r>
+            <a:endParaRPr lang="pt-BR" dirty="0"/>
+          </a:p>
+          <a:p>
+            <a:r>
+              <a:rPr lang="pt-BR" dirty="0"/>
+              <a:t> Diminui a tendência de otimismo extremo, de não querer enxergar os </a:t>
+            </a:r>
+            <a:r>
+              <a:rPr lang="pt-BR" dirty="0" smtClean="0"/>
+              <a:t>riscos ou </a:t>
+            </a:r>
+            <a:r>
+              <a:rPr lang="pt-BR" dirty="0"/>
+              <a:t>simplesmente desejar (ou rezar!) para que eles não se materializem</a:t>
+            </a:r>
+          </a:p>
+          <a:p>
+            <a:r>
+              <a:rPr lang="pt-BR" dirty="0"/>
+              <a:t> Gera proteção contra as principais incertezas</a:t>
+            </a:r>
+          </a:p>
+          <a:p>
+            <a:r>
+              <a:rPr lang="pt-BR" dirty="0"/>
+              <a:t> Toda gestão de projeto é gerenciamento de </a:t>
+            </a:r>
+            <a:r>
+              <a:rPr lang="pt-BR" dirty="0" smtClean="0"/>
+              <a:t>riscos</a:t>
+            </a:r>
+            <a:endParaRPr lang="pt-BR" dirty="0"/>
+          </a:p>
+        </p:txBody>
+      </p:sp>
+    </p:spTree>
+    <p:extLst>
+      <p:ext uri="{BB962C8B-B14F-4D97-AF65-F5344CB8AC3E}">
+        <p14:creationId xmlns:p14="http://schemas.microsoft.com/office/powerpoint/2010/main" val="2781291244"/>
+      </p:ext>
+    </p:extLst>
+  </p:cSld>
+  <p:clrMapOvr>
+    <a:masterClrMapping/>
+  </p:clrMapOvr>
+</p:sld>
+</file>
+
+<file path=ppt/slides/slide35.xml><?xml version="1.0" encoding="utf-8"?>
+<p:sld xmlns:a="http://schemas.openxmlformats.org/drawingml/2006/main" xmlns:r="http://schemas.openxmlformats.org/officeDocument/2006/relationships" xmlns:p="http://schemas.openxmlformats.org/presentationml/2006/main">
+  <p:cSld>
+    <p:spTree>
+      <p:nvGrpSpPr>
+        <p:cNvPr id="1" name=""/>
+        <p:cNvGrpSpPr/>
+        <p:nvPr/>
+      </p:nvGrpSpPr>
+      <p:grpSpPr>
+        <a:xfrm>
+          <a:off x="0" y="0"/>
+          <a:ext cx="0" cy="0"/>
+          <a:chOff x="0" y="0"/>
+          <a:chExt cx="0" cy="0"/>
+        </a:xfrm>
+      </p:grpSpPr>
+      <p:sp>
+        <p:nvSpPr>
+          <p:cNvPr id="2" name="Title 1"/>
+          <p:cNvSpPr>
+            <a:spLocks noGrp="1"/>
+          </p:cNvSpPr>
+          <p:nvPr>
+            <p:ph type="title"/>
+          </p:nvPr>
+        </p:nvSpPr>
+        <p:spPr/>
+        <p:txBody>
+          <a:bodyPr/>
+          <a:lstStyle/>
+          <a:p>
+            <a:r>
+              <a:rPr lang="pt-BR" dirty="0"/>
+              <a:t>Gerenciando Riscos</a:t>
+            </a:r>
+            <a:endParaRPr lang="pt-BR" dirty="0"/>
+          </a:p>
+        </p:txBody>
+      </p:sp>
+      <p:pic>
+        <p:nvPicPr>
+          <p:cNvPr id="4" name="Content Placeholder 3"/>
+          <p:cNvPicPr>
+            <a:picLocks noGrp="1" noChangeAspect="1"/>
+          </p:cNvPicPr>
+          <p:nvPr>
+            <p:ph idx="1"/>
+          </p:nvPr>
+        </p:nvPicPr>
+        <p:blipFill>
+          <a:blip r:embed="rId2">
+            <a:extLst>
+              <a:ext uri="{28A0092B-C50C-407E-A947-70E740481C1C}">
+                <a14:useLocalDpi xmlns:a14="http://schemas.microsoft.com/office/drawing/2010/main" val="0"/>
+              </a:ext>
+            </a:extLst>
+          </a:blip>
+          <a:stretch>
+            <a:fillRect/>
+          </a:stretch>
+        </p:blipFill>
+        <p:spPr>
+          <a:xfrm>
+            <a:off x="4493882" y="1690688"/>
+            <a:ext cx="3204236" cy="4950257"/>
+          </a:xfrm>
+        </p:spPr>
+      </p:pic>
+    </p:spTree>
+    <p:extLst>
+      <p:ext uri="{BB962C8B-B14F-4D97-AF65-F5344CB8AC3E}">
+        <p14:creationId xmlns:p14="http://schemas.microsoft.com/office/powerpoint/2010/main" val="2682603332"/>
+      </p:ext>
+    </p:extLst>
+  </p:cSld>
+  <p:clrMapOvr>
+    <a:masterClrMapping/>
+  </p:clrMapOvr>
+</p:sld>
+</file>
+
+<file path=ppt/slides/slide36.xml><?xml version="1.0" encoding="utf-8"?>
+<p:sld xmlns:a="http://schemas.openxmlformats.org/drawingml/2006/main" xmlns:r="http://schemas.openxmlformats.org/officeDocument/2006/relationships" xmlns:p="http://schemas.openxmlformats.org/presentationml/2006/main">
+  <p:cSld>
+    <p:spTree>
+      <p:nvGrpSpPr>
+        <p:cNvPr id="1" name=""/>
+        <p:cNvGrpSpPr/>
+        <p:nvPr/>
+      </p:nvGrpSpPr>
+      <p:grpSpPr>
+        <a:xfrm>
+          <a:off x="0" y="0"/>
+          <a:ext cx="0" cy="0"/>
+          <a:chOff x="0" y="0"/>
+          <a:chExt cx="0" cy="0"/>
+        </a:xfrm>
+      </p:grpSpPr>
+      <p:sp>
+        <p:nvSpPr>
+          <p:cNvPr id="2" name="Title 1"/>
+          <p:cNvSpPr>
+            <a:spLocks noGrp="1"/>
+          </p:cNvSpPr>
+          <p:nvPr>
+            <p:ph type="title"/>
+          </p:nvPr>
+        </p:nvSpPr>
+        <p:spPr/>
+        <p:txBody>
+          <a:bodyPr/>
+          <a:lstStyle/>
+          <a:p>
+            <a:r>
+              <a:rPr lang="pt-BR" dirty="0"/>
+              <a:t>Identificar os </a:t>
+            </a:r>
+            <a:r>
+              <a:rPr lang="pt-BR" dirty="0" smtClean="0"/>
+              <a:t>riscos</a:t>
+            </a:r>
+            <a:endParaRPr lang="pt-BR" dirty="0"/>
+          </a:p>
+        </p:txBody>
+      </p:sp>
+      <p:sp>
+        <p:nvSpPr>
+          <p:cNvPr id="3" name="Content Placeholder 2"/>
+          <p:cNvSpPr>
+            <a:spLocks noGrp="1"/>
+          </p:cNvSpPr>
+          <p:nvPr>
+            <p:ph idx="1"/>
+          </p:nvPr>
+        </p:nvSpPr>
+        <p:spPr/>
+        <p:txBody>
+          <a:bodyPr>
+            <a:normAutofit lnSpcReduction="10000"/>
+          </a:bodyPr>
+          <a:lstStyle/>
+          <a:p>
+            <a:pPr marL="0" indent="0">
+              <a:buNone/>
+            </a:pPr>
+            <a:r>
+              <a:rPr lang="pt-BR" dirty="0"/>
+              <a:t>Identificar os eventos de riscos no projeto e quais as suas </a:t>
+            </a:r>
+            <a:r>
+              <a:rPr lang="pt-BR" dirty="0" err="1"/>
+              <a:t>conseqüências</a:t>
+            </a:r>
+            <a:r>
+              <a:rPr lang="pt-BR" dirty="0" smtClean="0"/>
+              <a:t>.</a:t>
+            </a:r>
+          </a:p>
+          <a:p>
+            <a:pPr marL="0" indent="0">
+              <a:buNone/>
+            </a:pPr>
+            <a:endParaRPr lang="pt-BR" dirty="0"/>
+          </a:p>
+          <a:p>
+            <a:pPr marL="0" indent="0">
+              <a:buNone/>
+            </a:pPr>
+            <a:r>
+              <a:rPr lang="pt-BR" b="1" dirty="0"/>
+              <a:t>Boas práticas para identificação de riscos</a:t>
+            </a:r>
+            <a:r>
+              <a:rPr lang="pt-BR" dirty="0"/>
+              <a:t>:</a:t>
+            </a:r>
+          </a:p>
+          <a:p>
+            <a:pPr marL="0" indent="0">
+              <a:buNone/>
+            </a:pPr>
+            <a:endParaRPr lang="pt-BR" dirty="0"/>
+          </a:p>
+          <a:p>
+            <a:r>
+              <a:rPr lang="pt-BR" dirty="0" smtClean="0"/>
+              <a:t>Avaliar </a:t>
+            </a:r>
+            <a:r>
+              <a:rPr lang="pt-BR" dirty="0"/>
+              <a:t>problemas já enfrentados em outros projetos</a:t>
+            </a:r>
+          </a:p>
+          <a:p>
+            <a:r>
+              <a:rPr lang="pt-BR" dirty="0"/>
+              <a:t> Reuniões de </a:t>
+            </a:r>
+            <a:r>
+              <a:rPr lang="pt-BR" dirty="0" err="1"/>
+              <a:t>brainstorm</a:t>
+            </a:r>
+            <a:r>
+              <a:rPr lang="pt-BR" dirty="0"/>
+              <a:t> com envolvidos</a:t>
+            </a:r>
+          </a:p>
+          <a:p>
+            <a:r>
+              <a:rPr lang="pt-BR" dirty="0"/>
+              <a:t> Rever a documentação de software</a:t>
+            </a:r>
+          </a:p>
+          <a:p>
+            <a:r>
+              <a:rPr lang="pt-BR" dirty="0"/>
+              <a:t> Utilizar uma lista de verificação com riscos </a:t>
+            </a:r>
+            <a:r>
+              <a:rPr lang="pt-BR" dirty="0" smtClean="0"/>
+              <a:t>conhecidos</a:t>
+            </a:r>
+            <a:endParaRPr lang="pt-BR" dirty="0"/>
+          </a:p>
+        </p:txBody>
+      </p:sp>
+    </p:spTree>
+    <p:extLst>
+      <p:ext uri="{BB962C8B-B14F-4D97-AF65-F5344CB8AC3E}">
+        <p14:creationId xmlns:p14="http://schemas.microsoft.com/office/powerpoint/2010/main" val="2111000821"/>
+      </p:ext>
+    </p:extLst>
+  </p:cSld>
+  <p:clrMapOvr>
+    <a:masterClrMapping/>
+  </p:clrMapOvr>
+</p:sld>
+</file>
+
+<file path=ppt/slides/slide37.xml><?xml version="1.0" encoding="utf-8"?>
+<p:sld xmlns:a="http://schemas.openxmlformats.org/drawingml/2006/main" xmlns:r="http://schemas.openxmlformats.org/officeDocument/2006/relationships" xmlns:p="http://schemas.openxmlformats.org/presentationml/2006/main">
+  <p:cSld>
+    <p:spTree>
+      <p:nvGrpSpPr>
+        <p:cNvPr id="1" name=""/>
+        <p:cNvGrpSpPr/>
+        <p:nvPr/>
+      </p:nvGrpSpPr>
+      <p:grpSpPr>
+        <a:xfrm>
+          <a:off x="0" y="0"/>
+          <a:ext cx="0" cy="0"/>
+          <a:chOff x="0" y="0"/>
+          <a:chExt cx="0" cy="0"/>
+        </a:xfrm>
+      </p:grpSpPr>
+      <p:sp>
+        <p:nvSpPr>
+          <p:cNvPr id="2" name="Title 1"/>
+          <p:cNvSpPr>
+            <a:spLocks noGrp="1"/>
+          </p:cNvSpPr>
+          <p:nvPr>
+            <p:ph type="title"/>
+          </p:nvPr>
+        </p:nvSpPr>
+        <p:spPr/>
+        <p:txBody>
+          <a:bodyPr/>
+          <a:lstStyle/>
+          <a:p>
+            <a:r>
+              <a:rPr lang="pt-BR" dirty="0"/>
+              <a:t>Analisar os </a:t>
+            </a:r>
+            <a:r>
+              <a:rPr lang="pt-BR" dirty="0" smtClean="0"/>
+              <a:t>riscos</a:t>
+            </a:r>
+            <a:endParaRPr lang="pt-BR" dirty="0"/>
+          </a:p>
+        </p:txBody>
+      </p:sp>
+      <p:sp>
+        <p:nvSpPr>
+          <p:cNvPr id="3" name="Content Placeholder 2"/>
+          <p:cNvSpPr>
+            <a:spLocks noGrp="1"/>
+          </p:cNvSpPr>
+          <p:nvPr>
+            <p:ph idx="1"/>
+          </p:nvPr>
+        </p:nvSpPr>
+        <p:spPr/>
+        <p:txBody>
+          <a:bodyPr>
+            <a:normAutofit/>
+          </a:bodyPr>
+          <a:lstStyle/>
+          <a:p>
+            <a:r>
+              <a:rPr lang="pt-BR" sz="2000" dirty="0" smtClean="0"/>
+              <a:t>Uma </a:t>
+            </a:r>
+            <a:r>
+              <a:rPr lang="pt-BR" sz="2000" dirty="0"/>
+              <a:t>vez identificados os riscos, precisamos analisá-los a fim de encontrar o </a:t>
+            </a:r>
+            <a:r>
+              <a:rPr lang="pt-BR" sz="2000" dirty="0" smtClean="0"/>
+              <a:t>que os </a:t>
+            </a:r>
+            <a:r>
+              <a:rPr lang="pt-BR" sz="2000" dirty="0"/>
+              <a:t>causam, e detalhar o seu impacto e a probabilidade da sua ocorrência.</a:t>
+            </a:r>
+          </a:p>
+          <a:p>
+            <a:r>
+              <a:rPr lang="pt-BR" sz="2000" dirty="0"/>
+              <a:t>Cada risco deve ser analisado sob a perspectiva do seu impacto e </a:t>
+            </a:r>
+            <a:r>
+              <a:rPr lang="pt-BR" sz="2000" dirty="0" smtClean="0"/>
+              <a:t>probabilidade de ocorrência.</a:t>
+            </a:r>
+            <a:endParaRPr lang="pt-BR" sz="2000" dirty="0"/>
+          </a:p>
+        </p:txBody>
+      </p:sp>
+      <p:pic>
+        <p:nvPicPr>
+          <p:cNvPr id="4" name="Picture 3"/>
+          <p:cNvPicPr>
+            <a:picLocks noChangeAspect="1"/>
+          </p:cNvPicPr>
+          <p:nvPr/>
+        </p:nvPicPr>
+        <p:blipFill>
+          <a:blip r:embed="rId2">
+            <a:extLst>
+              <a:ext uri="{28A0092B-C50C-407E-A947-70E740481C1C}">
+                <a14:useLocalDpi xmlns:a14="http://schemas.microsoft.com/office/drawing/2010/main" val="0"/>
+              </a:ext>
+            </a:extLst>
+          </a:blip>
+          <a:stretch>
+            <a:fillRect/>
+          </a:stretch>
+        </p:blipFill>
+        <p:spPr>
+          <a:xfrm>
+            <a:off x="838200" y="2937163"/>
+            <a:ext cx="10515599" cy="3685309"/>
+          </a:xfrm>
+          <a:prstGeom prst="rect">
+            <a:avLst/>
+          </a:prstGeom>
+        </p:spPr>
+      </p:pic>
+    </p:spTree>
+    <p:extLst>
+      <p:ext uri="{BB962C8B-B14F-4D97-AF65-F5344CB8AC3E}">
+        <p14:creationId xmlns:p14="http://schemas.microsoft.com/office/powerpoint/2010/main" val="3462290002"/>
+      </p:ext>
+    </p:extLst>
+  </p:cSld>
+  <p:clrMapOvr>
+    <a:masterClrMapping/>
+  </p:clrMapOvr>
+</p:sld>
+</file>
+
+<file path=ppt/slides/slide38.xml><?xml version="1.0" encoding="utf-8"?>
+<p:sld xmlns:a="http://schemas.openxmlformats.org/drawingml/2006/main" xmlns:r="http://schemas.openxmlformats.org/officeDocument/2006/relationships" xmlns:p="http://schemas.openxmlformats.org/presentationml/2006/main">
+  <p:cSld>
+    <p:spTree>
+      <p:nvGrpSpPr>
+        <p:cNvPr id="1" name=""/>
+        <p:cNvGrpSpPr/>
+        <p:nvPr/>
+      </p:nvGrpSpPr>
+      <p:grpSpPr>
+        <a:xfrm>
+          <a:off x="0" y="0"/>
+          <a:ext cx="0" cy="0"/>
+          <a:chOff x="0" y="0"/>
+          <a:chExt cx="0" cy="0"/>
+        </a:xfrm>
+      </p:grpSpPr>
+      <p:sp>
+        <p:nvSpPr>
+          <p:cNvPr id="2" name="Title 1"/>
+          <p:cNvSpPr>
+            <a:spLocks noGrp="1"/>
+          </p:cNvSpPr>
+          <p:nvPr>
+            <p:ph type="title"/>
+          </p:nvPr>
+        </p:nvSpPr>
+        <p:spPr/>
+        <p:txBody>
+          <a:bodyPr/>
+          <a:lstStyle/>
+          <a:p>
+            <a:r>
+              <a:rPr lang="pt-BR" dirty="0"/>
+              <a:t>Analisar os riscos</a:t>
+            </a:r>
+            <a:endParaRPr lang="pt-BR" dirty="0"/>
+          </a:p>
+        </p:txBody>
+      </p:sp>
+      <p:pic>
+        <p:nvPicPr>
+          <p:cNvPr id="4" name="Content Placeholder 3"/>
+          <p:cNvPicPr>
+            <a:picLocks noGrp="1" noChangeAspect="1"/>
+          </p:cNvPicPr>
+          <p:nvPr>
+            <p:ph idx="1"/>
+          </p:nvPr>
+        </p:nvPicPr>
+        <p:blipFill>
+          <a:blip r:embed="rId2">
+            <a:extLst>
+              <a:ext uri="{28A0092B-C50C-407E-A947-70E740481C1C}">
+                <a14:useLocalDpi xmlns:a14="http://schemas.microsoft.com/office/drawing/2010/main" val="0"/>
+              </a:ext>
+            </a:extLst>
+          </a:blip>
+          <a:stretch>
+            <a:fillRect/>
+          </a:stretch>
+        </p:blipFill>
+        <p:spPr>
+          <a:xfrm>
+            <a:off x="2477302" y="1869226"/>
+            <a:ext cx="7237395" cy="4383793"/>
+          </a:xfrm>
+        </p:spPr>
+      </p:pic>
+    </p:spTree>
+    <p:extLst>
+      <p:ext uri="{BB962C8B-B14F-4D97-AF65-F5344CB8AC3E}">
+        <p14:creationId xmlns:p14="http://schemas.microsoft.com/office/powerpoint/2010/main" val="2597699014"/>
+      </p:ext>
+    </p:extLst>
+  </p:cSld>
+  <p:clrMapOvr>
+    <a:masterClrMapping/>
+  </p:clrMapOvr>
+</p:sld>
+</file>
+
+<file path=ppt/slides/slide39.xml><?xml version="1.0" encoding="utf-8"?>
+<p:sld xmlns:a="http://schemas.openxmlformats.org/drawingml/2006/main" xmlns:r="http://schemas.openxmlformats.org/officeDocument/2006/relationships" xmlns:p="http://schemas.openxmlformats.org/presentationml/2006/main">
+  <p:cSld>
+    <p:spTree>
+      <p:nvGrpSpPr>
+        <p:cNvPr id="1" name=""/>
+        <p:cNvGrpSpPr/>
+        <p:nvPr/>
+      </p:nvGrpSpPr>
+      <p:grpSpPr>
+        <a:xfrm>
+          <a:off x="0" y="0"/>
+          <a:ext cx="0" cy="0"/>
+          <a:chOff x="0" y="0"/>
+          <a:chExt cx="0" cy="0"/>
+        </a:xfrm>
+      </p:grpSpPr>
+      <p:sp>
+        <p:nvSpPr>
+          <p:cNvPr id="2" name="Title 1"/>
+          <p:cNvSpPr>
+            <a:spLocks noGrp="1"/>
+          </p:cNvSpPr>
+          <p:nvPr>
+            <p:ph type="title"/>
+          </p:nvPr>
+        </p:nvSpPr>
+        <p:spPr/>
+        <p:txBody>
+          <a:bodyPr/>
+          <a:lstStyle/>
+          <a:p>
+            <a:r>
+              <a:rPr lang="pt-BR" dirty="0"/>
+              <a:t>Priorizar os riscos</a:t>
+            </a:r>
+          </a:p>
+        </p:txBody>
+      </p:sp>
+      <p:sp>
+        <p:nvSpPr>
+          <p:cNvPr id="3" name="Content Placeholder 2"/>
+          <p:cNvSpPr>
+            <a:spLocks noGrp="1"/>
+          </p:cNvSpPr>
+          <p:nvPr>
+            <p:ph idx="1"/>
+          </p:nvPr>
+        </p:nvSpPr>
+        <p:spPr/>
+        <p:txBody>
+          <a:bodyPr>
+            <a:normAutofit/>
+          </a:bodyPr>
+          <a:lstStyle/>
+          <a:p>
+            <a:r>
+              <a:rPr lang="pt-BR" sz="2000" dirty="0" smtClean="0"/>
+              <a:t>O </a:t>
+            </a:r>
+            <a:r>
+              <a:rPr lang="pt-BR" sz="2000" dirty="0"/>
+              <a:t>objetivo desta atividade é comparar os riscos e identificar quais são os </a:t>
+            </a:r>
+            <a:r>
+              <a:rPr lang="pt-BR" sz="2000" dirty="0" smtClean="0"/>
+              <a:t>mais importantes </a:t>
+            </a:r>
+            <a:r>
+              <a:rPr lang="pt-BR" sz="2000" dirty="0"/>
+              <a:t>e que </a:t>
+            </a:r>
+            <a:r>
+              <a:rPr lang="pt-BR" sz="2000" dirty="0" smtClean="0"/>
+              <a:t>consequentemente </a:t>
+            </a:r>
+            <a:r>
+              <a:rPr lang="pt-BR" sz="2000" dirty="0"/>
+              <a:t>merecem maior atenção.</a:t>
+            </a:r>
+          </a:p>
+          <a:p>
+            <a:r>
+              <a:rPr lang="pt-BR" sz="2000" dirty="0"/>
+              <a:t>A priorização é necessária porque normalmente os recursos do projeto </a:t>
+            </a:r>
+            <a:r>
+              <a:rPr lang="pt-BR" sz="2000" dirty="0" smtClean="0"/>
+              <a:t>são escassos</a:t>
+            </a:r>
+            <a:r>
+              <a:rPr lang="pt-BR" sz="2000" dirty="0"/>
+              <a:t>, e devemos concentrar esforços primeiro nos riscos mais importantes.</a:t>
+            </a:r>
+            <a:endParaRPr lang="pt-BR" sz="2000" dirty="0"/>
+          </a:p>
+        </p:txBody>
+      </p:sp>
+      <p:pic>
+        <p:nvPicPr>
+          <p:cNvPr id="4" name="Picture 3"/>
+          <p:cNvPicPr>
+            <a:picLocks noChangeAspect="1"/>
+          </p:cNvPicPr>
+          <p:nvPr/>
+        </p:nvPicPr>
+        <p:blipFill>
+          <a:blip r:embed="rId2">
+            <a:extLst>
+              <a:ext uri="{28A0092B-C50C-407E-A947-70E740481C1C}">
+                <a14:useLocalDpi xmlns:a14="http://schemas.microsoft.com/office/drawing/2010/main" val="0"/>
+              </a:ext>
+            </a:extLst>
+          </a:blip>
+          <a:stretch>
+            <a:fillRect/>
+          </a:stretch>
+        </p:blipFill>
+        <p:spPr>
+          <a:xfrm>
+            <a:off x="1431636" y="3097647"/>
+            <a:ext cx="9005455" cy="3214253"/>
+          </a:xfrm>
+          <a:prstGeom prst="rect">
+            <a:avLst/>
+          </a:prstGeom>
+        </p:spPr>
+      </p:pic>
+    </p:spTree>
+    <p:extLst>
+      <p:ext uri="{BB962C8B-B14F-4D97-AF65-F5344CB8AC3E}">
+        <p14:creationId xmlns:p14="http://schemas.microsoft.com/office/powerpoint/2010/main" val="2937558684"/>
+      </p:ext>
+    </p:extLst>
+  </p:cSld>
+  <p:clrMapOvr>
+    <a:masterClrMapping/>
+  </p:clrMapOvr>
+</p:sld>
+</file>
+
+<file path=ppt/slides/slide4.xml><?xml version="1.0" encoding="utf-8"?>
+<p:sld xmlns:a="http://schemas.openxmlformats.org/drawingml/2006/main" xmlns:r="http://schemas.openxmlformats.org/officeDocument/2006/relationships" xmlns:p="http://schemas.openxmlformats.org/presentationml/2006/main">
+  <p:cSld>
+    <p:spTree>
+      <p:nvGrpSpPr>
+        <p:cNvPr id="1" name=""/>
+        <p:cNvGrpSpPr/>
+        <p:nvPr/>
+      </p:nvGrpSpPr>
+      <p:grpSpPr>
+        <a:xfrm>
+          <a:off x="0" y="0"/>
+          <a:ext cx="0" cy="0"/>
+          <a:chOff x="0" y="0"/>
+          <a:chExt cx="0" cy="0"/>
+        </a:xfrm>
+      </p:grpSpPr>
+      <p:sp>
+        <p:nvSpPr>
+          <p:cNvPr id="2" name="Title 1"/>
+          <p:cNvSpPr>
+            <a:spLocks noGrp="1"/>
+          </p:cNvSpPr>
+          <p:nvPr>
+            <p:ph type="title"/>
+          </p:nvPr>
+        </p:nvSpPr>
+        <p:spPr/>
+        <p:txBody>
+          <a:bodyPr/>
+          <a:lstStyle/>
+          <a:p>
+            <a:r>
+              <a:rPr lang="pt-BR" dirty="0"/>
+              <a:t>Elementos do ambiente de testes</a:t>
+            </a:r>
+            <a:endParaRPr lang="en-US" dirty="0"/>
+          </a:p>
+        </p:txBody>
+      </p:sp>
+      <p:sp>
+        <p:nvSpPr>
+          <p:cNvPr id="3" name="Content Placeholder 2"/>
+          <p:cNvSpPr>
+            <a:spLocks noGrp="1"/>
+          </p:cNvSpPr>
+          <p:nvPr>
+            <p:ph idx="1"/>
+          </p:nvPr>
+        </p:nvSpPr>
+        <p:spPr/>
+        <p:txBody>
+          <a:bodyPr>
+            <a:normAutofit/>
+          </a:bodyPr>
+          <a:lstStyle/>
+          <a:p>
+            <a:r>
+              <a:rPr lang="pt-BR" sz="2400" dirty="0">
+                <a:latin typeface="Times New Roman" panose="02020603050405020304" pitchFamily="18" charset="0"/>
+                <a:cs typeface="Times New Roman" panose="02020603050405020304" pitchFamily="18" charset="0"/>
+              </a:rPr>
+              <a:t>Apresentamos a seguir os elementos do ambiente de testes que devem </a:t>
+            </a:r>
+            <a:r>
+              <a:rPr lang="pt-BR" sz="2400" dirty="0" smtClean="0">
+                <a:latin typeface="Times New Roman" panose="02020603050405020304" pitchFamily="18" charset="0"/>
+                <a:cs typeface="Times New Roman" panose="02020603050405020304" pitchFamily="18" charset="0"/>
+              </a:rPr>
+              <a:t>ser levados </a:t>
+            </a:r>
+            <a:r>
+              <a:rPr lang="pt-BR" sz="2400" dirty="0">
+                <a:latin typeface="Times New Roman" panose="02020603050405020304" pitchFamily="18" charset="0"/>
+                <a:cs typeface="Times New Roman" panose="02020603050405020304" pitchFamily="18" charset="0"/>
+              </a:rPr>
+              <a:t>em consideração para o planejamento do ambiente de testes.</a:t>
+            </a:r>
+            <a:endParaRPr lang="en-US" sz="2400" dirty="0">
+              <a:latin typeface="Times New Roman" panose="02020603050405020304" pitchFamily="18" charset="0"/>
+              <a:cs typeface="Times New Roman" panose="02020603050405020304" pitchFamily="18" charset="0"/>
+            </a:endParaRPr>
+          </a:p>
+        </p:txBody>
+      </p:sp>
+      <p:pic>
+        <p:nvPicPr>
+          <p:cNvPr id="4" name="Picture 3"/>
+          <p:cNvPicPr>
+            <a:picLocks noChangeAspect="1"/>
+          </p:cNvPicPr>
+          <p:nvPr/>
+        </p:nvPicPr>
+        <p:blipFill>
+          <a:blip r:embed="rId2">
+            <a:extLst>
+              <a:ext uri="{28A0092B-C50C-407E-A947-70E740481C1C}">
+                <a14:useLocalDpi xmlns:a14="http://schemas.microsoft.com/office/drawing/2010/main" val="0"/>
+              </a:ext>
+            </a:extLst>
+          </a:blip>
+          <a:stretch>
+            <a:fillRect/>
+          </a:stretch>
+        </p:blipFill>
+        <p:spPr>
+          <a:xfrm>
+            <a:off x="2059709" y="2503055"/>
+            <a:ext cx="7823200" cy="3673908"/>
+          </a:xfrm>
+          <a:prstGeom prst="rect">
+            <a:avLst/>
+          </a:prstGeom>
+        </p:spPr>
+      </p:pic>
+    </p:spTree>
+    <p:extLst>
+      <p:ext uri="{BB962C8B-B14F-4D97-AF65-F5344CB8AC3E}">
+        <p14:creationId xmlns:p14="http://schemas.microsoft.com/office/powerpoint/2010/main" val="2434683599"/>
+      </p:ext>
+    </p:extLst>
+  </p:cSld>
+  <p:clrMapOvr>
+    <a:masterClrMapping/>
+  </p:clrMapOvr>
+</p:sld>
+</file>
+
+<file path=ppt/slides/slide40.xml><?xml version="1.0" encoding="utf-8"?>
+<p:sld xmlns:a="http://schemas.openxmlformats.org/drawingml/2006/main" xmlns:r="http://schemas.openxmlformats.org/officeDocument/2006/relationships" xmlns:p="http://schemas.openxmlformats.org/presentationml/2006/main">
+  <p:cSld>
+    <p:spTree>
+      <p:nvGrpSpPr>
+        <p:cNvPr id="1" name=""/>
+        <p:cNvGrpSpPr/>
+        <p:nvPr/>
+      </p:nvGrpSpPr>
+      <p:grpSpPr>
+        <a:xfrm>
+          <a:off x="0" y="0"/>
+          <a:ext cx="0" cy="0"/>
+          <a:chOff x="0" y="0"/>
+          <a:chExt cx="0" cy="0"/>
+        </a:xfrm>
+      </p:grpSpPr>
+      <p:sp>
+        <p:nvSpPr>
+          <p:cNvPr id="2" name="Title 1"/>
+          <p:cNvSpPr>
+            <a:spLocks noGrp="1"/>
+          </p:cNvSpPr>
+          <p:nvPr>
+            <p:ph type="title"/>
+          </p:nvPr>
+        </p:nvSpPr>
+        <p:spPr/>
+        <p:txBody>
+          <a:bodyPr/>
+          <a:lstStyle/>
+          <a:p>
+            <a:r>
+              <a:rPr lang="pt-BR" dirty="0"/>
+              <a:t>Priorizar os riscos - Exemplo</a:t>
+            </a:r>
+          </a:p>
+        </p:txBody>
+      </p:sp>
+      <p:sp>
+        <p:nvSpPr>
+          <p:cNvPr id="3" name="Content Placeholder 2"/>
+          <p:cNvSpPr>
+            <a:spLocks noGrp="1"/>
+          </p:cNvSpPr>
+          <p:nvPr>
+            <p:ph idx="1"/>
+          </p:nvPr>
+        </p:nvSpPr>
+        <p:spPr/>
+        <p:txBody>
+          <a:bodyPr/>
+          <a:lstStyle/>
+          <a:p>
+            <a:r>
+              <a:rPr lang="pt-BR" dirty="0" smtClean="0"/>
+              <a:t>Acompanhe </a:t>
+            </a:r>
+            <a:r>
+              <a:rPr lang="pt-BR" dirty="0"/>
+              <a:t>abaixo uma matriz de riscos com sua priorização definida.</a:t>
+            </a:r>
+          </a:p>
+          <a:p>
+            <a:r>
+              <a:rPr lang="pt-BR" dirty="0"/>
+              <a:t>Cada risco deve ser analisado sob a perspectiva do seu impacto e </a:t>
+            </a:r>
+            <a:r>
+              <a:rPr lang="pt-BR" dirty="0" smtClean="0"/>
+              <a:t>probabilidade de </a:t>
+            </a:r>
+            <a:r>
+              <a:rPr lang="pt-BR" dirty="0"/>
+              <a:t>ocorrência.</a:t>
+            </a:r>
+            <a:endParaRPr lang="pt-BR" dirty="0"/>
+          </a:p>
+        </p:txBody>
+      </p:sp>
+      <p:pic>
+        <p:nvPicPr>
+          <p:cNvPr id="4" name="Picture 3"/>
+          <p:cNvPicPr>
+            <a:picLocks noChangeAspect="1"/>
+          </p:cNvPicPr>
+          <p:nvPr/>
+        </p:nvPicPr>
+        <p:blipFill>
+          <a:blip r:embed="rId2">
+            <a:extLst>
+              <a:ext uri="{28A0092B-C50C-407E-A947-70E740481C1C}">
+                <a14:useLocalDpi xmlns:a14="http://schemas.microsoft.com/office/drawing/2010/main" val="0"/>
+              </a:ext>
+            </a:extLst>
+          </a:blip>
+          <a:stretch>
+            <a:fillRect/>
+          </a:stretch>
+        </p:blipFill>
+        <p:spPr>
+          <a:xfrm>
+            <a:off x="1066800" y="3702050"/>
+            <a:ext cx="10058400" cy="2383135"/>
+          </a:xfrm>
+          <a:prstGeom prst="rect">
+            <a:avLst/>
+          </a:prstGeom>
+        </p:spPr>
+      </p:pic>
+    </p:spTree>
+    <p:extLst>
+      <p:ext uri="{BB962C8B-B14F-4D97-AF65-F5344CB8AC3E}">
+        <p14:creationId xmlns:p14="http://schemas.microsoft.com/office/powerpoint/2010/main" val="2235063786"/>
+      </p:ext>
+    </p:extLst>
+  </p:cSld>
+  <p:clrMapOvr>
+    <a:masterClrMapping/>
+  </p:clrMapOvr>
+</p:sld>
+</file>
+
+<file path=ppt/slides/slide41.xml><?xml version="1.0" encoding="utf-8"?>
+<p:sld xmlns:a="http://schemas.openxmlformats.org/drawingml/2006/main" xmlns:r="http://schemas.openxmlformats.org/officeDocument/2006/relationships" xmlns:p="http://schemas.openxmlformats.org/presentationml/2006/main">
+  <p:cSld>
+    <p:spTree>
+      <p:nvGrpSpPr>
+        <p:cNvPr id="1" name=""/>
+        <p:cNvGrpSpPr/>
+        <p:nvPr/>
+      </p:nvGrpSpPr>
+      <p:grpSpPr>
+        <a:xfrm>
+          <a:off x="0" y="0"/>
+          <a:ext cx="0" cy="0"/>
+          <a:chOff x="0" y="0"/>
+          <a:chExt cx="0" cy="0"/>
+        </a:xfrm>
+      </p:grpSpPr>
+      <p:sp>
+        <p:nvSpPr>
+          <p:cNvPr id="2" name="Title 1"/>
+          <p:cNvSpPr>
+            <a:spLocks noGrp="1"/>
+          </p:cNvSpPr>
+          <p:nvPr>
+            <p:ph type="title"/>
+          </p:nvPr>
+        </p:nvSpPr>
+        <p:spPr/>
+        <p:txBody>
+          <a:bodyPr/>
+          <a:lstStyle/>
+          <a:p>
+            <a:r>
+              <a:rPr lang="pt-BR" dirty="0"/>
+              <a:t>Planejar resolução dos riscos</a:t>
+            </a:r>
+          </a:p>
+        </p:txBody>
+      </p:sp>
+      <p:sp>
+        <p:nvSpPr>
+          <p:cNvPr id="5" name="Content Placeholder 4"/>
+          <p:cNvSpPr>
+            <a:spLocks noGrp="1"/>
+          </p:cNvSpPr>
+          <p:nvPr>
+            <p:ph idx="1"/>
+          </p:nvPr>
+        </p:nvSpPr>
+        <p:spPr/>
+        <p:txBody>
+          <a:bodyPr/>
+          <a:lstStyle/>
+          <a:p>
+            <a:pPr marL="0" indent="0">
+              <a:buNone/>
+            </a:pPr>
+            <a:r>
+              <a:rPr lang="pt-BR" dirty="0" smtClean="0"/>
+              <a:t>Uma </a:t>
+            </a:r>
+            <a:r>
+              <a:rPr lang="pt-BR" dirty="0"/>
+              <a:t>vez priorizados e selecionados os riscos que serão atacados, para cada </a:t>
+            </a:r>
+            <a:r>
+              <a:rPr lang="pt-BR" dirty="0" smtClean="0"/>
+              <a:t>um deles </a:t>
+            </a:r>
+            <a:r>
+              <a:rPr lang="pt-BR" dirty="0"/>
+              <a:t>deveremos preparar</a:t>
+            </a:r>
+            <a:r>
+              <a:rPr lang="pt-BR" dirty="0" smtClean="0"/>
+              <a:t>:</a:t>
+            </a:r>
+          </a:p>
+          <a:p>
+            <a:pPr marL="0" indent="0">
+              <a:buNone/>
+            </a:pPr>
+            <a:endParaRPr lang="pt-BR" dirty="0"/>
+          </a:p>
+          <a:p>
+            <a:pPr marL="0" indent="0">
+              <a:buNone/>
+            </a:pPr>
+            <a:endParaRPr lang="pt-BR" dirty="0"/>
+          </a:p>
+          <a:p>
+            <a:r>
+              <a:rPr lang="pt-BR" dirty="0"/>
+              <a:t> Um plano de mitigação</a:t>
+            </a:r>
+          </a:p>
+          <a:p>
+            <a:r>
+              <a:rPr lang="pt-BR" dirty="0"/>
+              <a:t> Um plano de contingência</a:t>
+            </a:r>
+            <a:endParaRPr lang="pt-BR" dirty="0"/>
+          </a:p>
+        </p:txBody>
+      </p:sp>
+    </p:spTree>
+    <p:extLst>
+      <p:ext uri="{BB962C8B-B14F-4D97-AF65-F5344CB8AC3E}">
+        <p14:creationId xmlns:p14="http://schemas.microsoft.com/office/powerpoint/2010/main" val="2591645846"/>
+      </p:ext>
+    </p:extLst>
+  </p:cSld>
+  <p:clrMapOvr>
+    <a:masterClrMapping/>
+  </p:clrMapOvr>
+</p:sld>
+</file>
+
+<file path=ppt/slides/slide42.xml><?xml version="1.0" encoding="utf-8"?>
+<p:sld xmlns:a="http://schemas.openxmlformats.org/drawingml/2006/main" xmlns:r="http://schemas.openxmlformats.org/officeDocument/2006/relationships" xmlns:p="http://schemas.openxmlformats.org/presentationml/2006/main">
+  <p:cSld>
+    <p:spTree>
+      <p:nvGrpSpPr>
+        <p:cNvPr id="1" name=""/>
+        <p:cNvGrpSpPr/>
+        <p:nvPr/>
+      </p:nvGrpSpPr>
+      <p:grpSpPr>
+        <a:xfrm>
+          <a:off x="0" y="0"/>
+          <a:ext cx="0" cy="0"/>
+          <a:chOff x="0" y="0"/>
+          <a:chExt cx="0" cy="0"/>
+        </a:xfrm>
+      </p:grpSpPr>
+      <p:sp>
+        <p:nvSpPr>
+          <p:cNvPr id="2" name="Title 1"/>
+          <p:cNvSpPr>
+            <a:spLocks noGrp="1"/>
+          </p:cNvSpPr>
+          <p:nvPr>
+            <p:ph type="title"/>
+          </p:nvPr>
+        </p:nvSpPr>
+        <p:spPr/>
+        <p:txBody>
+          <a:bodyPr/>
+          <a:lstStyle/>
+          <a:p>
+            <a:r>
+              <a:rPr lang="pt-BR" dirty="0"/>
+              <a:t>Plano de mitigação</a:t>
+            </a:r>
+          </a:p>
+        </p:txBody>
+      </p:sp>
+      <p:sp>
+        <p:nvSpPr>
+          <p:cNvPr id="3" name="Content Placeholder 2"/>
+          <p:cNvSpPr>
+            <a:spLocks noGrp="1"/>
+          </p:cNvSpPr>
+          <p:nvPr>
+            <p:ph idx="1"/>
+          </p:nvPr>
+        </p:nvSpPr>
+        <p:spPr/>
+        <p:txBody>
+          <a:bodyPr>
+            <a:normAutofit lnSpcReduction="10000"/>
+          </a:bodyPr>
+          <a:lstStyle/>
+          <a:p>
+            <a:pPr marL="0" indent="0">
+              <a:buNone/>
+            </a:pPr>
+            <a:r>
+              <a:rPr lang="pt-BR" dirty="0" smtClean="0"/>
+              <a:t>O </a:t>
+            </a:r>
+            <a:r>
+              <a:rPr lang="pt-BR" dirty="0"/>
+              <a:t>plano de mitigação pode ser considerado uma atividade </a:t>
+            </a:r>
+            <a:r>
+              <a:rPr lang="pt-BR" dirty="0" err="1"/>
+              <a:t>pró-ativa</a:t>
+            </a:r>
+            <a:r>
+              <a:rPr lang="pt-BR" dirty="0"/>
+              <a:t>, pois </a:t>
+            </a:r>
+            <a:r>
+              <a:rPr lang="pt-BR" dirty="0" smtClean="0"/>
+              <a:t>através dele </a:t>
+            </a:r>
+            <a:r>
+              <a:rPr lang="pt-BR" dirty="0"/>
+              <a:t>tentamos minimizar o impacto e a probabilidade de um risco acontecer</a:t>
+            </a:r>
+            <a:r>
+              <a:rPr lang="pt-BR" dirty="0" smtClean="0"/>
+              <a:t>.</a:t>
+            </a:r>
+          </a:p>
+          <a:p>
+            <a:endParaRPr lang="pt-BR" dirty="0"/>
+          </a:p>
+          <a:p>
+            <a:pPr marL="0" indent="0">
+              <a:buNone/>
+            </a:pPr>
+            <a:r>
+              <a:rPr lang="pt-BR" b="1" dirty="0"/>
+              <a:t>Características</a:t>
+            </a:r>
+            <a:r>
+              <a:rPr lang="pt-BR" dirty="0"/>
+              <a:t>:</a:t>
+            </a:r>
+          </a:p>
+          <a:p>
+            <a:r>
+              <a:rPr lang="pt-BR" dirty="0"/>
+              <a:t> </a:t>
+            </a:r>
+            <a:r>
+              <a:rPr lang="pt-BR" dirty="0" err="1"/>
+              <a:t>Pró-ativo</a:t>
+            </a:r>
+            <a:endParaRPr lang="pt-BR" dirty="0"/>
+          </a:p>
+          <a:p>
+            <a:r>
+              <a:rPr lang="pt-BR" dirty="0"/>
+              <a:t> Contempla atividades para minimizar impacto e probabilidade de ocorrência</a:t>
+            </a:r>
+          </a:p>
+          <a:p>
+            <a:r>
+              <a:rPr lang="pt-BR" dirty="0"/>
+              <a:t> Deve ser executado antes que o risco ocorra</a:t>
+            </a:r>
+          </a:p>
+          <a:p>
+            <a:r>
+              <a:rPr lang="pt-BR" dirty="0"/>
+              <a:t> Evita que o risco se transforme em um problema</a:t>
+            </a:r>
+            <a:endParaRPr lang="pt-BR" dirty="0"/>
+          </a:p>
+        </p:txBody>
+      </p:sp>
+    </p:spTree>
+    <p:extLst>
+      <p:ext uri="{BB962C8B-B14F-4D97-AF65-F5344CB8AC3E}">
+        <p14:creationId xmlns:p14="http://schemas.microsoft.com/office/powerpoint/2010/main" val="2054152960"/>
+      </p:ext>
+    </p:extLst>
+  </p:cSld>
+  <p:clrMapOvr>
+    <a:masterClrMapping/>
+  </p:clrMapOvr>
+</p:sld>
+</file>
+
+<file path=ppt/slides/slide43.xml><?xml version="1.0" encoding="utf-8"?>
+<p:sld xmlns:a="http://schemas.openxmlformats.org/drawingml/2006/main" xmlns:r="http://schemas.openxmlformats.org/officeDocument/2006/relationships" xmlns:p="http://schemas.openxmlformats.org/presentationml/2006/main">
+  <p:cSld>
+    <p:spTree>
+      <p:nvGrpSpPr>
+        <p:cNvPr id="1" name=""/>
+        <p:cNvGrpSpPr/>
+        <p:nvPr/>
+      </p:nvGrpSpPr>
+      <p:grpSpPr>
+        <a:xfrm>
+          <a:off x="0" y="0"/>
+          <a:ext cx="0" cy="0"/>
+          <a:chOff x="0" y="0"/>
+          <a:chExt cx="0" cy="0"/>
+        </a:xfrm>
+      </p:grpSpPr>
+      <p:sp>
+        <p:nvSpPr>
+          <p:cNvPr id="2" name="Title 1"/>
+          <p:cNvSpPr>
+            <a:spLocks noGrp="1"/>
+          </p:cNvSpPr>
+          <p:nvPr>
+            <p:ph type="title"/>
+          </p:nvPr>
+        </p:nvSpPr>
+        <p:spPr/>
+        <p:txBody>
+          <a:bodyPr/>
+          <a:lstStyle/>
+          <a:p>
+            <a:r>
+              <a:rPr lang="pt-BR" dirty="0"/>
+              <a:t>Plano de contingência</a:t>
+            </a:r>
+          </a:p>
+        </p:txBody>
+      </p:sp>
+      <p:sp>
+        <p:nvSpPr>
+          <p:cNvPr id="3" name="Content Placeholder 2"/>
+          <p:cNvSpPr>
+            <a:spLocks noGrp="1"/>
+          </p:cNvSpPr>
+          <p:nvPr>
+            <p:ph idx="1"/>
+          </p:nvPr>
+        </p:nvSpPr>
+        <p:spPr/>
+        <p:txBody>
+          <a:bodyPr/>
+          <a:lstStyle/>
+          <a:p>
+            <a:pPr marL="0" indent="0">
+              <a:buNone/>
+            </a:pPr>
+            <a:r>
+              <a:rPr lang="pt-BR" dirty="0" smtClean="0"/>
+              <a:t>Ao </a:t>
+            </a:r>
+            <a:r>
+              <a:rPr lang="pt-BR" dirty="0"/>
+              <a:t>contrário do plano de mitigação, o plano de contingência é reativo, e deve </a:t>
+            </a:r>
+            <a:r>
+              <a:rPr lang="pt-BR" dirty="0" smtClean="0"/>
+              <a:t>ser acionado </a:t>
+            </a:r>
+            <a:r>
+              <a:rPr lang="pt-BR" dirty="0"/>
+              <a:t>quando o risco virar um problema</a:t>
+            </a:r>
+            <a:r>
+              <a:rPr lang="pt-BR" dirty="0" smtClean="0"/>
+              <a:t>.</a:t>
+            </a:r>
+          </a:p>
+          <a:p>
+            <a:pPr marL="0" indent="0">
+              <a:buNone/>
+            </a:pPr>
+            <a:endParaRPr lang="pt-BR" dirty="0"/>
+          </a:p>
+          <a:p>
+            <a:pPr marL="0" indent="0">
+              <a:buNone/>
+            </a:pPr>
+            <a:r>
+              <a:rPr lang="pt-BR" b="1" dirty="0"/>
+              <a:t>Características</a:t>
+            </a:r>
+            <a:r>
+              <a:rPr lang="pt-BR" dirty="0"/>
+              <a:t>:</a:t>
+            </a:r>
+          </a:p>
+          <a:p>
+            <a:r>
+              <a:rPr lang="pt-BR" dirty="0"/>
+              <a:t> Reatividade</a:t>
+            </a:r>
+          </a:p>
+          <a:p>
+            <a:r>
+              <a:rPr lang="pt-BR" dirty="0"/>
+              <a:t> Sem chance de evitar que o risco ocorra</a:t>
+            </a:r>
+            <a:endParaRPr lang="pt-BR" dirty="0"/>
+          </a:p>
+        </p:txBody>
+      </p:sp>
+    </p:spTree>
+    <p:extLst>
+      <p:ext uri="{BB962C8B-B14F-4D97-AF65-F5344CB8AC3E}">
+        <p14:creationId xmlns:p14="http://schemas.microsoft.com/office/powerpoint/2010/main" val="1507802247"/>
+      </p:ext>
+    </p:extLst>
+  </p:cSld>
+  <p:clrMapOvr>
+    <a:masterClrMapping/>
+  </p:clrMapOvr>
+</p:sld>
+</file>
+
+<file path=ppt/slides/slide44.xml><?xml version="1.0" encoding="utf-8"?>
+<p:sld xmlns:a="http://schemas.openxmlformats.org/drawingml/2006/main" xmlns:r="http://schemas.openxmlformats.org/officeDocument/2006/relationships" xmlns:p="http://schemas.openxmlformats.org/presentationml/2006/main">
+  <p:cSld>
+    <p:spTree>
+      <p:nvGrpSpPr>
+        <p:cNvPr id="1" name=""/>
+        <p:cNvGrpSpPr/>
+        <p:nvPr/>
+      </p:nvGrpSpPr>
+      <p:grpSpPr>
+        <a:xfrm>
+          <a:off x="0" y="0"/>
+          <a:ext cx="0" cy="0"/>
+          <a:chOff x="0" y="0"/>
+          <a:chExt cx="0" cy="0"/>
+        </a:xfrm>
+      </p:grpSpPr>
+      <p:sp>
+        <p:nvSpPr>
+          <p:cNvPr id="2" name="Title 1"/>
+          <p:cNvSpPr>
+            <a:spLocks noGrp="1"/>
+          </p:cNvSpPr>
+          <p:nvPr>
+            <p:ph type="title"/>
+          </p:nvPr>
+        </p:nvSpPr>
+        <p:spPr/>
+        <p:txBody>
+          <a:bodyPr/>
+          <a:lstStyle/>
+          <a:p>
+            <a:r>
+              <a:rPr lang="pt-BR" dirty="0"/>
+              <a:t>Monitorar e controlar os ricos</a:t>
+            </a:r>
+          </a:p>
+        </p:txBody>
+      </p:sp>
+      <p:sp>
+        <p:nvSpPr>
+          <p:cNvPr id="3" name="Content Placeholder 2"/>
+          <p:cNvSpPr>
+            <a:spLocks noGrp="1"/>
+          </p:cNvSpPr>
+          <p:nvPr>
+            <p:ph idx="1"/>
+          </p:nvPr>
+        </p:nvSpPr>
+        <p:spPr/>
+        <p:txBody>
+          <a:bodyPr>
+            <a:normAutofit/>
+          </a:bodyPr>
+          <a:lstStyle/>
+          <a:p>
+            <a:pPr marL="0" indent="0">
+              <a:buNone/>
+            </a:pPr>
+            <a:r>
+              <a:rPr lang="pt-BR" dirty="0" smtClean="0"/>
+              <a:t>O </a:t>
+            </a:r>
+            <a:r>
+              <a:rPr lang="pt-BR" dirty="0"/>
+              <a:t>objetivo desta atividade é acompanhar o progresso das ações planejadas </a:t>
+            </a:r>
+            <a:r>
+              <a:rPr lang="pt-BR" dirty="0" smtClean="0"/>
+              <a:t>e assegurar </a:t>
+            </a:r>
+            <a:r>
+              <a:rPr lang="pt-BR" dirty="0"/>
+              <a:t>que elas sejam efetivas, além de monitorar as mudanças ocorridas </a:t>
+            </a:r>
+            <a:r>
+              <a:rPr lang="pt-BR" dirty="0" smtClean="0"/>
+              <a:t>nos riscos.</a:t>
+            </a:r>
+          </a:p>
+          <a:p>
+            <a:pPr marL="0" indent="0">
+              <a:buNone/>
+            </a:pPr>
+            <a:endParaRPr lang="pt-BR" dirty="0"/>
+          </a:p>
+          <a:p>
+            <a:pPr marL="0" indent="0">
+              <a:buNone/>
+            </a:pPr>
+            <a:r>
+              <a:rPr lang="pt-BR" b="1" dirty="0"/>
+              <a:t>Vejam</a:t>
+            </a:r>
+            <a:r>
+              <a:rPr lang="pt-BR" dirty="0"/>
+              <a:t>:</a:t>
+            </a:r>
+          </a:p>
+          <a:p>
+            <a:r>
+              <a:rPr lang="pt-BR" dirty="0"/>
+              <a:t> Os riscos mudam durante o projeto</a:t>
+            </a:r>
+          </a:p>
+          <a:p>
+            <a:r>
+              <a:rPr lang="pt-BR" dirty="0"/>
+              <a:t> Riscos podem surgir, outros podem desaparecer</a:t>
+            </a:r>
+          </a:p>
+          <a:p>
+            <a:r>
+              <a:rPr lang="pt-BR" dirty="0"/>
+              <a:t> A criticidade dos riscos pode mudar</a:t>
+            </a:r>
+          </a:p>
+          <a:p>
+            <a:r>
+              <a:rPr lang="pt-BR" dirty="0"/>
+              <a:t> Monitorar e controlar os riscos deve ser uma atividade contínua</a:t>
+            </a:r>
+            <a:endParaRPr lang="pt-BR" dirty="0"/>
+          </a:p>
+        </p:txBody>
+      </p:sp>
+    </p:spTree>
+    <p:extLst>
+      <p:ext uri="{BB962C8B-B14F-4D97-AF65-F5344CB8AC3E}">
+        <p14:creationId xmlns:p14="http://schemas.microsoft.com/office/powerpoint/2010/main" val="201170056"/>
+      </p:ext>
+    </p:extLst>
+  </p:cSld>
+  <p:clrMapOvr>
+    <a:masterClrMapping/>
+  </p:clrMapOvr>
+</p:sld>
+</file>
+
+<file path=ppt/slides/slide45.xml><?xml version="1.0" encoding="utf-8"?>
+<p:sld xmlns:a="http://schemas.openxmlformats.org/drawingml/2006/main" xmlns:r="http://schemas.openxmlformats.org/officeDocument/2006/relationships" xmlns:p="http://schemas.openxmlformats.org/presentationml/2006/main">
+  <p:cSld>
+    <p:spTree>
+      <p:nvGrpSpPr>
+        <p:cNvPr id="1" name=""/>
+        <p:cNvGrpSpPr/>
+        <p:nvPr/>
+      </p:nvGrpSpPr>
+      <p:grpSpPr>
+        <a:xfrm>
+          <a:off x="0" y="0"/>
+          <a:ext cx="0" cy="0"/>
+          <a:chOff x="0" y="0"/>
+          <a:chExt cx="0" cy="0"/>
+        </a:xfrm>
+      </p:grpSpPr>
+      <p:sp>
+        <p:nvSpPr>
+          <p:cNvPr id="2" name="Title 1"/>
+          <p:cNvSpPr>
+            <a:spLocks noGrp="1"/>
+          </p:cNvSpPr>
+          <p:nvPr>
+            <p:ph type="title"/>
+          </p:nvPr>
+        </p:nvSpPr>
+        <p:spPr/>
+        <p:txBody>
+          <a:bodyPr/>
+          <a:lstStyle/>
+          <a:p>
+            <a:r>
+              <a:rPr lang="pt-BR" dirty="0"/>
+              <a:t>Monitorar e controlar os ricos</a:t>
+            </a:r>
+          </a:p>
+        </p:txBody>
+      </p:sp>
+      <p:sp>
+        <p:nvSpPr>
+          <p:cNvPr id="3" name="Content Placeholder 2"/>
+          <p:cNvSpPr>
+            <a:spLocks noGrp="1"/>
+          </p:cNvSpPr>
+          <p:nvPr>
+            <p:ph idx="1"/>
+          </p:nvPr>
+        </p:nvSpPr>
+        <p:spPr/>
+        <p:txBody>
+          <a:bodyPr/>
+          <a:lstStyle/>
+          <a:p>
+            <a:r>
+              <a:rPr lang="pt-BR" dirty="0" smtClean="0"/>
+              <a:t>A </a:t>
+            </a:r>
+            <a:r>
+              <a:rPr lang="pt-BR" dirty="0"/>
+              <a:t>maior parte dos riscos pode e deve ser tratada nas fases iniciais do projeto.</a:t>
+            </a:r>
+            <a:endParaRPr lang="pt-BR" dirty="0"/>
+          </a:p>
+        </p:txBody>
+      </p:sp>
+      <p:pic>
+        <p:nvPicPr>
+          <p:cNvPr id="4" name="Picture 3"/>
+          <p:cNvPicPr>
+            <a:picLocks noChangeAspect="1"/>
+          </p:cNvPicPr>
+          <p:nvPr/>
+        </p:nvPicPr>
+        <p:blipFill>
+          <a:blip r:embed="rId2">
+            <a:extLst>
+              <a:ext uri="{28A0092B-C50C-407E-A947-70E740481C1C}">
+                <a14:useLocalDpi xmlns:a14="http://schemas.microsoft.com/office/drawing/2010/main" val="0"/>
+              </a:ext>
+            </a:extLst>
+          </a:blip>
+          <a:stretch>
+            <a:fillRect/>
+          </a:stretch>
+        </p:blipFill>
+        <p:spPr>
+          <a:xfrm>
+            <a:off x="3326822" y="2685789"/>
+            <a:ext cx="5538355" cy="3491174"/>
+          </a:xfrm>
+          <a:prstGeom prst="rect">
+            <a:avLst/>
+          </a:prstGeom>
+        </p:spPr>
+      </p:pic>
+    </p:spTree>
+    <p:extLst>
+      <p:ext uri="{BB962C8B-B14F-4D97-AF65-F5344CB8AC3E}">
+        <p14:creationId xmlns:p14="http://schemas.microsoft.com/office/powerpoint/2010/main" val="2105858385"/>
+      </p:ext>
+    </p:extLst>
+  </p:cSld>
+  <p:clrMapOvr>
+    <a:masterClrMapping/>
+  </p:clrMapOvr>
+</p:sld>
+</file>
+
+<file path=ppt/slides/slide46.xml><?xml version="1.0" encoding="utf-8"?>
+<p:sld xmlns:a="http://schemas.openxmlformats.org/drawingml/2006/main" xmlns:r="http://schemas.openxmlformats.org/officeDocument/2006/relationships" xmlns:p="http://schemas.openxmlformats.org/presentationml/2006/main">
+  <p:cSld>
+    <p:spTree>
+      <p:nvGrpSpPr>
+        <p:cNvPr id="1" name=""/>
+        <p:cNvGrpSpPr/>
+        <p:nvPr/>
+      </p:nvGrpSpPr>
+      <p:grpSpPr>
+        <a:xfrm>
+          <a:off x="0" y="0"/>
+          <a:ext cx="0" cy="0"/>
+          <a:chOff x="0" y="0"/>
+          <a:chExt cx="0" cy="0"/>
+        </a:xfrm>
+      </p:grpSpPr>
+      <p:sp>
+        <p:nvSpPr>
           <p:cNvPr id="2" name="Title 1"/>
           <p:cNvSpPr>
             <a:spLocks noGrp="1"/>
@@ -3095,10 +8135,17 @@
   <p:clrMapOvr>
     <a:masterClrMapping/>
   </p:clrMapOvr>
+  <p:timing>
+    <p:tnLst>
+      <p:par>
+        <p:cTn id="1" dur="indefinite" restart="never" nodeType="tmRoot"/>
+      </p:par>
+    </p:tnLst>
+  </p:timing>
 </p:sld>
 </file>
 
-<file path=ppt/slides/slide3.xml><?xml version="1.0" encoding="utf-8"?>
+<file path=ppt/slides/slide47.xml><?xml version="1.0" encoding="utf-8"?>
 <p:sld xmlns:a="http://schemas.openxmlformats.org/drawingml/2006/main" xmlns:r="http://schemas.openxmlformats.org/officeDocument/2006/relationships" xmlns:p="http://schemas.openxmlformats.org/presentationml/2006/main">
   <p:cSld>
     <p:spTree>
@@ -3180,7 +8227,7 @@
 </p:sld>
 </file>
 
-<file path=ppt/slides/slide4.xml><?xml version="1.0" encoding="utf-8"?>
+<file path=ppt/slides/slide48.xml><?xml version="1.0" encoding="utf-8"?>
 <p:sld xmlns:a="http://schemas.openxmlformats.org/drawingml/2006/main" xmlns:r="http://schemas.openxmlformats.org/officeDocument/2006/relationships" xmlns:p="http://schemas.openxmlformats.org/presentationml/2006/main">
   <p:cSld>
     <p:spTree>
@@ -3471,6 +8518,1012 @@
     <p:extLst>
       <p:ext uri="{BB962C8B-B14F-4D97-AF65-F5344CB8AC3E}">
         <p14:creationId xmlns:p14="http://schemas.microsoft.com/office/powerpoint/2010/main" val="3482429382"/>
+      </p:ext>
+    </p:extLst>
+  </p:cSld>
+  <p:clrMapOvr>
+    <a:masterClrMapping/>
+  </p:clrMapOvr>
+</p:sld>
+</file>
+
+<file path=ppt/slides/slide5.xml><?xml version="1.0" encoding="utf-8"?>
+<p:sld xmlns:a="http://schemas.openxmlformats.org/drawingml/2006/main" xmlns:r="http://schemas.openxmlformats.org/officeDocument/2006/relationships" xmlns:p="http://schemas.openxmlformats.org/presentationml/2006/main">
+  <p:cSld>
+    <p:spTree>
+      <p:nvGrpSpPr>
+        <p:cNvPr id="1" name=""/>
+        <p:cNvGrpSpPr/>
+        <p:nvPr/>
+      </p:nvGrpSpPr>
+      <p:grpSpPr>
+        <a:xfrm>
+          <a:off x="0" y="0"/>
+          <a:ext cx="0" cy="0"/>
+          <a:chOff x="0" y="0"/>
+          <a:chExt cx="0" cy="0"/>
+        </a:xfrm>
+      </p:grpSpPr>
+      <p:sp>
+        <p:nvSpPr>
+          <p:cNvPr id="2" name="Title 1"/>
+          <p:cNvSpPr>
+            <a:spLocks noGrp="1"/>
+          </p:cNvSpPr>
+          <p:nvPr>
+            <p:ph type="title"/>
+          </p:nvPr>
+        </p:nvSpPr>
+        <p:spPr/>
+        <p:txBody>
+          <a:bodyPr/>
+          <a:lstStyle/>
+          <a:p>
+            <a:r>
+              <a:rPr lang="en-US" dirty="0" err="1"/>
+              <a:t>Preparação</a:t>
+            </a:r>
+            <a:r>
+              <a:rPr lang="en-US" dirty="0"/>
+              <a:t> do </a:t>
+            </a:r>
+            <a:r>
+              <a:rPr lang="en-US" dirty="0" err="1"/>
+              <a:t>ambiente</a:t>
+            </a:r>
+            <a:endParaRPr lang="en-US" dirty="0"/>
+          </a:p>
+        </p:txBody>
+      </p:sp>
+      <p:sp>
+        <p:nvSpPr>
+          <p:cNvPr id="3" name="Content Placeholder 2"/>
+          <p:cNvSpPr>
+            <a:spLocks noGrp="1"/>
+          </p:cNvSpPr>
+          <p:nvPr>
+            <p:ph idx="1"/>
+          </p:nvPr>
+        </p:nvSpPr>
+        <p:spPr/>
+        <p:txBody>
+          <a:bodyPr>
+            <a:normAutofit lnSpcReduction="10000"/>
+          </a:bodyPr>
+          <a:lstStyle/>
+          <a:p>
+            <a:pPr marL="0" indent="0">
+              <a:buNone/>
+            </a:pPr>
+            <a:r>
+              <a:rPr lang="pt-BR" dirty="0"/>
+              <a:t>Alguns atributos do ambiente de testes precisam ser analisados e </a:t>
+            </a:r>
+            <a:r>
+              <a:rPr lang="pt-BR" dirty="0" smtClean="0"/>
+              <a:t>planejados para </a:t>
+            </a:r>
+            <a:r>
+              <a:rPr lang="pt-BR" dirty="0"/>
+              <a:t>a realização dos testes. São estes</a:t>
+            </a:r>
+            <a:r>
+              <a:rPr lang="pt-BR" dirty="0" smtClean="0"/>
+              <a:t>:</a:t>
+            </a:r>
+          </a:p>
+          <a:p>
+            <a:pPr marL="0" indent="0">
+              <a:buNone/>
+            </a:pPr>
+            <a:endParaRPr lang="pt-BR" dirty="0"/>
+          </a:p>
+          <a:p>
+            <a:r>
+              <a:rPr lang="en-US" dirty="0"/>
+              <a:t> </a:t>
+            </a:r>
+            <a:r>
+              <a:rPr lang="en-US" dirty="0" err="1"/>
+              <a:t>Escopo</a:t>
+            </a:r>
+            <a:endParaRPr lang="en-US" dirty="0"/>
+          </a:p>
+          <a:p>
+            <a:r>
+              <a:rPr lang="en-US" dirty="0"/>
+              <a:t> </a:t>
+            </a:r>
+            <a:r>
+              <a:rPr lang="en-US" dirty="0" err="1"/>
+              <a:t>Equipe</a:t>
+            </a:r>
+            <a:endParaRPr lang="en-US" dirty="0"/>
+          </a:p>
+          <a:p>
+            <a:r>
+              <a:rPr lang="en-US" dirty="0"/>
+              <a:t> Volume de dados</a:t>
+            </a:r>
+          </a:p>
+          <a:p>
+            <a:r>
+              <a:rPr lang="en-US" dirty="0"/>
+              <a:t> </a:t>
+            </a:r>
+            <a:r>
+              <a:rPr lang="en-US" dirty="0" err="1"/>
+              <a:t>Origem</a:t>
+            </a:r>
+            <a:r>
+              <a:rPr lang="en-US" dirty="0"/>
+              <a:t> dos dados</a:t>
+            </a:r>
+          </a:p>
+          <a:p>
+            <a:r>
+              <a:rPr lang="en-US" dirty="0"/>
+              <a:t> Interfaces</a:t>
+            </a:r>
+          </a:p>
+          <a:p>
+            <a:r>
+              <a:rPr lang="en-US" dirty="0"/>
+              <a:t> </a:t>
+            </a:r>
+            <a:r>
+              <a:rPr lang="en-US" dirty="0" err="1"/>
+              <a:t>Ambiente</a:t>
+            </a:r>
+            <a:endParaRPr lang="en-US" dirty="0"/>
+          </a:p>
+        </p:txBody>
+      </p:sp>
+    </p:spTree>
+    <p:extLst>
+      <p:ext uri="{BB962C8B-B14F-4D97-AF65-F5344CB8AC3E}">
+        <p14:creationId xmlns:p14="http://schemas.microsoft.com/office/powerpoint/2010/main" val="1140148107"/>
+      </p:ext>
+    </p:extLst>
+  </p:cSld>
+  <p:clrMapOvr>
+    <a:masterClrMapping/>
+  </p:clrMapOvr>
+</p:sld>
+</file>
+
+<file path=ppt/slides/slide6.xml><?xml version="1.0" encoding="utf-8"?>
+<p:sld xmlns:a="http://schemas.openxmlformats.org/drawingml/2006/main" xmlns:r="http://schemas.openxmlformats.org/officeDocument/2006/relationships" xmlns:p="http://schemas.openxmlformats.org/presentationml/2006/main">
+  <p:cSld>
+    <p:spTree>
+      <p:nvGrpSpPr>
+        <p:cNvPr id="1" name=""/>
+        <p:cNvGrpSpPr/>
+        <p:nvPr/>
+      </p:nvGrpSpPr>
+      <p:grpSpPr>
+        <a:xfrm>
+          <a:off x="0" y="0"/>
+          <a:ext cx="0" cy="0"/>
+          <a:chOff x="0" y="0"/>
+          <a:chExt cx="0" cy="0"/>
+        </a:xfrm>
+      </p:grpSpPr>
+      <p:sp>
+        <p:nvSpPr>
+          <p:cNvPr id="2" name="Title 1"/>
+          <p:cNvSpPr>
+            <a:spLocks noGrp="1"/>
+          </p:cNvSpPr>
+          <p:nvPr>
+            <p:ph type="title"/>
+          </p:nvPr>
+        </p:nvSpPr>
+        <p:spPr/>
+        <p:txBody>
+          <a:bodyPr/>
+          <a:lstStyle/>
+          <a:p>
+            <a:r>
+              <a:rPr lang="pt-BR" dirty="0"/>
+              <a:t>Escopo</a:t>
+            </a:r>
+            <a:endParaRPr lang="en-US" dirty="0"/>
+          </a:p>
+        </p:txBody>
+      </p:sp>
+      <p:sp>
+        <p:nvSpPr>
+          <p:cNvPr id="3" name="Content Placeholder 2"/>
+          <p:cNvSpPr>
+            <a:spLocks noGrp="1"/>
+          </p:cNvSpPr>
+          <p:nvPr>
+            <p:ph idx="1"/>
+          </p:nvPr>
+        </p:nvSpPr>
+        <p:spPr/>
+        <p:txBody>
+          <a:bodyPr>
+            <a:normAutofit fontScale="92500" lnSpcReduction="20000"/>
+          </a:bodyPr>
+          <a:lstStyle/>
+          <a:p>
+            <a:pPr marL="0" indent="0">
+              <a:buNone/>
+            </a:pPr>
+            <a:r>
+              <a:rPr lang="pt-BR" dirty="0"/>
+              <a:t>O escopo do ambiente sempre dependerá do nível de testes que será executado</a:t>
+            </a:r>
+            <a:r>
+              <a:rPr lang="pt-BR" dirty="0" smtClean="0"/>
+              <a:t>.</a:t>
+            </a:r>
+          </a:p>
+          <a:p>
+            <a:pPr marL="0" indent="0">
+              <a:buNone/>
+            </a:pPr>
+            <a:endParaRPr lang="en-US" dirty="0" smtClean="0"/>
+          </a:p>
+          <a:p>
+            <a:r>
+              <a:rPr lang="en-US" dirty="0" smtClean="0"/>
+              <a:t>Testes </a:t>
+            </a:r>
+            <a:r>
+              <a:rPr lang="en-US" dirty="0" err="1"/>
+              <a:t>unitários</a:t>
+            </a:r>
+            <a:endParaRPr lang="en-US" dirty="0"/>
+          </a:p>
+          <a:p>
+            <a:pPr marL="0" indent="0">
+              <a:buNone/>
+            </a:pPr>
+            <a:r>
+              <a:rPr lang="en-US" dirty="0"/>
+              <a:t> </a:t>
+            </a:r>
+            <a:r>
+              <a:rPr lang="en-US" dirty="0" smtClean="0"/>
+              <a:t>	</a:t>
+            </a:r>
+            <a:r>
+              <a:rPr lang="en-US" dirty="0" err="1" smtClean="0"/>
+              <a:t>Unidade</a:t>
+            </a:r>
+            <a:r>
+              <a:rPr lang="en-US" dirty="0" smtClean="0"/>
+              <a:t> </a:t>
+            </a:r>
+            <a:r>
+              <a:rPr lang="en-US" dirty="0"/>
+              <a:t>Individual</a:t>
+            </a:r>
+          </a:p>
+          <a:p>
+            <a:r>
+              <a:rPr lang="en-US" dirty="0"/>
+              <a:t> Testes de </a:t>
+            </a:r>
+            <a:r>
+              <a:rPr lang="en-US" dirty="0" err="1"/>
+              <a:t>integração</a:t>
+            </a:r>
+            <a:endParaRPr lang="en-US" dirty="0"/>
+          </a:p>
+          <a:p>
+            <a:pPr marL="0" indent="0">
+              <a:buNone/>
+            </a:pPr>
+            <a:r>
+              <a:rPr lang="en-US" dirty="0"/>
+              <a:t> </a:t>
+            </a:r>
+            <a:r>
+              <a:rPr lang="en-US" dirty="0" smtClean="0"/>
+              <a:t>	</a:t>
+            </a:r>
+            <a:r>
+              <a:rPr lang="en-US" dirty="0" err="1" smtClean="0"/>
+              <a:t>Agrupamento</a:t>
+            </a:r>
+            <a:r>
+              <a:rPr lang="en-US" dirty="0" smtClean="0"/>
+              <a:t> </a:t>
+            </a:r>
+            <a:r>
+              <a:rPr lang="en-US" dirty="0"/>
+              <a:t>de </a:t>
+            </a:r>
+            <a:r>
+              <a:rPr lang="en-US" dirty="0" err="1"/>
+              <a:t>unidades</a:t>
+            </a:r>
+            <a:endParaRPr lang="en-US" dirty="0"/>
+          </a:p>
+          <a:p>
+            <a:r>
+              <a:rPr lang="en-US" dirty="0"/>
+              <a:t> Testes de </a:t>
+            </a:r>
+            <a:r>
+              <a:rPr lang="en-US" dirty="0" err="1"/>
+              <a:t>sistema</a:t>
+            </a:r>
+            <a:endParaRPr lang="en-US" dirty="0"/>
+          </a:p>
+          <a:p>
+            <a:pPr marL="0" indent="0">
+              <a:buNone/>
+            </a:pPr>
+            <a:r>
+              <a:rPr lang="en-US" dirty="0"/>
+              <a:t> </a:t>
+            </a:r>
+            <a:r>
+              <a:rPr lang="en-US" dirty="0" smtClean="0"/>
+              <a:t>	Toda </a:t>
+            </a:r>
+            <a:r>
+              <a:rPr lang="en-US" dirty="0"/>
+              <a:t>a </a:t>
+            </a:r>
+            <a:r>
+              <a:rPr lang="en-US" dirty="0" err="1"/>
+              <a:t>aplicação</a:t>
+            </a:r>
+            <a:endParaRPr lang="en-US" dirty="0"/>
+          </a:p>
+          <a:p>
+            <a:r>
+              <a:rPr lang="en-US" dirty="0"/>
+              <a:t> </a:t>
+            </a:r>
+            <a:r>
+              <a:rPr lang="en-US" dirty="0" err="1"/>
+              <a:t>Aceitação</a:t>
+            </a:r>
+            <a:endParaRPr lang="en-US" dirty="0"/>
+          </a:p>
+          <a:p>
+            <a:pPr marL="0" indent="0">
+              <a:buNone/>
+            </a:pPr>
+            <a:r>
+              <a:rPr lang="en-US" dirty="0"/>
+              <a:t> </a:t>
+            </a:r>
+            <a:r>
+              <a:rPr lang="en-US" dirty="0" smtClean="0"/>
+              <a:t>	Toda </a:t>
+            </a:r>
+            <a:r>
+              <a:rPr lang="en-US" dirty="0"/>
+              <a:t>a </a:t>
+            </a:r>
+            <a:r>
+              <a:rPr lang="en-US" dirty="0" err="1"/>
+              <a:t>aplicação</a:t>
+            </a:r>
+            <a:endParaRPr lang="en-US" dirty="0"/>
+          </a:p>
+        </p:txBody>
+      </p:sp>
+    </p:spTree>
+    <p:extLst>
+      <p:ext uri="{BB962C8B-B14F-4D97-AF65-F5344CB8AC3E}">
+        <p14:creationId xmlns:p14="http://schemas.microsoft.com/office/powerpoint/2010/main" val="3267307881"/>
+      </p:ext>
+    </p:extLst>
+  </p:cSld>
+  <p:clrMapOvr>
+    <a:masterClrMapping/>
+  </p:clrMapOvr>
+</p:sld>
+</file>
+
+<file path=ppt/slides/slide7.xml><?xml version="1.0" encoding="utf-8"?>
+<p:sld xmlns:a="http://schemas.openxmlformats.org/drawingml/2006/main" xmlns:r="http://schemas.openxmlformats.org/officeDocument/2006/relationships" xmlns:p="http://schemas.openxmlformats.org/presentationml/2006/main">
+  <p:cSld>
+    <p:spTree>
+      <p:nvGrpSpPr>
+        <p:cNvPr id="1" name=""/>
+        <p:cNvGrpSpPr/>
+        <p:nvPr/>
+      </p:nvGrpSpPr>
+      <p:grpSpPr>
+        <a:xfrm>
+          <a:off x="0" y="0"/>
+          <a:ext cx="0" cy="0"/>
+          <a:chOff x="0" y="0"/>
+          <a:chExt cx="0" cy="0"/>
+        </a:xfrm>
+      </p:grpSpPr>
+      <p:sp>
+        <p:nvSpPr>
+          <p:cNvPr id="2" name="Title 1"/>
+          <p:cNvSpPr>
+            <a:spLocks noGrp="1"/>
+          </p:cNvSpPr>
+          <p:nvPr>
+            <p:ph type="title"/>
+          </p:nvPr>
+        </p:nvSpPr>
+        <p:spPr/>
+        <p:txBody>
+          <a:bodyPr/>
+          <a:lstStyle/>
+          <a:p>
+            <a:r>
+              <a:rPr lang="pt-BR" dirty="0" smtClean="0"/>
+              <a:t>Equipe</a:t>
+            </a:r>
+            <a:endParaRPr lang="en-US" dirty="0"/>
+          </a:p>
+        </p:txBody>
+      </p:sp>
+      <p:sp>
+        <p:nvSpPr>
+          <p:cNvPr id="3" name="Content Placeholder 2"/>
+          <p:cNvSpPr>
+            <a:spLocks noGrp="1"/>
+          </p:cNvSpPr>
+          <p:nvPr>
+            <p:ph idx="1"/>
+          </p:nvPr>
+        </p:nvSpPr>
+        <p:spPr/>
+        <p:txBody>
+          <a:bodyPr/>
+          <a:lstStyle/>
+          <a:p>
+            <a:r>
+              <a:rPr lang="en-US" dirty="0"/>
+              <a:t> Testes </a:t>
+            </a:r>
+            <a:r>
+              <a:rPr lang="en-US" dirty="0" err="1"/>
+              <a:t>unitários</a:t>
+            </a:r>
+            <a:endParaRPr lang="en-US" dirty="0"/>
+          </a:p>
+          <a:p>
+            <a:pPr marL="0" indent="0">
+              <a:buNone/>
+            </a:pPr>
+            <a:r>
+              <a:rPr lang="en-US" dirty="0"/>
+              <a:t> </a:t>
+            </a:r>
+            <a:r>
+              <a:rPr lang="en-US" dirty="0" smtClean="0"/>
+              <a:t>	</a:t>
+            </a:r>
+            <a:r>
+              <a:rPr lang="en-US" dirty="0" err="1" smtClean="0"/>
+              <a:t>Desenvolvedores</a:t>
+            </a:r>
+            <a:endParaRPr lang="en-US" dirty="0"/>
+          </a:p>
+          <a:p>
+            <a:r>
+              <a:rPr lang="en-US" dirty="0"/>
+              <a:t> Testes de </a:t>
+            </a:r>
+            <a:r>
+              <a:rPr lang="en-US" dirty="0" err="1"/>
+              <a:t>integração</a:t>
+            </a:r>
+            <a:endParaRPr lang="en-US" dirty="0"/>
+          </a:p>
+          <a:p>
+            <a:pPr marL="0" indent="0">
+              <a:buNone/>
+            </a:pPr>
+            <a:r>
+              <a:rPr lang="en-US" dirty="0"/>
+              <a:t> </a:t>
+            </a:r>
+            <a:r>
+              <a:rPr lang="en-US" dirty="0" smtClean="0"/>
+              <a:t>	</a:t>
+            </a:r>
+            <a:r>
+              <a:rPr lang="en-US" dirty="0" err="1" smtClean="0"/>
+              <a:t>Desenvolvedores</a:t>
+            </a:r>
+            <a:r>
+              <a:rPr lang="en-US" dirty="0" smtClean="0"/>
+              <a:t> </a:t>
+            </a:r>
+            <a:r>
+              <a:rPr lang="en-US" dirty="0"/>
+              <a:t>/ </a:t>
+            </a:r>
+            <a:r>
+              <a:rPr lang="en-US" dirty="0" err="1"/>
+              <a:t>Analistas</a:t>
+            </a:r>
+            <a:r>
+              <a:rPr lang="en-US" dirty="0"/>
+              <a:t> de </a:t>
+            </a:r>
+            <a:r>
+              <a:rPr lang="en-US" dirty="0" err="1"/>
+              <a:t>sistema</a:t>
+            </a:r>
+            <a:endParaRPr lang="en-US" dirty="0"/>
+          </a:p>
+          <a:p>
+            <a:r>
+              <a:rPr lang="en-US" dirty="0"/>
+              <a:t> Testes de </a:t>
+            </a:r>
+            <a:r>
+              <a:rPr lang="en-US" dirty="0" err="1"/>
+              <a:t>sistema</a:t>
+            </a:r>
+            <a:endParaRPr lang="en-US" dirty="0"/>
+          </a:p>
+          <a:p>
+            <a:pPr marL="0" indent="0">
+              <a:buNone/>
+            </a:pPr>
+            <a:r>
+              <a:rPr lang="en-US" dirty="0"/>
+              <a:t> </a:t>
+            </a:r>
+            <a:r>
+              <a:rPr lang="en-US" dirty="0" smtClean="0"/>
+              <a:t>	</a:t>
+            </a:r>
+            <a:r>
+              <a:rPr lang="en-US" dirty="0" err="1" smtClean="0"/>
+              <a:t>Analistas</a:t>
+            </a:r>
+            <a:r>
+              <a:rPr lang="en-US" dirty="0" smtClean="0"/>
+              <a:t> </a:t>
+            </a:r>
+            <a:r>
+              <a:rPr lang="en-US" dirty="0"/>
+              <a:t>de </a:t>
+            </a:r>
+            <a:r>
+              <a:rPr lang="en-US" dirty="0" err="1"/>
+              <a:t>sistema</a:t>
+            </a:r>
+            <a:r>
+              <a:rPr lang="en-US" dirty="0"/>
+              <a:t> / </a:t>
+            </a:r>
+            <a:r>
+              <a:rPr lang="en-US" dirty="0" err="1"/>
+              <a:t>Testadores</a:t>
+            </a:r>
+            <a:endParaRPr lang="en-US" dirty="0"/>
+          </a:p>
+          <a:p>
+            <a:r>
+              <a:rPr lang="en-US" dirty="0"/>
+              <a:t> </a:t>
+            </a:r>
+            <a:r>
+              <a:rPr lang="en-US" dirty="0" err="1"/>
+              <a:t>Aceitação</a:t>
+            </a:r>
+            <a:endParaRPr lang="en-US" dirty="0"/>
+          </a:p>
+          <a:p>
+            <a:pPr marL="0" indent="0">
+              <a:buNone/>
+            </a:pPr>
+            <a:r>
+              <a:rPr lang="pt-BR" dirty="0"/>
+              <a:t> </a:t>
+            </a:r>
+            <a:r>
+              <a:rPr lang="pt-BR" dirty="0" smtClean="0"/>
+              <a:t>	Analistas </a:t>
+            </a:r>
+            <a:r>
+              <a:rPr lang="pt-BR" dirty="0"/>
+              <a:t>de sistema / Testadores / Usuários</a:t>
+            </a:r>
+            <a:endParaRPr lang="en-US" dirty="0"/>
+          </a:p>
+        </p:txBody>
+      </p:sp>
+    </p:spTree>
+    <p:extLst>
+      <p:ext uri="{BB962C8B-B14F-4D97-AF65-F5344CB8AC3E}">
+        <p14:creationId xmlns:p14="http://schemas.microsoft.com/office/powerpoint/2010/main" val="17900015"/>
+      </p:ext>
+    </p:extLst>
+  </p:cSld>
+  <p:clrMapOvr>
+    <a:masterClrMapping/>
+  </p:clrMapOvr>
+</p:sld>
+</file>
+
+<file path=ppt/slides/slide8.xml><?xml version="1.0" encoding="utf-8"?>
+<p:sld xmlns:a="http://schemas.openxmlformats.org/drawingml/2006/main" xmlns:r="http://schemas.openxmlformats.org/officeDocument/2006/relationships" xmlns:p="http://schemas.openxmlformats.org/presentationml/2006/main">
+  <p:cSld>
+    <p:spTree>
+      <p:nvGrpSpPr>
+        <p:cNvPr id="1" name=""/>
+        <p:cNvGrpSpPr/>
+        <p:nvPr/>
+      </p:nvGrpSpPr>
+      <p:grpSpPr>
+        <a:xfrm>
+          <a:off x="0" y="0"/>
+          <a:ext cx="0" cy="0"/>
+          <a:chOff x="0" y="0"/>
+          <a:chExt cx="0" cy="0"/>
+        </a:xfrm>
+      </p:grpSpPr>
+      <p:sp>
+        <p:nvSpPr>
+          <p:cNvPr id="2" name="Title 1"/>
+          <p:cNvSpPr>
+            <a:spLocks noGrp="1"/>
+          </p:cNvSpPr>
+          <p:nvPr>
+            <p:ph type="title"/>
+          </p:nvPr>
+        </p:nvSpPr>
+        <p:spPr/>
+        <p:txBody>
+          <a:bodyPr/>
+          <a:lstStyle/>
+          <a:p>
+            <a:r>
+              <a:rPr lang="pt-BR" dirty="0" smtClean="0"/>
+              <a:t>Volume dos dados</a:t>
+            </a:r>
+            <a:endParaRPr lang="en-US" dirty="0"/>
+          </a:p>
+        </p:txBody>
+      </p:sp>
+      <p:sp>
+        <p:nvSpPr>
+          <p:cNvPr id="3" name="Content Placeholder 2"/>
+          <p:cNvSpPr>
+            <a:spLocks noGrp="1"/>
+          </p:cNvSpPr>
+          <p:nvPr>
+            <p:ph idx="1"/>
+          </p:nvPr>
+        </p:nvSpPr>
+        <p:spPr/>
+        <p:txBody>
+          <a:bodyPr/>
+          <a:lstStyle/>
+          <a:p>
+            <a:r>
+              <a:rPr lang="en-US" dirty="0"/>
+              <a:t> Testes </a:t>
+            </a:r>
+            <a:r>
+              <a:rPr lang="en-US" dirty="0" err="1"/>
+              <a:t>unitários</a:t>
+            </a:r>
+            <a:endParaRPr lang="en-US" dirty="0"/>
+          </a:p>
+          <a:p>
+            <a:pPr marL="0" indent="0">
+              <a:buNone/>
+            </a:pPr>
+            <a:r>
+              <a:rPr lang="en-US" dirty="0"/>
+              <a:t> </a:t>
+            </a:r>
+            <a:r>
+              <a:rPr lang="en-US" dirty="0" smtClean="0"/>
+              <a:t>	Volume </a:t>
+            </a:r>
+            <a:r>
+              <a:rPr lang="en-US" dirty="0" err="1"/>
+              <a:t>pequeno</a:t>
+            </a:r>
+            <a:endParaRPr lang="en-US" dirty="0"/>
+          </a:p>
+          <a:p>
+            <a:r>
+              <a:rPr lang="en-US" dirty="0"/>
+              <a:t> Testes de </a:t>
+            </a:r>
+            <a:r>
+              <a:rPr lang="en-US" dirty="0" err="1"/>
+              <a:t>Integração</a:t>
+            </a:r>
+            <a:endParaRPr lang="en-US" dirty="0"/>
+          </a:p>
+          <a:p>
+            <a:pPr marL="0" indent="0">
+              <a:buNone/>
+            </a:pPr>
+            <a:r>
+              <a:rPr lang="en-US" dirty="0"/>
+              <a:t> </a:t>
+            </a:r>
+            <a:r>
+              <a:rPr lang="en-US" dirty="0" smtClean="0"/>
+              <a:t>	Volume </a:t>
+            </a:r>
+            <a:r>
+              <a:rPr lang="en-US" dirty="0" err="1"/>
+              <a:t>pequeno</a:t>
+            </a:r>
+            <a:endParaRPr lang="en-US" dirty="0"/>
+          </a:p>
+          <a:p>
+            <a:r>
+              <a:rPr lang="en-US" dirty="0"/>
+              <a:t> Testes de </a:t>
+            </a:r>
+            <a:r>
+              <a:rPr lang="en-US" dirty="0" err="1"/>
+              <a:t>sistema</a:t>
+            </a:r>
+            <a:endParaRPr lang="en-US" dirty="0"/>
+          </a:p>
+          <a:p>
+            <a:pPr marL="0" indent="0">
+              <a:buNone/>
+            </a:pPr>
+            <a:r>
+              <a:rPr lang="en-US" dirty="0"/>
+              <a:t> </a:t>
+            </a:r>
+            <a:r>
+              <a:rPr lang="en-US" dirty="0" smtClean="0"/>
+              <a:t>	Volume </a:t>
+            </a:r>
+            <a:r>
+              <a:rPr lang="en-US" dirty="0" err="1"/>
+              <a:t>grande</a:t>
+            </a:r>
+            <a:endParaRPr lang="en-US" dirty="0"/>
+          </a:p>
+          <a:p>
+            <a:r>
+              <a:rPr lang="en-US" dirty="0"/>
+              <a:t> </a:t>
+            </a:r>
+            <a:r>
+              <a:rPr lang="en-US" dirty="0" err="1"/>
+              <a:t>Aceitação</a:t>
+            </a:r>
+            <a:endParaRPr lang="en-US" dirty="0"/>
+          </a:p>
+          <a:p>
+            <a:pPr marL="0" indent="0">
+              <a:buNone/>
+            </a:pPr>
+            <a:r>
+              <a:rPr lang="en-US" dirty="0"/>
+              <a:t> </a:t>
+            </a:r>
+            <a:r>
+              <a:rPr lang="en-US" dirty="0" smtClean="0"/>
+              <a:t>	Volume </a:t>
+            </a:r>
+            <a:r>
+              <a:rPr lang="en-US" dirty="0" err="1"/>
+              <a:t>grande</a:t>
+            </a:r>
+            <a:endParaRPr lang="en-US" dirty="0"/>
+          </a:p>
+        </p:txBody>
+      </p:sp>
+    </p:spTree>
+    <p:extLst>
+      <p:ext uri="{BB962C8B-B14F-4D97-AF65-F5344CB8AC3E}">
+        <p14:creationId xmlns:p14="http://schemas.microsoft.com/office/powerpoint/2010/main" val="1820337988"/>
+      </p:ext>
+    </p:extLst>
+  </p:cSld>
+  <p:clrMapOvr>
+    <a:masterClrMapping/>
+  </p:clrMapOvr>
+</p:sld>
+</file>
+
+<file path=ppt/slides/slide9.xml><?xml version="1.0" encoding="utf-8"?>
+<p:sld xmlns:a="http://schemas.openxmlformats.org/drawingml/2006/main" xmlns:r="http://schemas.openxmlformats.org/officeDocument/2006/relationships" xmlns:p="http://schemas.openxmlformats.org/presentationml/2006/main">
+  <p:cSld>
+    <p:spTree>
+      <p:nvGrpSpPr>
+        <p:cNvPr id="1" name=""/>
+        <p:cNvGrpSpPr/>
+        <p:nvPr/>
+      </p:nvGrpSpPr>
+      <p:grpSpPr>
+        <a:xfrm>
+          <a:off x="0" y="0"/>
+          <a:ext cx="0" cy="0"/>
+          <a:chOff x="0" y="0"/>
+          <a:chExt cx="0" cy="0"/>
+        </a:xfrm>
+      </p:grpSpPr>
+      <p:sp>
+        <p:nvSpPr>
+          <p:cNvPr id="2" name="Title 1"/>
+          <p:cNvSpPr>
+            <a:spLocks noGrp="1"/>
+          </p:cNvSpPr>
+          <p:nvPr>
+            <p:ph type="title"/>
+          </p:nvPr>
+        </p:nvSpPr>
+        <p:spPr/>
+        <p:txBody>
+          <a:bodyPr/>
+          <a:lstStyle/>
+          <a:p>
+            <a:r>
+              <a:rPr lang="pt-BR" dirty="0" smtClean="0"/>
+              <a:t>Origem dos dados</a:t>
+            </a:r>
+            <a:endParaRPr lang="en-US" dirty="0"/>
+          </a:p>
+        </p:txBody>
+      </p:sp>
+      <p:sp>
+        <p:nvSpPr>
+          <p:cNvPr id="3" name="Content Placeholder 2"/>
+          <p:cNvSpPr>
+            <a:spLocks noGrp="1"/>
+          </p:cNvSpPr>
+          <p:nvPr>
+            <p:ph idx="1"/>
+          </p:nvPr>
+        </p:nvSpPr>
+        <p:spPr/>
+        <p:txBody>
+          <a:bodyPr/>
+          <a:lstStyle/>
+          <a:p>
+            <a:r>
+              <a:rPr lang="en-US" dirty="0"/>
+              <a:t> Testes </a:t>
+            </a:r>
+            <a:r>
+              <a:rPr lang="en-US" dirty="0" err="1"/>
+              <a:t>unitários</a:t>
+            </a:r>
+            <a:endParaRPr lang="en-US" dirty="0"/>
+          </a:p>
+          <a:p>
+            <a:pPr marL="0" indent="0">
+              <a:buNone/>
+            </a:pPr>
+            <a:r>
+              <a:rPr lang="en-US" dirty="0"/>
+              <a:t> </a:t>
+            </a:r>
+            <a:r>
+              <a:rPr lang="en-US" dirty="0" smtClean="0"/>
+              <a:t>	</a:t>
+            </a:r>
+            <a:r>
+              <a:rPr lang="en-US" dirty="0" err="1" smtClean="0"/>
+              <a:t>Criação</a:t>
+            </a:r>
+            <a:r>
+              <a:rPr lang="en-US" dirty="0" smtClean="0"/>
+              <a:t> </a:t>
+            </a:r>
+            <a:r>
+              <a:rPr lang="en-US" dirty="0"/>
+              <a:t>manual</a:t>
+            </a:r>
+          </a:p>
+          <a:p>
+            <a:r>
+              <a:rPr lang="en-US" dirty="0"/>
+              <a:t> Testes de </a:t>
+            </a:r>
+            <a:r>
+              <a:rPr lang="en-US" dirty="0" err="1"/>
+              <a:t>integração</a:t>
+            </a:r>
+            <a:endParaRPr lang="en-US" dirty="0"/>
+          </a:p>
+          <a:p>
+            <a:pPr marL="0" indent="0">
+              <a:buNone/>
+            </a:pPr>
+            <a:r>
+              <a:rPr lang="en-US" dirty="0"/>
+              <a:t> </a:t>
+            </a:r>
+            <a:r>
+              <a:rPr lang="en-US" dirty="0" smtClean="0"/>
+              <a:t>	</a:t>
+            </a:r>
+            <a:r>
+              <a:rPr lang="en-US" dirty="0" err="1" smtClean="0"/>
+              <a:t>Criação</a:t>
+            </a:r>
+            <a:r>
+              <a:rPr lang="en-US" dirty="0" smtClean="0"/>
+              <a:t> </a:t>
+            </a:r>
+            <a:r>
+              <a:rPr lang="en-US" dirty="0"/>
+              <a:t>manual</a:t>
+            </a:r>
+          </a:p>
+          <a:p>
+            <a:r>
+              <a:rPr lang="en-US" dirty="0"/>
+              <a:t> Testes de </a:t>
+            </a:r>
+            <a:r>
+              <a:rPr lang="en-US" dirty="0" err="1"/>
+              <a:t>sistema</a:t>
+            </a:r>
+            <a:endParaRPr lang="en-US" dirty="0"/>
+          </a:p>
+          <a:p>
+            <a:pPr marL="0" indent="0">
+              <a:buNone/>
+            </a:pPr>
+            <a:r>
+              <a:rPr lang="pt-BR" dirty="0"/>
+              <a:t> </a:t>
+            </a:r>
+            <a:r>
+              <a:rPr lang="pt-BR" dirty="0" smtClean="0"/>
+              <a:t>	Criação </a:t>
+            </a:r>
+            <a:r>
+              <a:rPr lang="pt-BR" dirty="0"/>
+              <a:t>automática e/ou dados reais</a:t>
+            </a:r>
+          </a:p>
+          <a:p>
+            <a:r>
+              <a:rPr lang="en-US" dirty="0"/>
+              <a:t> </a:t>
+            </a:r>
+            <a:r>
+              <a:rPr lang="en-US" dirty="0" err="1"/>
+              <a:t>Aceitação</a:t>
+            </a:r>
+            <a:endParaRPr lang="en-US" dirty="0"/>
+          </a:p>
+          <a:p>
+            <a:pPr marL="0" indent="0">
+              <a:buNone/>
+            </a:pPr>
+            <a:r>
+              <a:rPr lang="en-US" dirty="0"/>
+              <a:t> </a:t>
+            </a:r>
+            <a:r>
+              <a:rPr lang="en-US" dirty="0" smtClean="0"/>
+              <a:t>	Dados </a:t>
+            </a:r>
+            <a:r>
+              <a:rPr lang="pt-BR" dirty="0" smtClean="0"/>
+              <a:t>reais</a:t>
+            </a:r>
+            <a:endParaRPr lang="pt-BR" dirty="0"/>
+          </a:p>
+        </p:txBody>
+      </p:sp>
+    </p:spTree>
+    <p:extLst>
+      <p:ext uri="{BB962C8B-B14F-4D97-AF65-F5344CB8AC3E}">
+        <p14:creationId xmlns:p14="http://schemas.microsoft.com/office/powerpoint/2010/main" val="1474408464"/>
       </p:ext>
     </p:extLst>
   </p:cSld>

--- a/Teste de Software.pptx
+++ b/Teste de Software.pptx
@@ -290,7 +290,7 @@
           <a:p>
             <a:fld id="{52734166-9F7B-4BA2-95B8-4F7F1BC1A050}" type="datetimeFigureOut">
               <a:rPr lang="en-US" smtClean="0"/>
-              <a:t>13-Sep-15</a:t>
+              <a:t>30-Oct-15</a:t>
             </a:fld>
             <a:endParaRPr lang="en-US"/>
           </a:p>
@@ -460,7 +460,7 @@
           <a:p>
             <a:fld id="{52734166-9F7B-4BA2-95B8-4F7F1BC1A050}" type="datetimeFigureOut">
               <a:rPr lang="en-US" smtClean="0"/>
-              <a:t>13-Sep-15</a:t>
+              <a:t>30-Oct-15</a:t>
             </a:fld>
             <a:endParaRPr lang="en-US"/>
           </a:p>
@@ -640,7 +640,7 @@
           <a:p>
             <a:fld id="{52734166-9F7B-4BA2-95B8-4F7F1BC1A050}" type="datetimeFigureOut">
               <a:rPr lang="en-US" smtClean="0"/>
-              <a:t>13-Sep-15</a:t>
+              <a:t>30-Oct-15</a:t>
             </a:fld>
             <a:endParaRPr lang="en-US"/>
           </a:p>
@@ -810,7 +810,7 @@
           <a:p>
             <a:fld id="{52734166-9F7B-4BA2-95B8-4F7F1BC1A050}" type="datetimeFigureOut">
               <a:rPr lang="en-US" smtClean="0"/>
-              <a:t>13-Sep-15</a:t>
+              <a:t>30-Oct-15</a:t>
             </a:fld>
             <a:endParaRPr lang="en-US"/>
           </a:p>
@@ -1056,7 +1056,7 @@
           <a:p>
             <a:fld id="{52734166-9F7B-4BA2-95B8-4F7F1BC1A050}" type="datetimeFigureOut">
               <a:rPr lang="en-US" smtClean="0"/>
-              <a:t>13-Sep-15</a:t>
+              <a:t>30-Oct-15</a:t>
             </a:fld>
             <a:endParaRPr lang="en-US"/>
           </a:p>
@@ -1288,7 +1288,7 @@
           <a:p>
             <a:fld id="{52734166-9F7B-4BA2-95B8-4F7F1BC1A050}" type="datetimeFigureOut">
               <a:rPr lang="en-US" smtClean="0"/>
-              <a:t>13-Sep-15</a:t>
+              <a:t>30-Oct-15</a:t>
             </a:fld>
             <a:endParaRPr lang="en-US"/>
           </a:p>
@@ -1655,7 +1655,7 @@
           <a:p>
             <a:fld id="{52734166-9F7B-4BA2-95B8-4F7F1BC1A050}" type="datetimeFigureOut">
               <a:rPr lang="en-US" smtClean="0"/>
-              <a:t>13-Sep-15</a:t>
+              <a:t>30-Oct-15</a:t>
             </a:fld>
             <a:endParaRPr lang="en-US"/>
           </a:p>
@@ -1773,7 +1773,7 @@
           <a:p>
             <a:fld id="{52734166-9F7B-4BA2-95B8-4F7F1BC1A050}" type="datetimeFigureOut">
               <a:rPr lang="en-US" smtClean="0"/>
-              <a:t>13-Sep-15</a:t>
+              <a:t>30-Oct-15</a:t>
             </a:fld>
             <a:endParaRPr lang="en-US"/>
           </a:p>
@@ -1868,7 +1868,7 @@
           <a:p>
             <a:fld id="{52734166-9F7B-4BA2-95B8-4F7F1BC1A050}" type="datetimeFigureOut">
               <a:rPr lang="en-US" smtClean="0"/>
-              <a:t>13-Sep-15</a:t>
+              <a:t>30-Oct-15</a:t>
             </a:fld>
             <a:endParaRPr lang="en-US"/>
           </a:p>
@@ -2145,7 +2145,7 @@
           <a:p>
             <a:fld id="{52734166-9F7B-4BA2-95B8-4F7F1BC1A050}" type="datetimeFigureOut">
               <a:rPr lang="en-US" smtClean="0"/>
-              <a:t>13-Sep-15</a:t>
+              <a:t>30-Oct-15</a:t>
             </a:fld>
             <a:endParaRPr lang="en-US"/>
           </a:p>
@@ -2398,7 +2398,7 @@
           <a:p>
             <a:fld id="{52734166-9F7B-4BA2-95B8-4F7F1BC1A050}" type="datetimeFigureOut">
               <a:rPr lang="en-US" smtClean="0"/>
-              <a:t>13-Sep-15</a:t>
+              <a:t>30-Oct-15</a:t>
             </a:fld>
             <a:endParaRPr lang="en-US"/>
           </a:p>
@@ -2611,7 +2611,7 @@
           <a:p>
             <a:fld id="{52734166-9F7B-4BA2-95B8-4F7F1BC1A050}" type="datetimeFigureOut">
               <a:rPr lang="en-US" smtClean="0"/>
-              <a:t>13-Sep-15</a:t>
+              <a:t>30-Oct-15</a:t>
             </a:fld>
             <a:endParaRPr lang="en-US"/>
           </a:p>
@@ -3033,7 +3033,15 @@
           <a:p>
             <a:r>
               <a:rPr lang="pt-BR" dirty="0" smtClean="0"/>
-              <a:t>Teste de Software</a:t>
+              <a:t>Teste </a:t>
+            </a:r>
+            <a:r>
+              <a:rPr lang="pt-BR" smtClean="0"/>
+              <a:t>de </a:t>
+            </a:r>
+            <a:r>
+              <a:rPr lang="pt-BR" smtClean="0"/>
+              <a:t>Software11</a:t>
             </a:r>
             <a:endParaRPr lang="en-US" dirty="0"/>
           </a:p>
@@ -3362,7 +3370,6 @@
               <a:rPr lang="en-US" dirty="0"/>
               <a:t>teste:</a:t>
             </a:r>
-            <a:endParaRPr lang="en-US" dirty="0"/>
           </a:p>
         </p:txBody>
       </p:sp>
@@ -4049,7 +4056,6 @@
               <a:rPr lang="en-US" dirty="0"/>
               <a:t> testes?</a:t>
             </a:r>
-            <a:endParaRPr lang="en-US" dirty="0"/>
           </a:p>
         </p:txBody>
       </p:sp>
@@ -4215,7 +4221,6 @@
               <a:rPr lang="en-US" dirty="0"/>
               <a:t>de teste</a:t>
             </a:r>
-            <a:endParaRPr lang="en-US" dirty="0"/>
           </a:p>
         </p:txBody>
       </p:sp>
@@ -4857,7 +4862,6 @@
               <a:rPr lang="pt-BR" dirty="0"/>
               <a:t>Ferramentas de execução de testes</a:t>
             </a:r>
-            <a:endParaRPr lang="pt-BR" dirty="0"/>
           </a:p>
         </p:txBody>
       </p:sp>
@@ -5135,7 +5139,6 @@
               <a:rPr lang="pt-BR" dirty="0"/>
               <a:t>O que é risco?</a:t>
             </a:r>
-            <a:endParaRPr lang="pt-BR" dirty="0"/>
           </a:p>
         </p:txBody>
       </p:sp>
@@ -5217,7 +5220,6 @@
               <a:rPr lang="pt-BR" dirty="0"/>
               <a:t>Risco x Problema - Exemplo</a:t>
             </a:r>
-            <a:endParaRPr lang="pt-BR" dirty="0"/>
           </a:p>
         </p:txBody>
       </p:sp>
@@ -5400,7 +5402,6 @@
               <a:rPr lang="pt-BR" dirty="0"/>
               <a:t>para a programação deste projeto.</a:t>
             </a:r>
-            <a:endParaRPr lang="pt-BR" dirty="0"/>
           </a:p>
         </p:txBody>
       </p:sp>
@@ -5527,7 +5528,6 @@
               <a:rPr lang="pt-BR" dirty="0"/>
               <a:t>, que podem causar prejuízos ao negócio do cliente.</a:t>
             </a:r>
-            <a:endParaRPr lang="pt-BR" dirty="0"/>
           </a:p>
         </p:txBody>
       </p:sp>
@@ -5627,7 +5627,6 @@
               <a:rPr lang="pt-BR" dirty="0"/>
               <a:t>ser testadas no prazo e no orçamento que dispomos.</a:t>
             </a:r>
-            <a:endParaRPr lang="pt-BR" dirty="0"/>
           </a:p>
         </p:txBody>
       </p:sp>
@@ -5803,7 +5802,6 @@
               <a:rPr lang="pt-BR" dirty="0"/>
               <a:t> Funções com muitas interfaces</a:t>
             </a:r>
-            <a:endParaRPr lang="pt-BR" dirty="0"/>
           </a:p>
         </p:txBody>
       </p:sp>
@@ -5912,7 +5910,6 @@
               <a:rPr lang="pt-BR" dirty="0"/>
               <a:t> Falta de gerência de configuração</a:t>
             </a:r>
-            <a:endParaRPr lang="pt-BR" dirty="0"/>
           </a:p>
         </p:txBody>
       </p:sp>
@@ -5967,13 +5964,8 @@
             </a:r>
             <a:r>
               <a:rPr lang="en-US" dirty="0"/>
-              <a:t> </a:t>
-            </a:r>
-            <a:r>
-              <a:rPr lang="en-US" dirty="0"/>
-              <a:t>de teste</a:t>
-            </a:r>
-            <a:endParaRPr lang="en-US" dirty="0"/>
+              <a:t> de teste</a:t>
+            </a:r>
           </a:p>
         </p:txBody>
       </p:sp>
@@ -6146,7 +6138,6 @@
               <a:rPr lang="pt-BR" dirty="0"/>
               <a:t> Ambiente de testes inadequado</a:t>
             </a:r>
-            <a:endParaRPr lang="pt-BR" dirty="0"/>
           </a:p>
         </p:txBody>
       </p:sp>
@@ -6271,7 +6262,6 @@
               <a:rPr lang="pt-BR" dirty="0"/>
               <a:t>de tratamento e acompanhamento dos riscos.</a:t>
             </a:r>
-            <a:endParaRPr lang="pt-BR" dirty="0"/>
           </a:p>
         </p:txBody>
       </p:sp>
@@ -6322,17 +6312,8 @@
           <a:p>
             <a:r>
               <a:rPr lang="pt-BR" dirty="0"/>
-              <a:t>4</a:t>
-            </a:r>
-            <a:r>
-              <a:rPr lang="pt-BR" dirty="0"/>
-              <a:t>.1 </a:t>
-            </a:r>
-            <a:r>
-              <a:rPr lang="pt-BR" dirty="0"/>
-              <a:t>Gerenciando riscos</a:t>
-            </a:r>
-            <a:endParaRPr lang="pt-BR" dirty="0"/>
+              <a:t>4.1 Gerenciando riscos</a:t>
+            </a:r>
           </a:p>
         </p:txBody>
       </p:sp>
@@ -6404,7 +6385,6 @@
               <a:rPr lang="pt-BR" dirty="0"/>
               <a:t>Gerência de riscos</a:t>
             </a:r>
-            <a:endParaRPr lang="pt-BR" dirty="0"/>
           </a:p>
         </p:txBody>
       </p:sp>
@@ -6614,7 +6594,6 @@
               <a:rPr lang="pt-BR" dirty="0"/>
               <a:t>Gerenciando Riscos</a:t>
             </a:r>
-            <a:endParaRPr lang="pt-BR" dirty="0"/>
           </a:p>
         </p:txBody>
       </p:sp>
@@ -6988,7 +6967,6 @@
               <a:rPr lang="pt-BR" dirty="0"/>
               <a:t>Analisar os riscos</a:t>
             </a:r>
-            <a:endParaRPr lang="pt-BR" dirty="0"/>
           </a:p>
         </p:txBody>
       </p:sp>
@@ -7128,7 +7106,6 @@
               <a:rPr lang="pt-BR" sz="2000" dirty="0"/>
               <a:t>, e devemos concentrar esforços primeiro nos riscos mais importantes.</a:t>
             </a:r>
-            <a:endParaRPr lang="pt-BR" sz="2000" dirty="0"/>
           </a:p>
         </p:txBody>
       </p:sp>
@@ -7379,7 +7356,6 @@
               <a:rPr lang="pt-BR" dirty="0"/>
               <a:t>ocorrência.</a:t>
             </a:r>
-            <a:endParaRPr lang="pt-BR" dirty="0"/>
           </a:p>
         </p:txBody>
       </p:sp>
@@ -7527,7 +7503,6 @@
               <a:rPr lang="pt-BR" dirty="0"/>
               <a:t> Um plano de contingência</a:t>
             </a:r>
-            <a:endParaRPr lang="pt-BR" dirty="0"/>
           </a:p>
         </p:txBody>
       </p:sp>
@@ -7676,7 +7651,6 @@
               <a:rPr lang="pt-BR" dirty="0"/>
               <a:t> Evita que o risco se transforme em um problema</a:t>
             </a:r>
-            <a:endParaRPr lang="pt-BR" dirty="0"/>
           </a:p>
         </p:txBody>
       </p:sp>
@@ -7801,7 +7775,6 @@
               <a:rPr lang="pt-BR" dirty="0"/>
               <a:t> Sem chance de evitar que o risco ocorra</a:t>
             </a:r>
-            <a:endParaRPr lang="pt-BR" dirty="0"/>
           </a:p>
         </p:txBody>
       </p:sp>
@@ -7940,7 +7913,6 @@
               <a:rPr lang="pt-BR" dirty="0"/>
               <a:t> Monitorar e controlar os riscos deve ser uma atividade contínua</a:t>
             </a:r>
-            <a:endParaRPr lang="pt-BR" dirty="0"/>
           </a:p>
         </p:txBody>
       </p:sp>
@@ -8019,7 +7991,6 @@
               <a:rPr lang="pt-BR" dirty="0"/>
               <a:t>maior parte dos riscos pode e deve ser tratada nas fases iniciais do projeto.</a:t>
             </a:r>
-            <a:endParaRPr lang="pt-BR" dirty="0"/>
           </a:p>
         </p:txBody>
       </p:sp>
